--- a/git.pptx
+++ b/git.pptx
@@ -5,7 +5,7 @@
     <p:sldMasterId id="2147483648" r:id="rId1"/>
   </p:sldMasterIdLst>
   <p:notesMasterIdLst>
-    <p:notesMasterId r:id="rId33"/>
+    <p:notesMasterId r:id="rId36"/>
   </p:notesMasterIdLst>
   <p:sldIdLst>
     <p:sldId id="256" r:id="rId2"/>
@@ -25,20 +25,23 @@
     <p:sldId id="275" r:id="rId16"/>
     <p:sldId id="259" r:id="rId17"/>
     <p:sldId id="263" r:id="rId18"/>
-    <p:sldId id="279" r:id="rId19"/>
-    <p:sldId id="280" r:id="rId20"/>
-    <p:sldId id="281" r:id="rId21"/>
-    <p:sldId id="282" r:id="rId22"/>
-    <p:sldId id="262" r:id="rId23"/>
-    <p:sldId id="269" r:id="rId24"/>
-    <p:sldId id="284" r:id="rId25"/>
-    <p:sldId id="283" r:id="rId26"/>
-    <p:sldId id="285" r:id="rId27"/>
-    <p:sldId id="266" r:id="rId28"/>
-    <p:sldId id="270" r:id="rId29"/>
-    <p:sldId id="272" r:id="rId30"/>
-    <p:sldId id="268" r:id="rId31"/>
-    <p:sldId id="260" r:id="rId32"/>
+    <p:sldId id="289" r:id="rId19"/>
+    <p:sldId id="279" r:id="rId20"/>
+    <p:sldId id="280" r:id="rId21"/>
+    <p:sldId id="281" r:id="rId22"/>
+    <p:sldId id="282" r:id="rId23"/>
+    <p:sldId id="262" r:id="rId24"/>
+    <p:sldId id="269" r:id="rId25"/>
+    <p:sldId id="284" r:id="rId26"/>
+    <p:sldId id="288" r:id="rId27"/>
+    <p:sldId id="290" r:id="rId28"/>
+    <p:sldId id="283" r:id="rId29"/>
+    <p:sldId id="285" r:id="rId30"/>
+    <p:sldId id="266" r:id="rId31"/>
+    <p:sldId id="270" r:id="rId32"/>
+    <p:sldId id="272" r:id="rId33"/>
+    <p:sldId id="268" r:id="rId34"/>
+    <p:sldId id="260" r:id="rId35"/>
   </p:sldIdLst>
   <p:sldSz cx="12192000" cy="6858000"/>
   <p:notesSz cx="6858000" cy="9144000"/>
@@ -227,7 +230,7 @@
           <a:p>
             <a:fld id="{5A9F418B-0140-4310-BA49-772FC976711C}" type="datetimeFigureOut">
               <a:rPr kumimoji="1" lang="ja-JP" altLang="en-US" smtClean="0"/>
-              <a:t>2021/6/13</a:t>
+              <a:t>2022/5/29</a:t>
             </a:fld>
             <a:endParaRPr kumimoji="1" lang="ja-JP" altLang="en-US"/>
           </a:p>
@@ -678,7 +681,7 @@
           <a:p>
             <a:fld id="{E690B67D-0EEB-420D-B242-C4B71FCC5D18}" type="slidenum">
               <a:rPr kumimoji="1" lang="ja-JP" altLang="en-US" smtClean="0"/>
-              <a:t>29</a:t>
+              <a:t>32</a:t>
             </a:fld>
             <a:endParaRPr kumimoji="1" lang="ja-JP" altLang="en-US"/>
           </a:p>
@@ -1503,7 +1506,7 @@
           <a:p>
             <a:fld id="{E690B67D-0EEB-420D-B242-C4B71FCC5D18}" type="slidenum">
               <a:rPr kumimoji="1" lang="ja-JP" altLang="en-US" smtClean="0"/>
-              <a:t>28</a:t>
+              <a:t>31</a:t>
             </a:fld>
             <a:endParaRPr kumimoji="1" lang="ja-JP" altLang="en-US"/>
           </a:p>
@@ -1669,7 +1672,7 @@
           <a:p>
             <a:fld id="{AFD9E5B9-C74C-429A-A168-2B01F5C2C194}" type="datetimeFigureOut">
               <a:rPr kumimoji="1" lang="ja-JP" altLang="en-US" smtClean="0"/>
-              <a:t>2021/6/13</a:t>
+              <a:t>2022/5/29</a:t>
             </a:fld>
             <a:endParaRPr kumimoji="1" lang="ja-JP" altLang="en-US"/>
           </a:p>
@@ -1899,7 +1902,7 @@
           <a:p>
             <a:fld id="{AFD9E5B9-C74C-429A-A168-2B01F5C2C194}" type="datetimeFigureOut">
               <a:rPr kumimoji="1" lang="ja-JP" altLang="en-US" smtClean="0"/>
-              <a:t>2021/6/13</a:t>
+              <a:t>2022/5/29</a:t>
             </a:fld>
             <a:endParaRPr kumimoji="1" lang="ja-JP" altLang="en-US"/>
           </a:p>
@@ -2139,7 +2142,7 @@
           <a:p>
             <a:fld id="{AFD9E5B9-C74C-429A-A168-2B01F5C2C194}" type="datetimeFigureOut">
               <a:rPr kumimoji="1" lang="ja-JP" altLang="en-US" smtClean="0"/>
-              <a:t>2021/6/13</a:t>
+              <a:t>2022/5/29</a:t>
             </a:fld>
             <a:endParaRPr kumimoji="1" lang="ja-JP" altLang="en-US"/>
           </a:p>
@@ -2369,7 +2372,7 @@
           <a:p>
             <a:fld id="{AFD9E5B9-C74C-429A-A168-2B01F5C2C194}" type="datetimeFigureOut">
               <a:rPr kumimoji="1" lang="ja-JP" altLang="en-US" smtClean="0"/>
-              <a:t>2021/6/13</a:t>
+              <a:t>2022/5/29</a:t>
             </a:fld>
             <a:endParaRPr kumimoji="1" lang="ja-JP" altLang="en-US"/>
           </a:p>
@@ -2644,7 +2647,7 @@
           <a:p>
             <a:fld id="{AFD9E5B9-C74C-429A-A168-2B01F5C2C194}" type="datetimeFigureOut">
               <a:rPr kumimoji="1" lang="ja-JP" altLang="en-US" smtClean="0"/>
-              <a:t>2021/6/13</a:t>
+              <a:t>2022/5/29</a:t>
             </a:fld>
             <a:endParaRPr kumimoji="1" lang="ja-JP" altLang="en-US"/>
           </a:p>
@@ -2973,7 +2976,7 @@
           <a:p>
             <a:fld id="{AFD9E5B9-C74C-429A-A168-2B01F5C2C194}" type="datetimeFigureOut">
               <a:rPr kumimoji="1" lang="ja-JP" altLang="en-US" smtClean="0"/>
-              <a:t>2021/6/13</a:t>
+              <a:t>2022/5/29</a:t>
             </a:fld>
             <a:endParaRPr kumimoji="1" lang="ja-JP" altLang="en-US"/>
           </a:p>
@@ -3449,7 +3452,7 @@
           <a:p>
             <a:fld id="{AFD9E5B9-C74C-429A-A168-2B01F5C2C194}" type="datetimeFigureOut">
               <a:rPr kumimoji="1" lang="ja-JP" altLang="en-US" smtClean="0"/>
-              <a:t>2021/6/13</a:t>
+              <a:t>2022/5/29</a:t>
             </a:fld>
             <a:endParaRPr kumimoji="1" lang="ja-JP" altLang="en-US"/>
           </a:p>
@@ -3590,7 +3593,7 @@
           <a:p>
             <a:fld id="{AFD9E5B9-C74C-429A-A168-2B01F5C2C194}" type="datetimeFigureOut">
               <a:rPr kumimoji="1" lang="ja-JP" altLang="en-US" smtClean="0"/>
-              <a:t>2021/6/13</a:t>
+              <a:t>2022/5/29</a:t>
             </a:fld>
             <a:endParaRPr kumimoji="1" lang="ja-JP" altLang="en-US"/>
           </a:p>
@@ -3703,7 +3706,7 @@
           <a:p>
             <a:fld id="{AFD9E5B9-C74C-429A-A168-2B01F5C2C194}" type="datetimeFigureOut">
               <a:rPr kumimoji="1" lang="ja-JP" altLang="en-US" smtClean="0"/>
-              <a:t>2021/6/13</a:t>
+              <a:t>2022/5/29</a:t>
             </a:fld>
             <a:endParaRPr kumimoji="1" lang="ja-JP" altLang="en-US"/>
           </a:p>
@@ -4046,7 +4049,7 @@
           <a:p>
             <a:fld id="{AFD9E5B9-C74C-429A-A168-2B01F5C2C194}" type="datetimeFigureOut">
               <a:rPr kumimoji="1" lang="ja-JP" altLang="en-US" smtClean="0"/>
-              <a:t>2021/6/13</a:t>
+              <a:t>2022/5/29</a:t>
             </a:fld>
             <a:endParaRPr kumimoji="1" lang="ja-JP" altLang="en-US"/>
           </a:p>
@@ -4334,7 +4337,7 @@
           <a:p>
             <a:fld id="{AFD9E5B9-C74C-429A-A168-2B01F5C2C194}" type="datetimeFigureOut">
               <a:rPr kumimoji="1" lang="ja-JP" altLang="en-US" smtClean="0"/>
-              <a:t>2021/6/13</a:t>
+              <a:t>2022/5/29</a:t>
             </a:fld>
             <a:endParaRPr kumimoji="1" lang="ja-JP" altLang="en-US"/>
           </a:p>
@@ -4607,7 +4610,7 @@
           <a:p>
             <a:fld id="{AFD9E5B9-C74C-429A-A168-2B01F5C2C194}" type="datetimeFigureOut">
               <a:rPr kumimoji="1" lang="ja-JP" altLang="en-US" smtClean="0"/>
-              <a:t>2021/6/13</a:t>
+              <a:t>2022/5/29</a:t>
             </a:fld>
             <a:endParaRPr kumimoji="1" lang="ja-JP" altLang="en-US"/>
           </a:p>
@@ -7939,7 +7942,7 @@
           </p:nvSpPr>
           <p:spPr>
             <a:xfrm>
-              <a:off x="751517" y="4091534"/>
+              <a:off x="733229" y="4091534"/>
               <a:ext cx="1356711" cy="430887"/>
             </a:xfrm>
             <a:prstGeom prst="rect">
@@ -8538,7 +8541,7 @@
           </p:nvSpPr>
           <p:spPr>
             <a:xfrm>
-              <a:off x="733761" y="4109290"/>
+              <a:off x="697185" y="4100146"/>
               <a:ext cx="1356711" cy="430887"/>
             </a:xfrm>
             <a:prstGeom prst="rect">
@@ -9456,8 +9459,8 @@
         </p:nvSpPr>
         <p:spPr>
           <a:xfrm>
-            <a:off x="7670345" y="717880"/>
-            <a:ext cx="4395410" cy="2214386"/>
+            <a:off x="7652775" y="614103"/>
+            <a:ext cx="4747207" cy="1989786"/>
           </a:xfrm>
           <a:prstGeom prst="cloudCallout">
             <a:avLst>
@@ -9512,7 +9515,7 @@
             </a:r>
             <a:r>
               <a:rPr lang="ja-JP" altLang="en-US" sz="1600" dirty="0"/>
-              <a:t>ー上に</a:t>
+              <a:t>ー上にある</a:t>
             </a:r>
             <a:r>
               <a:rPr kumimoji="1" lang="ja-JP" altLang="en-US" sz="1600" dirty="0"/>
@@ -12268,1873 +12271,6 @@
       </p:grpSpPr>
       <p:grpSp>
         <p:nvGrpSpPr>
-          <p:cNvPr id="15" name="グループ化 14">
-            <a:extLst>
-              <a:ext uri="{FF2B5EF4-FFF2-40B4-BE49-F238E27FC236}">
-                <a16:creationId xmlns:a16="http://schemas.microsoft.com/office/drawing/2014/main" id="{49B44864-B108-4519-A14C-D624334D25CF}"/>
-              </a:ext>
-            </a:extLst>
-          </p:cNvPr>
-          <p:cNvGrpSpPr/>
-          <p:nvPr/>
-        </p:nvGrpSpPr>
-        <p:grpSpPr>
-          <a:xfrm>
-            <a:off x="1057814" y="2501133"/>
-            <a:ext cx="2741639" cy="4122657"/>
-            <a:chOff x="1835053" y="3230832"/>
-            <a:chExt cx="2458610" cy="4122657"/>
-          </a:xfrm>
-        </p:grpSpPr>
-        <p:pic>
-          <p:nvPicPr>
-            <p:cNvPr id="2" name="グラフィックス 1">
-              <a:extLst>
-                <a:ext uri="{FF2B5EF4-FFF2-40B4-BE49-F238E27FC236}">
-                  <a16:creationId xmlns:a16="http://schemas.microsoft.com/office/drawing/2014/main" id="{28417F10-6623-4ED2-92DD-14B00FEA6168}"/>
-                </a:ext>
-              </a:extLst>
-            </p:cNvPr>
-            <p:cNvPicPr>
-              <a:picLocks noChangeAspect="1"/>
-            </p:cNvPicPr>
-            <p:nvPr/>
-          </p:nvPicPr>
-          <p:blipFill>
-            <a:blip r:embed="rId2">
-              <a:extLst>
-                <a:ext uri="{28A0092B-C50C-407E-A947-70E740481C1C}">
-                  <a14:useLocalDpi xmlns:a14="http://schemas.microsoft.com/office/drawing/2010/main" val="0"/>
-                </a:ext>
-                <a:ext uri="{96DAC541-7B7A-43D3-8B79-37D633B846F1}">
-                  <asvg:svgBlip xmlns:asvg="http://schemas.microsoft.com/office/drawing/2016/SVG/main" r:embed="rId3"/>
-                </a:ext>
-                <a:ext uri="{837473B0-CC2E-450A-ABE3-18F120FF3D39}">
-                  <a1611:picAttrSrcUrl xmlns:a1611="http://schemas.microsoft.com/office/drawing/2016/11/main" r:id="rId4"/>
-                </a:ext>
-              </a:extLst>
-            </a:blip>
-            <a:stretch>
-              <a:fillRect/>
-            </a:stretch>
-          </p:blipFill>
-          <p:spPr>
-            <a:xfrm>
-              <a:off x="1835053" y="3230832"/>
-              <a:ext cx="2458610" cy="4122657"/>
-            </a:xfrm>
-            <a:prstGeom prst="rect">
-              <a:avLst/>
-            </a:prstGeom>
-          </p:spPr>
-        </p:pic>
-        <p:sp>
-          <p:nvSpPr>
-            <p:cNvPr id="9" name="テキスト ボックス 8">
-              <a:extLst>
-                <a:ext uri="{FF2B5EF4-FFF2-40B4-BE49-F238E27FC236}">
-                  <a16:creationId xmlns:a16="http://schemas.microsoft.com/office/drawing/2014/main" id="{1E282268-35BB-462D-8E43-AAD7BD6E33AB}"/>
-                </a:ext>
-              </a:extLst>
-            </p:cNvPr>
-            <p:cNvSpPr txBox="1"/>
-            <p:nvPr/>
-          </p:nvSpPr>
-          <p:spPr>
-            <a:xfrm>
-              <a:off x="2080401" y="4187049"/>
-              <a:ext cx="1356711" cy="430887"/>
-            </a:xfrm>
-            <a:prstGeom prst="rect">
-              <a:avLst/>
-            </a:prstGeom>
-            <a:noFill/>
-          </p:spPr>
-          <p:txBody>
-            <a:bodyPr wrap="square" rtlCol="0">
-              <a:spAutoFit/>
-            </a:bodyPr>
-            <a:lstStyle/>
-            <a:p>
-              <a:r>
-                <a:rPr kumimoji="1" lang="ja-JP" altLang="en-US" sz="1100" b="1" dirty="0"/>
-                <a:t>ローカル</a:t>
-              </a:r>
-              <a:endParaRPr kumimoji="1" lang="en-US" altLang="ja-JP" sz="1100" b="1" dirty="0"/>
-            </a:p>
-            <a:p>
-              <a:r>
-                <a:rPr kumimoji="1" lang="ja-JP" altLang="en-US" sz="1100" b="1" dirty="0"/>
-                <a:t>リポジトリ</a:t>
-              </a:r>
-            </a:p>
-          </p:txBody>
-        </p:sp>
-        <p:sp>
-          <p:nvSpPr>
-            <p:cNvPr id="10" name="円柱 9">
-              <a:extLst>
-                <a:ext uri="{FF2B5EF4-FFF2-40B4-BE49-F238E27FC236}">
-                  <a16:creationId xmlns:a16="http://schemas.microsoft.com/office/drawing/2014/main" id="{430FD5DB-3CE9-49F5-883B-85232C26B5BE}"/>
-                </a:ext>
-              </a:extLst>
-            </p:cNvPr>
-            <p:cNvSpPr/>
-            <p:nvPr/>
-          </p:nvSpPr>
-          <p:spPr>
-            <a:xfrm>
-              <a:off x="2669690" y="5302127"/>
-              <a:ext cx="767422" cy="618916"/>
-            </a:xfrm>
-            <a:prstGeom prst="can">
-              <a:avLst>
-                <a:gd name="adj" fmla="val 22181"/>
-              </a:avLst>
-            </a:prstGeom>
-            <a:ln>
-              <a:solidFill>
-                <a:srgbClr val="5B9BD5"/>
-              </a:solidFill>
-            </a:ln>
-          </p:spPr>
-          <p:style>
-            <a:lnRef idx="2">
-              <a:schemeClr val="accent1"/>
-            </a:lnRef>
-            <a:fillRef idx="1">
-              <a:schemeClr val="lt1"/>
-            </a:fillRef>
-            <a:effectRef idx="0">
-              <a:schemeClr val="accent1"/>
-            </a:effectRef>
-            <a:fontRef idx="minor">
-              <a:schemeClr val="dk1"/>
-            </a:fontRef>
-          </p:style>
-          <p:txBody>
-            <a:bodyPr rtlCol="0" anchor="ctr"/>
-            <a:lstStyle/>
-            <a:p>
-              <a:pPr algn="ctr"/>
-              <a:r>
-                <a:rPr kumimoji="1" lang="en-US" altLang="ja-JP" sz="3200" dirty="0">
-                  <a:latin typeface="ＭＳ Ｐ明朝" panose="02020600040205080304" pitchFamily="18" charset="-128"/>
-                  <a:ea typeface="ＭＳ Ｐ明朝" panose="02020600040205080304" pitchFamily="18" charset="-128"/>
-                </a:rPr>
-                <a:t>.git</a:t>
-              </a:r>
-              <a:endParaRPr kumimoji="1" lang="ja-JP" altLang="en-US" sz="1200" dirty="0">
-                <a:latin typeface="ＭＳ Ｐ明朝" panose="02020600040205080304" pitchFamily="18" charset="-128"/>
-                <a:ea typeface="ＭＳ Ｐ明朝" panose="02020600040205080304" pitchFamily="18" charset="-128"/>
-              </a:endParaRPr>
-            </a:p>
-          </p:txBody>
-        </p:sp>
-        <p:sp>
-          <p:nvSpPr>
-            <p:cNvPr id="11" name="円柱 10">
-              <a:extLst>
-                <a:ext uri="{FF2B5EF4-FFF2-40B4-BE49-F238E27FC236}">
-                  <a16:creationId xmlns:a16="http://schemas.microsoft.com/office/drawing/2014/main" id="{4CA409A4-C08A-4133-A52E-DAA96DEDD7C8}"/>
-                </a:ext>
-              </a:extLst>
-            </p:cNvPr>
-            <p:cNvSpPr/>
-            <p:nvPr/>
-          </p:nvSpPr>
-          <p:spPr>
-            <a:xfrm>
-              <a:off x="2669690" y="5170542"/>
-              <a:ext cx="767422" cy="225480"/>
-            </a:xfrm>
-            <a:prstGeom prst="can">
-              <a:avLst>
-                <a:gd name="adj" fmla="val 50000"/>
-              </a:avLst>
-            </a:prstGeom>
-            <a:ln>
-              <a:solidFill>
-                <a:srgbClr val="5B9BD5"/>
-              </a:solidFill>
-            </a:ln>
-          </p:spPr>
-          <p:style>
-            <a:lnRef idx="1">
-              <a:schemeClr val="accent6"/>
-            </a:lnRef>
-            <a:fillRef idx="2">
-              <a:schemeClr val="accent6"/>
-            </a:fillRef>
-            <a:effectRef idx="1">
-              <a:schemeClr val="accent6"/>
-            </a:effectRef>
-            <a:fontRef idx="minor">
-              <a:schemeClr val="dk1"/>
-            </a:fontRef>
-          </p:style>
-          <p:txBody>
-            <a:bodyPr rtlCol="0" anchor="ctr"/>
-            <a:lstStyle/>
-            <a:p>
-              <a:pPr algn="ctr"/>
-              <a:endParaRPr kumimoji="1" lang="ja-JP" altLang="en-US"/>
-            </a:p>
-          </p:txBody>
-        </p:sp>
-        <p:sp>
-          <p:nvSpPr>
-            <p:cNvPr id="13" name="円柱 12">
-              <a:extLst>
-                <a:ext uri="{FF2B5EF4-FFF2-40B4-BE49-F238E27FC236}">
-                  <a16:creationId xmlns:a16="http://schemas.microsoft.com/office/drawing/2014/main" id="{B090B72E-8869-419E-BFF8-E7FB0828A60B}"/>
-                </a:ext>
-              </a:extLst>
-            </p:cNvPr>
-            <p:cNvSpPr/>
-            <p:nvPr/>
-          </p:nvSpPr>
-          <p:spPr>
-            <a:xfrm>
-              <a:off x="2669690" y="5021542"/>
-              <a:ext cx="767422" cy="225480"/>
-            </a:xfrm>
-            <a:prstGeom prst="can">
-              <a:avLst>
-                <a:gd name="adj" fmla="val 50000"/>
-              </a:avLst>
-            </a:prstGeom>
-            <a:ln>
-              <a:solidFill>
-                <a:srgbClr val="5B9BD5"/>
-              </a:solidFill>
-            </a:ln>
-          </p:spPr>
-          <p:style>
-            <a:lnRef idx="2">
-              <a:schemeClr val="accent2">
-                <a:shade val="50000"/>
-              </a:schemeClr>
-            </a:lnRef>
-            <a:fillRef idx="1">
-              <a:schemeClr val="accent2"/>
-            </a:fillRef>
-            <a:effectRef idx="0">
-              <a:schemeClr val="accent2"/>
-            </a:effectRef>
-            <a:fontRef idx="minor">
-              <a:schemeClr val="lt1"/>
-            </a:fontRef>
-          </p:style>
-          <p:txBody>
-            <a:bodyPr rtlCol="0" anchor="ctr"/>
-            <a:lstStyle/>
-            <a:p>
-              <a:pPr algn="ctr"/>
-              <a:endParaRPr kumimoji="1" lang="ja-JP" altLang="en-US"/>
-            </a:p>
-          </p:txBody>
-        </p:sp>
-        <p:sp>
-          <p:nvSpPr>
-            <p:cNvPr id="14" name="円柱 13">
-              <a:extLst>
-                <a:ext uri="{FF2B5EF4-FFF2-40B4-BE49-F238E27FC236}">
-                  <a16:creationId xmlns:a16="http://schemas.microsoft.com/office/drawing/2014/main" id="{B166ECE9-98BC-459F-A01E-0F5D38C1F997}"/>
-                </a:ext>
-              </a:extLst>
-            </p:cNvPr>
-            <p:cNvSpPr/>
-            <p:nvPr/>
-          </p:nvSpPr>
-          <p:spPr>
-            <a:xfrm>
-              <a:off x="2669690" y="4871453"/>
-              <a:ext cx="767422" cy="225480"/>
-            </a:xfrm>
-            <a:prstGeom prst="can">
-              <a:avLst>
-                <a:gd name="adj" fmla="val 50000"/>
-              </a:avLst>
-            </a:prstGeom>
-            <a:ln>
-              <a:solidFill>
-                <a:srgbClr val="5B9BD5"/>
-              </a:solidFill>
-            </a:ln>
-          </p:spPr>
-          <p:style>
-            <a:lnRef idx="2">
-              <a:schemeClr val="accent1">
-                <a:shade val="50000"/>
-              </a:schemeClr>
-            </a:lnRef>
-            <a:fillRef idx="1">
-              <a:schemeClr val="accent1"/>
-            </a:fillRef>
-            <a:effectRef idx="0">
-              <a:schemeClr val="accent1"/>
-            </a:effectRef>
-            <a:fontRef idx="minor">
-              <a:schemeClr val="lt1"/>
-            </a:fontRef>
-          </p:style>
-          <p:txBody>
-            <a:bodyPr rtlCol="0" anchor="ctr"/>
-            <a:lstStyle/>
-            <a:p>
-              <a:pPr algn="ctr"/>
-              <a:endParaRPr kumimoji="1" lang="ja-JP" altLang="en-US"/>
-            </a:p>
-          </p:txBody>
-        </p:sp>
-      </p:grpSp>
-      <p:grpSp>
-        <p:nvGrpSpPr>
-          <p:cNvPr id="12" name="グループ化 11">
-            <a:extLst>
-              <a:ext uri="{FF2B5EF4-FFF2-40B4-BE49-F238E27FC236}">
-                <a16:creationId xmlns:a16="http://schemas.microsoft.com/office/drawing/2014/main" id="{83D69EE0-F09D-4787-97D9-3509CC9ED8FB}"/>
-              </a:ext>
-            </a:extLst>
-          </p:cNvPr>
-          <p:cNvGrpSpPr/>
-          <p:nvPr/>
-        </p:nvGrpSpPr>
-        <p:grpSpPr>
-          <a:xfrm>
-            <a:off x="6828267" y="2501132"/>
-            <a:ext cx="4122657" cy="4122657"/>
-            <a:chOff x="6828267" y="2501132"/>
-            <a:chExt cx="4122657" cy="4122657"/>
-          </a:xfrm>
-        </p:grpSpPr>
-        <p:pic>
-          <p:nvPicPr>
-            <p:cNvPr id="17" name="グラフィックス 16">
-              <a:extLst>
-                <a:ext uri="{FF2B5EF4-FFF2-40B4-BE49-F238E27FC236}">
-                  <a16:creationId xmlns:a16="http://schemas.microsoft.com/office/drawing/2014/main" id="{2D16CBA1-D973-4867-BA2A-E86DBEB428D5}"/>
-                </a:ext>
-              </a:extLst>
-            </p:cNvPr>
-            <p:cNvPicPr>
-              <a:picLocks noChangeAspect="1"/>
-            </p:cNvPicPr>
-            <p:nvPr/>
-          </p:nvPicPr>
-          <p:blipFill>
-            <a:blip r:embed="rId5">
-              <a:extLst>
-                <a:ext uri="{28A0092B-C50C-407E-A947-70E740481C1C}">
-                  <a14:useLocalDpi xmlns:a14="http://schemas.microsoft.com/office/drawing/2010/main" val="0"/>
-                </a:ext>
-                <a:ext uri="{96DAC541-7B7A-43D3-8B79-37D633B846F1}">
-                  <asvg:svgBlip xmlns:asvg="http://schemas.microsoft.com/office/drawing/2016/SVG/main" r:embed="rId6"/>
-                </a:ext>
-                <a:ext uri="{837473B0-CC2E-450A-ABE3-18F120FF3D39}">
-                  <a1611:picAttrSrcUrl xmlns:a1611="http://schemas.microsoft.com/office/drawing/2016/11/main" r:id="rId4"/>
-                </a:ext>
-              </a:extLst>
-            </a:blip>
-            <a:stretch>
-              <a:fillRect/>
-            </a:stretch>
-          </p:blipFill>
-          <p:spPr>
-            <a:xfrm>
-              <a:off x="6828267" y="2501132"/>
-              <a:ext cx="4122657" cy="4122657"/>
-            </a:xfrm>
-            <a:prstGeom prst="rect">
-              <a:avLst/>
-            </a:prstGeom>
-          </p:spPr>
-        </p:pic>
-        <p:grpSp>
-          <p:nvGrpSpPr>
-            <p:cNvPr id="18" name="グループ化 17">
-              <a:extLst>
-                <a:ext uri="{FF2B5EF4-FFF2-40B4-BE49-F238E27FC236}">
-                  <a16:creationId xmlns:a16="http://schemas.microsoft.com/office/drawing/2014/main" id="{077212C9-07F7-46E9-9A6F-9B8230299CA3}"/>
-                </a:ext>
-              </a:extLst>
-            </p:cNvPr>
-            <p:cNvGrpSpPr/>
-            <p:nvPr/>
-          </p:nvGrpSpPr>
-          <p:grpSpPr>
-            <a:xfrm>
-              <a:off x="7532885" y="4055023"/>
-              <a:ext cx="1108499" cy="1323754"/>
-              <a:chOff x="1114425" y="1885950"/>
-              <a:chExt cx="1981200" cy="2152650"/>
-            </a:xfrm>
-          </p:grpSpPr>
-          <p:sp>
-            <p:nvSpPr>
-              <p:cNvPr id="24" name="四角形: メモ 23">
-                <a:extLst>
-                  <a:ext uri="{FF2B5EF4-FFF2-40B4-BE49-F238E27FC236}">
-                    <a16:creationId xmlns:a16="http://schemas.microsoft.com/office/drawing/2014/main" id="{3ABECB00-0BD3-4263-8914-7462219EF980}"/>
-                  </a:ext>
-                </a:extLst>
-              </p:cNvPr>
-              <p:cNvSpPr/>
-              <p:nvPr/>
-            </p:nvSpPr>
-            <p:spPr>
-              <a:xfrm>
-                <a:off x="1114425" y="1885950"/>
-                <a:ext cx="1371600" cy="1543050"/>
-              </a:xfrm>
-              <a:prstGeom prst="foldedCorner">
-                <a:avLst/>
-              </a:prstGeom>
-            </p:spPr>
-            <p:style>
-              <a:lnRef idx="1">
-                <a:schemeClr val="accent3"/>
-              </a:lnRef>
-              <a:fillRef idx="2">
-                <a:schemeClr val="accent3"/>
-              </a:fillRef>
-              <a:effectRef idx="1">
-                <a:schemeClr val="accent3"/>
-              </a:effectRef>
-              <a:fontRef idx="minor">
-                <a:schemeClr val="dk1"/>
-              </a:fontRef>
-            </p:style>
-            <p:txBody>
-              <a:bodyPr rtlCol="0" anchor="ctr"/>
-              <a:lstStyle/>
-              <a:p>
-                <a:pPr algn="ctr"/>
-                <a:r>
-                  <a:rPr kumimoji="1" lang="en-US" altLang="ja-JP" dirty="0"/>
-                  <a:t>Data</a:t>
-                </a:r>
-                <a:r>
-                  <a:rPr lang="en-US" altLang="ja-JP" dirty="0"/>
-                  <a:t>1</a:t>
-                </a:r>
-                <a:endParaRPr kumimoji="1" lang="en-US" altLang="ja-JP" dirty="0"/>
-              </a:p>
-            </p:txBody>
-          </p:sp>
-          <p:sp>
-            <p:nvSpPr>
-              <p:cNvPr id="25" name="四角形: メモ 24">
-                <a:extLst>
-                  <a:ext uri="{FF2B5EF4-FFF2-40B4-BE49-F238E27FC236}">
-                    <a16:creationId xmlns:a16="http://schemas.microsoft.com/office/drawing/2014/main" id="{4786B353-1982-4449-91CA-8A2B5F1B591C}"/>
-                  </a:ext>
-                </a:extLst>
-              </p:cNvPr>
-              <p:cNvSpPr/>
-              <p:nvPr/>
-            </p:nvSpPr>
-            <p:spPr>
-              <a:xfrm>
-                <a:off x="1266825" y="2038350"/>
-                <a:ext cx="1371600" cy="1543050"/>
-              </a:xfrm>
-              <a:prstGeom prst="foldedCorner">
-                <a:avLst/>
-              </a:prstGeom>
-            </p:spPr>
-            <p:style>
-              <a:lnRef idx="1">
-                <a:schemeClr val="accent3"/>
-              </a:lnRef>
-              <a:fillRef idx="2">
-                <a:schemeClr val="accent3"/>
-              </a:fillRef>
-              <a:effectRef idx="1">
-                <a:schemeClr val="accent3"/>
-              </a:effectRef>
-              <a:fontRef idx="minor">
-                <a:schemeClr val="dk1"/>
-              </a:fontRef>
-            </p:style>
-            <p:txBody>
-              <a:bodyPr rtlCol="0" anchor="ctr"/>
-              <a:lstStyle/>
-              <a:p>
-                <a:pPr algn="ctr"/>
-                <a:r>
-                  <a:rPr kumimoji="1" lang="en-US" altLang="ja-JP" dirty="0"/>
-                  <a:t>Data</a:t>
-                </a:r>
-                <a:r>
-                  <a:rPr lang="en-US" altLang="ja-JP" dirty="0"/>
-                  <a:t>1</a:t>
-                </a:r>
-                <a:endParaRPr kumimoji="1" lang="en-US" altLang="ja-JP" dirty="0"/>
-              </a:p>
-            </p:txBody>
-          </p:sp>
-          <p:sp>
-            <p:nvSpPr>
-              <p:cNvPr id="26" name="四角形: メモ 25">
-                <a:extLst>
-                  <a:ext uri="{FF2B5EF4-FFF2-40B4-BE49-F238E27FC236}">
-                    <a16:creationId xmlns:a16="http://schemas.microsoft.com/office/drawing/2014/main" id="{8BE03254-A2F7-47A0-954B-1BA0E81464F7}"/>
-                  </a:ext>
-                </a:extLst>
-              </p:cNvPr>
-              <p:cNvSpPr/>
-              <p:nvPr/>
-            </p:nvSpPr>
-            <p:spPr>
-              <a:xfrm>
-                <a:off x="1419225" y="2190750"/>
-                <a:ext cx="1371600" cy="1543050"/>
-              </a:xfrm>
-              <a:prstGeom prst="foldedCorner">
-                <a:avLst/>
-              </a:prstGeom>
-            </p:spPr>
-            <p:style>
-              <a:lnRef idx="1">
-                <a:schemeClr val="accent3"/>
-              </a:lnRef>
-              <a:fillRef idx="2">
-                <a:schemeClr val="accent3"/>
-              </a:fillRef>
-              <a:effectRef idx="1">
-                <a:schemeClr val="accent3"/>
-              </a:effectRef>
-              <a:fontRef idx="minor">
-                <a:schemeClr val="dk1"/>
-              </a:fontRef>
-            </p:style>
-            <p:txBody>
-              <a:bodyPr rtlCol="0" anchor="ctr"/>
-              <a:lstStyle/>
-              <a:p>
-                <a:pPr algn="ctr"/>
-                <a:r>
-                  <a:rPr kumimoji="1" lang="en-US" altLang="ja-JP" dirty="0"/>
-                  <a:t>Data</a:t>
-                </a:r>
-                <a:r>
-                  <a:rPr lang="en-US" altLang="ja-JP" dirty="0"/>
-                  <a:t>1</a:t>
-                </a:r>
-                <a:endParaRPr kumimoji="1" lang="en-US" altLang="ja-JP" dirty="0"/>
-              </a:p>
-            </p:txBody>
-          </p:sp>
-          <p:sp>
-            <p:nvSpPr>
-              <p:cNvPr id="27" name="四角形: メモ 26">
-                <a:extLst>
-                  <a:ext uri="{FF2B5EF4-FFF2-40B4-BE49-F238E27FC236}">
-                    <a16:creationId xmlns:a16="http://schemas.microsoft.com/office/drawing/2014/main" id="{AD399E44-7523-427C-9A2A-CC0FDB4AA209}"/>
-                  </a:ext>
-                </a:extLst>
-              </p:cNvPr>
-              <p:cNvSpPr/>
-              <p:nvPr/>
-            </p:nvSpPr>
-            <p:spPr>
-              <a:xfrm>
-                <a:off x="1571625" y="2343150"/>
-                <a:ext cx="1371600" cy="1543050"/>
-              </a:xfrm>
-              <a:prstGeom prst="foldedCorner">
-                <a:avLst/>
-              </a:prstGeom>
-            </p:spPr>
-            <p:style>
-              <a:lnRef idx="1">
-                <a:schemeClr val="accent3"/>
-              </a:lnRef>
-              <a:fillRef idx="2">
-                <a:schemeClr val="accent3"/>
-              </a:fillRef>
-              <a:effectRef idx="1">
-                <a:schemeClr val="accent3"/>
-              </a:effectRef>
-              <a:fontRef idx="minor">
-                <a:schemeClr val="dk1"/>
-              </a:fontRef>
-            </p:style>
-            <p:txBody>
-              <a:bodyPr rtlCol="0" anchor="ctr"/>
-              <a:lstStyle/>
-              <a:p>
-                <a:pPr algn="ctr"/>
-                <a:r>
-                  <a:rPr kumimoji="1" lang="en-US" altLang="ja-JP" dirty="0"/>
-                  <a:t>Data</a:t>
-                </a:r>
-                <a:r>
-                  <a:rPr lang="en-US" altLang="ja-JP" dirty="0"/>
-                  <a:t>1</a:t>
-                </a:r>
-                <a:endParaRPr kumimoji="1" lang="en-US" altLang="ja-JP" dirty="0"/>
-              </a:p>
-            </p:txBody>
-          </p:sp>
-          <p:sp>
-            <p:nvSpPr>
-              <p:cNvPr id="28" name="四角形: メモ 27">
-                <a:extLst>
-                  <a:ext uri="{FF2B5EF4-FFF2-40B4-BE49-F238E27FC236}">
-                    <a16:creationId xmlns:a16="http://schemas.microsoft.com/office/drawing/2014/main" id="{AFF133FF-356C-430B-8259-61A32408651E}"/>
-                  </a:ext>
-                </a:extLst>
-              </p:cNvPr>
-              <p:cNvSpPr/>
-              <p:nvPr/>
-            </p:nvSpPr>
-            <p:spPr>
-              <a:xfrm>
-                <a:off x="1724025" y="2495550"/>
-                <a:ext cx="1371600" cy="1543050"/>
-              </a:xfrm>
-              <a:prstGeom prst="foldedCorner">
-                <a:avLst/>
-              </a:prstGeom>
-            </p:spPr>
-            <p:style>
-              <a:lnRef idx="1">
-                <a:schemeClr val="accent3"/>
-              </a:lnRef>
-              <a:fillRef idx="2">
-                <a:schemeClr val="accent3"/>
-              </a:fillRef>
-              <a:effectRef idx="1">
-                <a:schemeClr val="accent3"/>
-              </a:effectRef>
-              <a:fontRef idx="minor">
-                <a:schemeClr val="dk1"/>
-              </a:fontRef>
-            </p:style>
-            <p:txBody>
-              <a:bodyPr rtlCol="0" anchor="ctr"/>
-              <a:lstStyle/>
-              <a:p>
-                <a:pPr algn="ctr"/>
-                <a:r>
-                  <a:rPr kumimoji="1" lang="en-US" altLang="ja-JP" dirty="0"/>
-                  <a:t>Data</a:t>
-                </a:r>
-              </a:p>
-            </p:txBody>
-          </p:sp>
-        </p:grpSp>
-        <p:sp>
-          <p:nvSpPr>
-            <p:cNvPr id="19" name="テキスト ボックス 18">
-              <a:extLst>
-                <a:ext uri="{FF2B5EF4-FFF2-40B4-BE49-F238E27FC236}">
-                  <a16:creationId xmlns:a16="http://schemas.microsoft.com/office/drawing/2014/main" id="{6CAD6529-DD89-4481-A7B0-5807CE4B56C5}"/>
-                </a:ext>
-              </a:extLst>
-            </p:cNvPr>
-            <p:cNvSpPr txBox="1"/>
-            <p:nvPr/>
-          </p:nvSpPr>
-          <p:spPr>
-            <a:xfrm>
-              <a:off x="7391022" y="3379590"/>
-              <a:ext cx="1356711" cy="430887"/>
-            </a:xfrm>
-            <a:prstGeom prst="rect">
-              <a:avLst/>
-            </a:prstGeom>
-            <a:noFill/>
-          </p:spPr>
-          <p:txBody>
-            <a:bodyPr wrap="square" rtlCol="0">
-              <a:spAutoFit/>
-            </a:bodyPr>
-            <a:lstStyle/>
-            <a:p>
-              <a:r>
-                <a:rPr lang="ja-JP" altLang="en-US" sz="1100" b="1" dirty="0"/>
-                <a:t>リモート</a:t>
-              </a:r>
-              <a:endParaRPr kumimoji="1" lang="en-US" altLang="ja-JP" sz="1100" b="1" dirty="0"/>
-            </a:p>
-            <a:p>
-              <a:r>
-                <a:rPr kumimoji="1" lang="ja-JP" altLang="en-US" sz="1100" b="1" dirty="0"/>
-                <a:t>リポジトリ</a:t>
-              </a:r>
-            </a:p>
-          </p:txBody>
-        </p:sp>
-        <p:sp>
-          <p:nvSpPr>
-            <p:cNvPr id="20" name="円柱 19">
-              <a:extLst>
-                <a:ext uri="{FF2B5EF4-FFF2-40B4-BE49-F238E27FC236}">
-                  <a16:creationId xmlns:a16="http://schemas.microsoft.com/office/drawing/2014/main" id="{A8D3C31D-1A2F-4BFB-AE01-30500F920E52}"/>
-                </a:ext>
-              </a:extLst>
-            </p:cNvPr>
-            <p:cNvSpPr/>
-            <p:nvPr/>
-          </p:nvSpPr>
-          <p:spPr>
-            <a:xfrm>
-              <a:off x="9326951" y="4572427"/>
-              <a:ext cx="767422" cy="618916"/>
-            </a:xfrm>
-            <a:prstGeom prst="can">
-              <a:avLst>
-                <a:gd name="adj" fmla="val 22181"/>
-              </a:avLst>
-            </a:prstGeom>
-            <a:ln>
-              <a:solidFill>
-                <a:srgbClr val="5B9BD5"/>
-              </a:solidFill>
-            </a:ln>
-          </p:spPr>
-          <p:style>
-            <a:lnRef idx="2">
-              <a:schemeClr val="accent1"/>
-            </a:lnRef>
-            <a:fillRef idx="1">
-              <a:schemeClr val="lt1"/>
-            </a:fillRef>
-            <a:effectRef idx="0">
-              <a:schemeClr val="accent1"/>
-            </a:effectRef>
-            <a:fontRef idx="minor">
-              <a:schemeClr val="dk1"/>
-            </a:fontRef>
-          </p:style>
-          <p:txBody>
-            <a:bodyPr rtlCol="0" anchor="ctr"/>
-            <a:lstStyle/>
-            <a:p>
-              <a:pPr algn="ctr"/>
-              <a:r>
-                <a:rPr kumimoji="1" lang="en-US" altLang="ja-JP" sz="3200" dirty="0">
-                  <a:latin typeface="ＭＳ Ｐ明朝" panose="02020600040205080304" pitchFamily="18" charset="-128"/>
-                  <a:ea typeface="ＭＳ Ｐ明朝" panose="02020600040205080304" pitchFamily="18" charset="-128"/>
-                </a:rPr>
-                <a:t>.git</a:t>
-              </a:r>
-              <a:endParaRPr kumimoji="1" lang="ja-JP" altLang="en-US" sz="1200" dirty="0">
-                <a:latin typeface="ＭＳ Ｐ明朝" panose="02020600040205080304" pitchFamily="18" charset="-128"/>
-                <a:ea typeface="ＭＳ Ｐ明朝" panose="02020600040205080304" pitchFamily="18" charset="-128"/>
-              </a:endParaRPr>
-            </a:p>
-          </p:txBody>
-        </p:sp>
-      </p:grpSp>
-      <p:sp>
-        <p:nvSpPr>
-          <p:cNvPr id="21" name="円柱 20">
-            <a:extLst>
-              <a:ext uri="{FF2B5EF4-FFF2-40B4-BE49-F238E27FC236}">
-                <a16:creationId xmlns:a16="http://schemas.microsoft.com/office/drawing/2014/main" id="{49374AB2-BB7F-4973-8666-4385056664AE}"/>
-              </a:ext>
-            </a:extLst>
-          </p:cNvPr>
-          <p:cNvSpPr/>
-          <p:nvPr/>
-        </p:nvSpPr>
-        <p:spPr>
-          <a:xfrm>
-            <a:off x="9326951" y="4440842"/>
-            <a:ext cx="767422" cy="225480"/>
-          </a:xfrm>
-          <a:prstGeom prst="can">
-            <a:avLst>
-              <a:gd name="adj" fmla="val 50000"/>
-            </a:avLst>
-          </a:prstGeom>
-          <a:ln>
-            <a:solidFill>
-              <a:srgbClr val="5B9BD5"/>
-            </a:solidFill>
-          </a:ln>
-        </p:spPr>
-        <p:style>
-          <a:lnRef idx="1">
-            <a:schemeClr val="accent6"/>
-          </a:lnRef>
-          <a:fillRef idx="2">
-            <a:schemeClr val="accent6"/>
-          </a:fillRef>
-          <a:effectRef idx="1">
-            <a:schemeClr val="accent6"/>
-          </a:effectRef>
-          <a:fontRef idx="minor">
-            <a:schemeClr val="dk1"/>
-          </a:fontRef>
-        </p:style>
-        <p:txBody>
-          <a:bodyPr rtlCol="0" anchor="ctr"/>
-          <a:lstStyle/>
-          <a:p>
-            <a:pPr algn="ctr"/>
-            <a:endParaRPr kumimoji="1" lang="ja-JP" altLang="en-US"/>
-          </a:p>
-        </p:txBody>
-      </p:sp>
-      <p:sp>
-        <p:nvSpPr>
-          <p:cNvPr id="22" name="円柱 21">
-            <a:extLst>
-              <a:ext uri="{FF2B5EF4-FFF2-40B4-BE49-F238E27FC236}">
-                <a16:creationId xmlns:a16="http://schemas.microsoft.com/office/drawing/2014/main" id="{F9E7619A-9F6C-4531-BDCB-EFB61042CF55}"/>
-              </a:ext>
-            </a:extLst>
-          </p:cNvPr>
-          <p:cNvSpPr/>
-          <p:nvPr/>
-        </p:nvSpPr>
-        <p:spPr>
-          <a:xfrm>
-            <a:off x="9326951" y="4291842"/>
-            <a:ext cx="767422" cy="225480"/>
-          </a:xfrm>
-          <a:prstGeom prst="can">
-            <a:avLst>
-              <a:gd name="adj" fmla="val 50000"/>
-            </a:avLst>
-          </a:prstGeom>
-          <a:ln>
-            <a:solidFill>
-              <a:srgbClr val="5B9BD5"/>
-            </a:solidFill>
-          </a:ln>
-        </p:spPr>
-        <p:style>
-          <a:lnRef idx="2">
-            <a:schemeClr val="accent2">
-              <a:shade val="50000"/>
-            </a:schemeClr>
-          </a:lnRef>
-          <a:fillRef idx="1">
-            <a:schemeClr val="accent2"/>
-          </a:fillRef>
-          <a:effectRef idx="0">
-            <a:schemeClr val="accent2"/>
-          </a:effectRef>
-          <a:fontRef idx="minor">
-            <a:schemeClr val="lt1"/>
-          </a:fontRef>
-        </p:style>
-        <p:txBody>
-          <a:bodyPr rtlCol="0" anchor="ctr"/>
-          <a:lstStyle/>
-          <a:p>
-            <a:pPr algn="ctr"/>
-            <a:endParaRPr kumimoji="1" lang="ja-JP" altLang="en-US" dirty="0"/>
-          </a:p>
-        </p:txBody>
-      </p:sp>
-      <p:sp>
-        <p:nvSpPr>
-          <p:cNvPr id="23" name="円柱 22">
-            <a:extLst>
-              <a:ext uri="{FF2B5EF4-FFF2-40B4-BE49-F238E27FC236}">
-                <a16:creationId xmlns:a16="http://schemas.microsoft.com/office/drawing/2014/main" id="{185520E3-8BBE-4382-A101-8CBBE5CCE857}"/>
-              </a:ext>
-            </a:extLst>
-          </p:cNvPr>
-          <p:cNvSpPr/>
-          <p:nvPr/>
-        </p:nvSpPr>
-        <p:spPr>
-          <a:xfrm>
-            <a:off x="9326951" y="4141753"/>
-            <a:ext cx="767422" cy="225480"/>
-          </a:xfrm>
-          <a:prstGeom prst="can">
-            <a:avLst>
-              <a:gd name="adj" fmla="val 50000"/>
-            </a:avLst>
-          </a:prstGeom>
-          <a:ln>
-            <a:solidFill>
-              <a:srgbClr val="5B9BD5"/>
-            </a:solidFill>
-          </a:ln>
-        </p:spPr>
-        <p:style>
-          <a:lnRef idx="2">
-            <a:schemeClr val="accent1">
-              <a:shade val="50000"/>
-            </a:schemeClr>
-          </a:lnRef>
-          <a:fillRef idx="1">
-            <a:schemeClr val="accent1"/>
-          </a:fillRef>
-          <a:effectRef idx="0">
-            <a:schemeClr val="accent1"/>
-          </a:effectRef>
-          <a:fontRef idx="minor">
-            <a:schemeClr val="lt1"/>
-          </a:fontRef>
-        </p:style>
-        <p:txBody>
-          <a:bodyPr rtlCol="0" anchor="ctr"/>
-          <a:lstStyle/>
-          <a:p>
-            <a:pPr algn="ctr"/>
-            <a:endParaRPr kumimoji="1" lang="ja-JP" altLang="en-US" dirty="0"/>
-          </a:p>
-        </p:txBody>
-      </p:sp>
-      <p:sp>
-        <p:nvSpPr>
-          <p:cNvPr id="64" name="正方形/長方形 63">
-            <a:extLst>
-              <a:ext uri="{FF2B5EF4-FFF2-40B4-BE49-F238E27FC236}">
-                <a16:creationId xmlns:a16="http://schemas.microsoft.com/office/drawing/2014/main" id="{B70A7853-8325-4E7F-9AE0-F7F998BB56B9}"/>
-              </a:ext>
-            </a:extLst>
-          </p:cNvPr>
-          <p:cNvSpPr/>
-          <p:nvPr/>
-        </p:nvSpPr>
-        <p:spPr>
-          <a:xfrm>
-            <a:off x="572586" y="452430"/>
-            <a:ext cx="9882834" cy="2000548"/>
-          </a:xfrm>
-          <a:prstGeom prst="rect">
-            <a:avLst/>
-          </a:prstGeom>
-          <a:noFill/>
-        </p:spPr>
-        <p:txBody>
-          <a:bodyPr wrap="none" lIns="91440" tIns="45720" rIns="91440" bIns="45720">
-            <a:spAutoFit/>
-          </a:bodyPr>
-          <a:lstStyle/>
-          <a:p>
-            <a:r>
-              <a:rPr lang="ja-JP" altLang="en-US" sz="4000" b="0" cap="none" spc="0" dirty="0">
-                <a:ln w="0"/>
-                <a:solidFill>
-                  <a:schemeClr val="tx1"/>
-                </a:solidFill>
-                <a:effectLst>
-                  <a:outerShdw blurRad="38100" dist="19050" dir="2700000" algn="tl" rotWithShape="0">
-                    <a:schemeClr val="dk1">
-                      <a:alpha val="40000"/>
-                    </a:schemeClr>
-                  </a:outerShdw>
-                </a:effectLst>
-              </a:rPr>
-              <a:t>リモートリポジトリに</a:t>
-            </a:r>
-            <a:endParaRPr lang="en-US" altLang="ja-JP" sz="4000" b="0" cap="none" spc="0" dirty="0">
-              <a:ln w="0"/>
-              <a:solidFill>
-                <a:schemeClr val="tx1"/>
-              </a:solidFill>
-              <a:effectLst>
-                <a:outerShdw blurRad="38100" dist="19050" dir="2700000" algn="tl" rotWithShape="0">
-                  <a:schemeClr val="dk1">
-                    <a:alpha val="40000"/>
-                  </a:schemeClr>
-                </a:outerShdw>
-              </a:effectLst>
-            </a:endParaRPr>
-          </a:p>
-          <a:p>
-            <a:r>
-              <a:rPr lang="ja-JP" altLang="en-US" sz="4000" b="0" cap="none" spc="0" dirty="0">
-                <a:ln w="0"/>
-                <a:solidFill>
-                  <a:schemeClr val="tx1"/>
-                </a:solidFill>
-                <a:effectLst>
-                  <a:outerShdw blurRad="38100" dist="19050" dir="2700000" algn="tl" rotWithShape="0">
-                    <a:schemeClr val="dk1">
-                      <a:alpha val="40000"/>
-                    </a:schemeClr>
-                  </a:outerShdw>
-                </a:effectLst>
-              </a:rPr>
-              <a:t>ローカルリポジトリの内容を</a:t>
-            </a:r>
-            <a:endParaRPr lang="en-US" altLang="ja-JP" sz="4000" b="0" cap="none" spc="0" dirty="0">
-              <a:ln w="0"/>
-              <a:solidFill>
-                <a:schemeClr val="tx1"/>
-              </a:solidFill>
-              <a:effectLst>
-                <a:outerShdw blurRad="38100" dist="19050" dir="2700000" algn="tl" rotWithShape="0">
-                  <a:schemeClr val="dk1">
-                    <a:alpha val="40000"/>
-                  </a:schemeClr>
-                </a:outerShdw>
-              </a:effectLst>
-            </a:endParaRPr>
-          </a:p>
-          <a:p>
-            <a:r>
-              <a:rPr lang="ja-JP" altLang="en-US" sz="4000" b="0" cap="none" spc="0" dirty="0">
-                <a:ln w="0"/>
-                <a:solidFill>
-                  <a:schemeClr val="tx1"/>
-                </a:solidFill>
-                <a:effectLst>
-                  <a:outerShdw blurRad="38100" dist="19050" dir="2700000" algn="tl" rotWithShape="0">
-                    <a:schemeClr val="dk1">
-                      <a:alpha val="40000"/>
-                    </a:schemeClr>
-                  </a:outerShdw>
-                </a:effectLst>
-              </a:rPr>
-              <a:t>反映させることを</a:t>
-            </a:r>
-            <a:r>
-              <a:rPr lang="ja-JP" altLang="en-US" sz="4400" b="1" cap="none" spc="0" dirty="0">
-                <a:ln w="0"/>
-                <a:solidFill>
-                  <a:srgbClr val="FF0000"/>
-                </a:solidFill>
-                <a:effectLst>
-                  <a:outerShdw blurRad="38100" dist="19050" dir="2700000" algn="tl" rotWithShape="0">
-                    <a:schemeClr val="dk1">
-                      <a:alpha val="40000"/>
-                    </a:schemeClr>
-                  </a:outerShdw>
-                </a:effectLst>
-              </a:rPr>
-              <a:t>プッシュ</a:t>
-            </a:r>
-            <a:r>
-              <a:rPr lang="en-US" altLang="ja-JP" sz="4400" b="1" cap="none" spc="0" dirty="0">
-                <a:ln w="0"/>
-                <a:solidFill>
-                  <a:srgbClr val="FF0000"/>
-                </a:solidFill>
-                <a:effectLst>
-                  <a:outerShdw blurRad="38100" dist="19050" dir="2700000" algn="tl" rotWithShape="0">
-                    <a:schemeClr val="dk1">
-                      <a:alpha val="40000"/>
-                    </a:schemeClr>
-                  </a:outerShdw>
-                </a:effectLst>
-              </a:rPr>
-              <a:t>(push)</a:t>
-            </a:r>
-            <a:r>
-              <a:rPr lang="ja-JP" altLang="en-US" sz="4000" b="0" cap="none" spc="0" dirty="0">
-                <a:ln w="0"/>
-                <a:solidFill>
-                  <a:schemeClr val="tx1"/>
-                </a:solidFill>
-                <a:effectLst>
-                  <a:outerShdw blurRad="38100" dist="19050" dir="2700000" algn="tl" rotWithShape="0">
-                    <a:schemeClr val="dk1">
-                      <a:alpha val="40000"/>
-                    </a:schemeClr>
-                  </a:outerShdw>
-                </a:effectLst>
-              </a:rPr>
-              <a:t>という</a:t>
-            </a:r>
-            <a:endParaRPr lang="en-US" altLang="ja-JP" sz="4000" b="0" cap="none" spc="0" dirty="0">
-              <a:ln w="0"/>
-              <a:solidFill>
-                <a:schemeClr val="tx1"/>
-              </a:solidFill>
-              <a:effectLst>
-                <a:outerShdw blurRad="38100" dist="19050" dir="2700000" algn="tl" rotWithShape="0">
-                  <a:schemeClr val="dk1">
-                    <a:alpha val="40000"/>
-                  </a:schemeClr>
-                </a:outerShdw>
-              </a:effectLst>
-            </a:endParaRPr>
-          </a:p>
-        </p:txBody>
-      </p:sp>
-      <p:sp>
-        <p:nvSpPr>
-          <p:cNvPr id="65" name="矢印: 右 64">
-            <a:extLst>
-              <a:ext uri="{FF2B5EF4-FFF2-40B4-BE49-F238E27FC236}">
-                <a16:creationId xmlns:a16="http://schemas.microsoft.com/office/drawing/2014/main" id="{23C2760B-2413-4A86-B757-913059839810}"/>
-              </a:ext>
-            </a:extLst>
-          </p:cNvPr>
-          <p:cNvSpPr/>
-          <p:nvPr/>
-        </p:nvSpPr>
-        <p:spPr>
-          <a:xfrm>
-            <a:off x="4574322" y="4493330"/>
-            <a:ext cx="1479076" cy="480927"/>
-          </a:xfrm>
-          <a:prstGeom prst="rightArrow">
-            <a:avLst/>
-          </a:prstGeom>
-        </p:spPr>
-        <p:style>
-          <a:lnRef idx="2">
-            <a:schemeClr val="accent1">
-              <a:shade val="50000"/>
-            </a:schemeClr>
-          </a:lnRef>
-          <a:fillRef idx="1">
-            <a:schemeClr val="accent1"/>
-          </a:fillRef>
-          <a:effectRef idx="0">
-            <a:schemeClr val="accent1"/>
-          </a:effectRef>
-          <a:fontRef idx="minor">
-            <a:schemeClr val="lt1"/>
-          </a:fontRef>
-        </p:style>
-        <p:txBody>
-          <a:bodyPr rtlCol="0" anchor="ctr"/>
-          <a:lstStyle/>
-          <a:p>
-            <a:pPr algn="ctr"/>
-            <a:endParaRPr kumimoji="1" lang="ja-JP" altLang="en-US" dirty="0"/>
-          </a:p>
-        </p:txBody>
-      </p:sp>
-      <p:sp>
-        <p:nvSpPr>
-          <p:cNvPr id="66" name="正方形/長方形 65">
-            <a:extLst>
-              <a:ext uri="{FF2B5EF4-FFF2-40B4-BE49-F238E27FC236}">
-                <a16:creationId xmlns:a16="http://schemas.microsoft.com/office/drawing/2014/main" id="{F312A7C2-7817-45F3-98E0-4E1C6A8E37D9}"/>
-              </a:ext>
-            </a:extLst>
-          </p:cNvPr>
-          <p:cNvSpPr/>
-          <p:nvPr/>
-        </p:nvSpPr>
-        <p:spPr>
-          <a:xfrm>
-            <a:off x="4303459" y="3639131"/>
-            <a:ext cx="1834156" cy="923330"/>
-          </a:xfrm>
-          <a:prstGeom prst="rect">
-            <a:avLst/>
-          </a:prstGeom>
-          <a:noFill/>
-        </p:spPr>
-        <p:txBody>
-          <a:bodyPr wrap="none" lIns="91440" tIns="45720" rIns="91440" bIns="45720">
-            <a:spAutoFit/>
-          </a:bodyPr>
-          <a:lstStyle/>
-          <a:p>
-            <a:pPr algn="ctr"/>
-            <a:r>
-              <a:rPr lang="en-US" altLang="ja-JP" sz="5400" b="1" dirty="0">
-                <a:ln w="0"/>
-                <a:solidFill>
-                  <a:srgbClr val="FF0000"/>
-                </a:solidFill>
-                <a:effectLst>
-                  <a:outerShdw blurRad="38100" dist="19050" dir="2700000" algn="tl" rotWithShape="0">
-                    <a:schemeClr val="dk1">
-                      <a:alpha val="40000"/>
-                    </a:schemeClr>
-                  </a:outerShdw>
-                </a:effectLst>
-              </a:rPr>
-              <a:t>push</a:t>
-            </a:r>
-          </a:p>
-        </p:txBody>
-      </p:sp>
-    </p:spTree>
-    <p:extLst>
-      <p:ext uri="{BB962C8B-B14F-4D97-AF65-F5344CB8AC3E}">
-        <p14:creationId xmlns:p14="http://schemas.microsoft.com/office/powerpoint/2010/main" val="523145554"/>
-      </p:ext>
-    </p:extLst>
-  </p:cSld>
-  <p:clrMapOvr>
-    <a:masterClrMapping/>
-  </p:clrMapOvr>
-  <p:timing>
-    <p:tnLst>
-      <p:par>
-        <p:cTn id="1" dur="indefinite" restart="never" nodeType="tmRoot">
-          <p:childTnLst>
-            <p:seq concurrent="1" nextAc="seek">
-              <p:cTn id="2" dur="indefinite" nodeType="mainSeq">
-                <p:childTnLst>
-                  <p:par>
-                    <p:cTn id="3" fill="hold">
-                      <p:stCondLst>
-                        <p:cond delay="indefinite"/>
-                      </p:stCondLst>
-                      <p:childTnLst>
-                        <p:par>
-                          <p:cTn id="4" fill="hold">
-                            <p:stCondLst>
-                              <p:cond delay="0"/>
-                            </p:stCondLst>
-                            <p:childTnLst>
-                              <p:par>
-                                <p:cTn id="5" presetID="10" presetClass="entr" presetSubtype="0" fill="hold" grpId="0" nodeType="clickEffect">
-                                  <p:stCondLst>
-                                    <p:cond delay="0"/>
-                                  </p:stCondLst>
-                                  <p:childTnLst>
-                                    <p:set>
-                                      <p:cBhvr>
-                                        <p:cTn id="6" dur="1" fill="hold">
-                                          <p:stCondLst>
-                                            <p:cond delay="0"/>
-                                          </p:stCondLst>
-                                        </p:cTn>
-                                        <p:tgtEl>
-                                          <p:spTgt spid="23"/>
-                                        </p:tgtEl>
-                                        <p:attrNameLst>
-                                          <p:attrName>style.visibility</p:attrName>
-                                        </p:attrNameLst>
-                                      </p:cBhvr>
-                                      <p:to>
-                                        <p:strVal val="visible"/>
-                                      </p:to>
-                                    </p:set>
-                                    <p:animEffect transition="in" filter="fade">
-                                      <p:cBhvr>
-                                        <p:cTn id="7" dur="500"/>
-                                        <p:tgtEl>
-                                          <p:spTgt spid="23"/>
-                                        </p:tgtEl>
-                                      </p:cBhvr>
-                                    </p:animEffect>
-                                  </p:childTnLst>
-                                </p:cTn>
-                              </p:par>
-                              <p:par>
-                                <p:cTn id="8" presetID="10" presetClass="entr" presetSubtype="0" fill="hold" grpId="0" nodeType="withEffect">
-                                  <p:stCondLst>
-                                    <p:cond delay="0"/>
-                                  </p:stCondLst>
-                                  <p:childTnLst>
-                                    <p:set>
-                                      <p:cBhvr>
-                                        <p:cTn id="9" dur="1" fill="hold">
-                                          <p:stCondLst>
-                                            <p:cond delay="0"/>
-                                          </p:stCondLst>
-                                        </p:cTn>
-                                        <p:tgtEl>
-                                          <p:spTgt spid="22"/>
-                                        </p:tgtEl>
-                                        <p:attrNameLst>
-                                          <p:attrName>style.visibility</p:attrName>
-                                        </p:attrNameLst>
-                                      </p:cBhvr>
-                                      <p:to>
-                                        <p:strVal val="visible"/>
-                                      </p:to>
-                                    </p:set>
-                                    <p:animEffect transition="in" filter="fade">
-                                      <p:cBhvr>
-                                        <p:cTn id="10" dur="500"/>
-                                        <p:tgtEl>
-                                          <p:spTgt spid="22"/>
-                                        </p:tgtEl>
-                                      </p:cBhvr>
-                                    </p:animEffect>
-                                  </p:childTnLst>
-                                </p:cTn>
-                              </p:par>
-                              <p:par>
-                                <p:cTn id="11" presetID="10" presetClass="entr" presetSubtype="0" fill="hold" grpId="0" nodeType="withEffect">
-                                  <p:stCondLst>
-                                    <p:cond delay="0"/>
-                                  </p:stCondLst>
-                                  <p:childTnLst>
-                                    <p:set>
-                                      <p:cBhvr>
-                                        <p:cTn id="12" dur="1" fill="hold">
-                                          <p:stCondLst>
-                                            <p:cond delay="0"/>
-                                          </p:stCondLst>
-                                        </p:cTn>
-                                        <p:tgtEl>
-                                          <p:spTgt spid="21"/>
-                                        </p:tgtEl>
-                                        <p:attrNameLst>
-                                          <p:attrName>style.visibility</p:attrName>
-                                        </p:attrNameLst>
-                                      </p:cBhvr>
-                                      <p:to>
-                                        <p:strVal val="visible"/>
-                                      </p:to>
-                                    </p:set>
-                                    <p:animEffect transition="in" filter="fade">
-                                      <p:cBhvr>
-                                        <p:cTn id="13" dur="500"/>
-                                        <p:tgtEl>
-                                          <p:spTgt spid="21"/>
-                                        </p:tgtEl>
-                                      </p:cBhvr>
-                                    </p:animEffect>
-                                  </p:childTnLst>
-                                </p:cTn>
-                              </p:par>
-                            </p:childTnLst>
-                          </p:cTn>
-                        </p:par>
-                      </p:childTnLst>
-                    </p:cTn>
-                  </p:par>
-                </p:childTnLst>
-              </p:cTn>
-              <p:prevCondLst>
-                <p:cond evt="onPrev" delay="0">
-                  <p:tgtEl>
-                    <p:sldTgt/>
-                  </p:tgtEl>
-                </p:cond>
-              </p:prevCondLst>
-              <p:nextCondLst>
-                <p:cond evt="onNext" delay="0">
-                  <p:tgtEl>
-                    <p:sldTgt/>
-                  </p:tgtEl>
-                </p:cond>
-              </p:nextCondLst>
-            </p:seq>
-          </p:childTnLst>
-        </p:cTn>
-      </p:par>
-    </p:tnLst>
-    <p:bldLst>
-      <p:bldP spid="21" grpId="0" animBg="1"/>
-      <p:bldP spid="22" grpId="0" animBg="1"/>
-      <p:bldP spid="23" grpId="0" animBg="1"/>
-    </p:bldLst>
-  </p:timing>
-</p:sld>
-</file>
-
-<file path=ppt/slides/slide19.xml><?xml version="1.0" encoding="utf-8"?>
-<p:sld xmlns:a="http://schemas.openxmlformats.org/drawingml/2006/main" xmlns:r="http://schemas.openxmlformats.org/officeDocument/2006/relationships" xmlns:p="http://schemas.openxmlformats.org/presentationml/2006/main">
-  <p:cSld>
-    <p:spTree>
-      <p:nvGrpSpPr>
-        <p:cNvPr id="1" name=""/>
-        <p:cNvGrpSpPr/>
-        <p:nvPr/>
-      </p:nvGrpSpPr>
-      <p:grpSpPr>
-        <a:xfrm>
-          <a:off x="0" y="0"/>
-          <a:ext cx="0" cy="0"/>
-          <a:chOff x="0" y="0"/>
-          <a:chExt cx="0" cy="0"/>
-        </a:xfrm>
-      </p:grpSpPr>
-      <p:sp>
-        <p:nvSpPr>
-          <p:cNvPr id="30" name="正方形/長方形 29">
-            <a:extLst>
-              <a:ext uri="{FF2B5EF4-FFF2-40B4-BE49-F238E27FC236}">
-                <a16:creationId xmlns:a16="http://schemas.microsoft.com/office/drawing/2014/main" id="{5C56FF78-F8EA-48CA-8DC5-2EE079F64A45}"/>
-              </a:ext>
-            </a:extLst>
-          </p:cNvPr>
-          <p:cNvSpPr/>
-          <p:nvPr/>
-        </p:nvSpPr>
-        <p:spPr>
-          <a:xfrm>
-            <a:off x="572586" y="452430"/>
-            <a:ext cx="9954969" cy="2000548"/>
-          </a:xfrm>
-          <a:prstGeom prst="rect">
-            <a:avLst/>
-          </a:prstGeom>
-          <a:noFill/>
-        </p:spPr>
-        <p:txBody>
-          <a:bodyPr wrap="none" lIns="91440" tIns="45720" rIns="91440" bIns="45720">
-            <a:spAutoFit/>
-          </a:bodyPr>
-          <a:lstStyle/>
-          <a:p>
-            <a:r>
-              <a:rPr lang="ja-JP" altLang="en-US" sz="4000" b="0" cap="none" spc="0" dirty="0">
-                <a:ln w="0"/>
-                <a:solidFill>
-                  <a:schemeClr val="tx1"/>
-                </a:solidFill>
-                <a:effectLst>
-                  <a:outerShdw blurRad="38100" dist="19050" dir="2700000" algn="tl" rotWithShape="0">
-                    <a:schemeClr val="dk1">
-                      <a:alpha val="40000"/>
-                    </a:schemeClr>
-                  </a:outerShdw>
-                </a:effectLst>
-              </a:rPr>
-              <a:t>ローカルリポジトリに</a:t>
-            </a:r>
-            <a:endParaRPr lang="en-US" altLang="ja-JP" sz="4000" b="0" cap="none" spc="0" dirty="0">
-              <a:ln w="0"/>
-              <a:solidFill>
-                <a:schemeClr val="tx1"/>
-              </a:solidFill>
-              <a:effectLst>
-                <a:outerShdw blurRad="38100" dist="19050" dir="2700000" algn="tl" rotWithShape="0">
-                  <a:schemeClr val="dk1">
-                    <a:alpha val="40000"/>
-                  </a:schemeClr>
-                </a:outerShdw>
-              </a:effectLst>
-            </a:endParaRPr>
-          </a:p>
-          <a:p>
-            <a:r>
-              <a:rPr lang="ja-JP" altLang="en-US" sz="4000" b="0" cap="none" spc="0" dirty="0">
-                <a:ln w="0"/>
-                <a:solidFill>
-                  <a:schemeClr val="tx1"/>
-                </a:solidFill>
-                <a:effectLst>
-                  <a:outerShdw blurRad="38100" dist="19050" dir="2700000" algn="tl" rotWithShape="0">
-                    <a:schemeClr val="dk1">
-                      <a:alpha val="40000"/>
-                    </a:schemeClr>
-                  </a:outerShdw>
-                </a:effectLst>
-              </a:rPr>
-              <a:t>リモートリポジトリの内容を</a:t>
-            </a:r>
-            <a:endParaRPr lang="en-US" altLang="ja-JP" sz="4000" b="0" cap="none" spc="0" dirty="0">
-              <a:ln w="0"/>
-              <a:solidFill>
-                <a:schemeClr val="tx1"/>
-              </a:solidFill>
-              <a:effectLst>
-                <a:outerShdw blurRad="38100" dist="19050" dir="2700000" algn="tl" rotWithShape="0">
-                  <a:schemeClr val="dk1">
-                    <a:alpha val="40000"/>
-                  </a:schemeClr>
-                </a:outerShdw>
-              </a:effectLst>
-            </a:endParaRPr>
-          </a:p>
-          <a:p>
-            <a:r>
-              <a:rPr lang="ja-JP" altLang="en-US" sz="4000" b="0" cap="none" spc="0" dirty="0">
-                <a:ln w="0"/>
-                <a:solidFill>
-                  <a:schemeClr val="tx1"/>
-                </a:solidFill>
-                <a:effectLst>
-                  <a:outerShdw blurRad="38100" dist="19050" dir="2700000" algn="tl" rotWithShape="0">
-                    <a:schemeClr val="dk1">
-                      <a:alpha val="40000"/>
-                    </a:schemeClr>
-                  </a:outerShdw>
-                </a:effectLst>
-              </a:rPr>
-              <a:t>反映させることを</a:t>
-            </a:r>
-            <a:r>
-              <a:rPr lang="ja-JP" altLang="en-US" sz="4400" b="1" cap="none" spc="0" dirty="0">
-                <a:ln w="0"/>
-                <a:solidFill>
-                  <a:srgbClr val="FF0000"/>
-                </a:solidFill>
-                <a:effectLst>
-                  <a:outerShdw blurRad="38100" dist="19050" dir="2700000" algn="tl" rotWithShape="0">
-                    <a:schemeClr val="dk1">
-                      <a:alpha val="40000"/>
-                    </a:schemeClr>
-                  </a:outerShdw>
-                </a:effectLst>
-              </a:rPr>
-              <a:t>フェッチ</a:t>
-            </a:r>
-            <a:r>
-              <a:rPr lang="en-US" altLang="ja-JP" sz="4400" b="1" cap="none" spc="0" dirty="0">
-                <a:ln w="0"/>
-                <a:solidFill>
-                  <a:srgbClr val="FF0000"/>
-                </a:solidFill>
-                <a:effectLst>
-                  <a:outerShdw blurRad="38100" dist="19050" dir="2700000" algn="tl" rotWithShape="0">
-                    <a:schemeClr val="dk1">
-                      <a:alpha val="40000"/>
-                    </a:schemeClr>
-                  </a:outerShdw>
-                </a:effectLst>
-              </a:rPr>
-              <a:t>(fetch)</a:t>
-            </a:r>
-            <a:r>
-              <a:rPr lang="ja-JP" altLang="en-US" sz="4000" b="0" cap="none" spc="0" dirty="0">
-                <a:ln w="0"/>
-                <a:solidFill>
-                  <a:schemeClr val="tx1"/>
-                </a:solidFill>
-                <a:effectLst>
-                  <a:outerShdw blurRad="38100" dist="19050" dir="2700000" algn="tl" rotWithShape="0">
-                    <a:schemeClr val="dk1">
-                      <a:alpha val="40000"/>
-                    </a:schemeClr>
-                  </a:outerShdw>
-                </a:effectLst>
-              </a:rPr>
-              <a:t>という</a:t>
-            </a:r>
-            <a:endParaRPr lang="en-US" altLang="ja-JP" sz="4000" b="0" cap="none" spc="0" dirty="0">
-              <a:ln w="0"/>
-              <a:solidFill>
-                <a:schemeClr val="tx1"/>
-              </a:solidFill>
-              <a:effectLst>
-                <a:outerShdw blurRad="38100" dist="19050" dir="2700000" algn="tl" rotWithShape="0">
-                  <a:schemeClr val="dk1">
-                    <a:alpha val="40000"/>
-                  </a:schemeClr>
-                </a:outerShdw>
-              </a:effectLst>
-            </a:endParaRPr>
-          </a:p>
-        </p:txBody>
-      </p:sp>
-      <p:grpSp>
-        <p:nvGrpSpPr>
-          <p:cNvPr id="3" name="グループ化 2">
-            <a:extLst>
-              <a:ext uri="{FF2B5EF4-FFF2-40B4-BE49-F238E27FC236}">
-                <a16:creationId xmlns:a16="http://schemas.microsoft.com/office/drawing/2014/main" id="{D364705F-44E7-429D-AF95-08B3A4666B15}"/>
-              </a:ext>
-            </a:extLst>
-          </p:cNvPr>
-          <p:cNvGrpSpPr/>
-          <p:nvPr/>
-        </p:nvGrpSpPr>
-        <p:grpSpPr>
-          <a:xfrm>
-            <a:off x="1057814" y="2501133"/>
-            <a:ext cx="2741639" cy="4122657"/>
-            <a:chOff x="1057814" y="2501133"/>
-            <a:chExt cx="2741639" cy="4122657"/>
-          </a:xfrm>
-        </p:grpSpPr>
-        <p:pic>
-          <p:nvPicPr>
-            <p:cNvPr id="2" name="グラフィックス 1">
-              <a:extLst>
-                <a:ext uri="{FF2B5EF4-FFF2-40B4-BE49-F238E27FC236}">
-                  <a16:creationId xmlns:a16="http://schemas.microsoft.com/office/drawing/2014/main" id="{28417F10-6623-4ED2-92DD-14B00FEA6168}"/>
-                </a:ext>
-              </a:extLst>
-            </p:cNvPr>
-            <p:cNvPicPr>
-              <a:picLocks noChangeAspect="1"/>
-            </p:cNvPicPr>
-            <p:nvPr/>
-          </p:nvPicPr>
-          <p:blipFill>
-            <a:blip r:embed="rId2">
-              <a:extLst>
-                <a:ext uri="{28A0092B-C50C-407E-A947-70E740481C1C}">
-                  <a14:useLocalDpi xmlns:a14="http://schemas.microsoft.com/office/drawing/2010/main" val="0"/>
-                </a:ext>
-                <a:ext uri="{96DAC541-7B7A-43D3-8B79-37D633B846F1}">
-                  <asvg:svgBlip xmlns:asvg="http://schemas.microsoft.com/office/drawing/2016/SVG/main" r:embed="rId3"/>
-                </a:ext>
-                <a:ext uri="{837473B0-CC2E-450A-ABE3-18F120FF3D39}">
-                  <a1611:picAttrSrcUrl xmlns:a1611="http://schemas.microsoft.com/office/drawing/2016/11/main" r:id="rId4"/>
-                </a:ext>
-              </a:extLst>
-            </a:blip>
-            <a:stretch>
-              <a:fillRect/>
-            </a:stretch>
-          </p:blipFill>
-          <p:spPr>
-            <a:xfrm>
-              <a:off x="1057814" y="2501133"/>
-              <a:ext cx="2741639" cy="4122657"/>
-            </a:xfrm>
-            <a:prstGeom prst="rect">
-              <a:avLst/>
-            </a:prstGeom>
-          </p:spPr>
-        </p:pic>
-        <p:sp>
-          <p:nvSpPr>
-            <p:cNvPr id="9" name="テキスト ボックス 8">
-              <a:extLst>
-                <a:ext uri="{FF2B5EF4-FFF2-40B4-BE49-F238E27FC236}">
-                  <a16:creationId xmlns:a16="http://schemas.microsoft.com/office/drawing/2014/main" id="{1E282268-35BB-462D-8E43-AAD7BD6E33AB}"/>
-                </a:ext>
-              </a:extLst>
-            </p:cNvPr>
-            <p:cNvSpPr txBox="1"/>
-            <p:nvPr/>
-          </p:nvSpPr>
-          <p:spPr>
-            <a:xfrm>
-              <a:off x="1331406" y="3457350"/>
-              <a:ext cx="1512892" cy="430887"/>
-            </a:xfrm>
-            <a:prstGeom prst="rect">
-              <a:avLst/>
-            </a:prstGeom>
-            <a:noFill/>
-          </p:spPr>
-          <p:txBody>
-            <a:bodyPr wrap="square" rtlCol="0">
-              <a:spAutoFit/>
-            </a:bodyPr>
-            <a:lstStyle/>
-            <a:p>
-              <a:r>
-                <a:rPr kumimoji="1" lang="ja-JP" altLang="en-US" sz="1100" b="1" dirty="0"/>
-                <a:t>ローカル</a:t>
-              </a:r>
-              <a:endParaRPr kumimoji="1" lang="en-US" altLang="ja-JP" sz="1100" b="1" dirty="0"/>
-            </a:p>
-            <a:p>
-              <a:r>
-                <a:rPr kumimoji="1" lang="ja-JP" altLang="en-US" sz="1100" b="1" dirty="0"/>
-                <a:t>リポジトリ</a:t>
-              </a:r>
-            </a:p>
-          </p:txBody>
-        </p:sp>
-        <p:sp>
-          <p:nvSpPr>
-            <p:cNvPr id="10" name="円柱 9">
-              <a:extLst>
-                <a:ext uri="{FF2B5EF4-FFF2-40B4-BE49-F238E27FC236}">
-                  <a16:creationId xmlns:a16="http://schemas.microsoft.com/office/drawing/2014/main" id="{430FD5DB-3CE9-49F5-883B-85232C26B5BE}"/>
-                </a:ext>
-              </a:extLst>
-            </p:cNvPr>
-            <p:cNvSpPr/>
-            <p:nvPr/>
-          </p:nvSpPr>
-          <p:spPr>
-            <a:xfrm>
-              <a:off x="1988532" y="4572428"/>
-              <a:ext cx="855766" cy="618916"/>
-            </a:xfrm>
-            <a:prstGeom prst="can">
-              <a:avLst>
-                <a:gd name="adj" fmla="val 22181"/>
-              </a:avLst>
-            </a:prstGeom>
-            <a:ln>
-              <a:solidFill>
-                <a:srgbClr val="5B9BD5"/>
-              </a:solidFill>
-            </a:ln>
-          </p:spPr>
-          <p:style>
-            <a:lnRef idx="2">
-              <a:schemeClr val="accent1"/>
-            </a:lnRef>
-            <a:fillRef idx="1">
-              <a:schemeClr val="lt1"/>
-            </a:fillRef>
-            <a:effectRef idx="0">
-              <a:schemeClr val="accent1"/>
-            </a:effectRef>
-            <a:fontRef idx="minor">
-              <a:schemeClr val="dk1"/>
-            </a:fontRef>
-          </p:style>
-          <p:txBody>
-            <a:bodyPr rtlCol="0" anchor="ctr"/>
-            <a:lstStyle/>
-            <a:p>
-              <a:pPr algn="ctr"/>
-              <a:r>
-                <a:rPr kumimoji="1" lang="en-US" altLang="ja-JP" sz="3200" dirty="0">
-                  <a:latin typeface="ＭＳ Ｐ明朝" panose="02020600040205080304" pitchFamily="18" charset="-128"/>
-                  <a:ea typeface="ＭＳ Ｐ明朝" panose="02020600040205080304" pitchFamily="18" charset="-128"/>
-                </a:rPr>
-                <a:t>.git</a:t>
-              </a:r>
-              <a:endParaRPr kumimoji="1" lang="ja-JP" altLang="en-US" sz="1200" dirty="0">
-                <a:latin typeface="ＭＳ Ｐ明朝" panose="02020600040205080304" pitchFamily="18" charset="-128"/>
-                <a:ea typeface="ＭＳ Ｐ明朝" panose="02020600040205080304" pitchFamily="18" charset="-128"/>
-              </a:endParaRPr>
-            </a:p>
-          </p:txBody>
-        </p:sp>
-      </p:grpSp>
-      <p:sp>
-        <p:nvSpPr>
-          <p:cNvPr id="11" name="円柱 10">
-            <a:extLst>
-              <a:ext uri="{FF2B5EF4-FFF2-40B4-BE49-F238E27FC236}">
-                <a16:creationId xmlns:a16="http://schemas.microsoft.com/office/drawing/2014/main" id="{4CA409A4-C08A-4133-A52E-DAA96DEDD7C8}"/>
-              </a:ext>
-            </a:extLst>
-          </p:cNvPr>
-          <p:cNvSpPr/>
-          <p:nvPr/>
-        </p:nvSpPr>
-        <p:spPr>
-          <a:xfrm>
-            <a:off x="1988532" y="4440843"/>
-            <a:ext cx="855766" cy="225480"/>
-          </a:xfrm>
-          <a:prstGeom prst="can">
-            <a:avLst>
-              <a:gd name="adj" fmla="val 50000"/>
-            </a:avLst>
-          </a:prstGeom>
-          <a:ln>
-            <a:solidFill>
-              <a:srgbClr val="5B9BD5"/>
-            </a:solidFill>
-          </a:ln>
-        </p:spPr>
-        <p:style>
-          <a:lnRef idx="1">
-            <a:schemeClr val="accent6"/>
-          </a:lnRef>
-          <a:fillRef idx="2">
-            <a:schemeClr val="accent6"/>
-          </a:fillRef>
-          <a:effectRef idx="1">
-            <a:schemeClr val="accent6"/>
-          </a:effectRef>
-          <a:fontRef idx="minor">
-            <a:schemeClr val="dk1"/>
-          </a:fontRef>
-        </p:style>
-        <p:txBody>
-          <a:bodyPr rtlCol="0" anchor="ctr"/>
-          <a:lstStyle/>
-          <a:p>
-            <a:pPr algn="ctr"/>
-            <a:endParaRPr kumimoji="1" lang="ja-JP" altLang="en-US"/>
-          </a:p>
-        </p:txBody>
-      </p:sp>
-      <p:sp>
-        <p:nvSpPr>
-          <p:cNvPr id="13" name="円柱 12">
-            <a:extLst>
-              <a:ext uri="{FF2B5EF4-FFF2-40B4-BE49-F238E27FC236}">
-                <a16:creationId xmlns:a16="http://schemas.microsoft.com/office/drawing/2014/main" id="{B090B72E-8869-419E-BFF8-E7FB0828A60B}"/>
-              </a:ext>
-            </a:extLst>
-          </p:cNvPr>
-          <p:cNvSpPr/>
-          <p:nvPr/>
-        </p:nvSpPr>
-        <p:spPr>
-          <a:xfrm>
-            <a:off x="1988532" y="4291843"/>
-            <a:ext cx="855766" cy="225480"/>
-          </a:xfrm>
-          <a:prstGeom prst="can">
-            <a:avLst>
-              <a:gd name="adj" fmla="val 50000"/>
-            </a:avLst>
-          </a:prstGeom>
-          <a:ln>
-            <a:solidFill>
-              <a:srgbClr val="5B9BD5"/>
-            </a:solidFill>
-          </a:ln>
-        </p:spPr>
-        <p:style>
-          <a:lnRef idx="2">
-            <a:schemeClr val="accent2">
-              <a:shade val="50000"/>
-            </a:schemeClr>
-          </a:lnRef>
-          <a:fillRef idx="1">
-            <a:schemeClr val="accent2"/>
-          </a:fillRef>
-          <a:effectRef idx="0">
-            <a:schemeClr val="accent2"/>
-          </a:effectRef>
-          <a:fontRef idx="minor">
-            <a:schemeClr val="lt1"/>
-          </a:fontRef>
-        </p:style>
-        <p:txBody>
-          <a:bodyPr rtlCol="0" anchor="ctr"/>
-          <a:lstStyle/>
-          <a:p>
-            <a:pPr algn="ctr"/>
-            <a:endParaRPr kumimoji="1" lang="ja-JP" altLang="en-US"/>
-          </a:p>
-        </p:txBody>
-      </p:sp>
-      <p:sp>
-        <p:nvSpPr>
-          <p:cNvPr id="14" name="円柱 13">
-            <a:extLst>
-              <a:ext uri="{FF2B5EF4-FFF2-40B4-BE49-F238E27FC236}">
-                <a16:creationId xmlns:a16="http://schemas.microsoft.com/office/drawing/2014/main" id="{B166ECE9-98BC-459F-A01E-0F5D38C1F997}"/>
-              </a:ext>
-            </a:extLst>
-          </p:cNvPr>
-          <p:cNvSpPr/>
-          <p:nvPr/>
-        </p:nvSpPr>
-        <p:spPr>
-          <a:xfrm>
-            <a:off x="1988532" y="4141754"/>
-            <a:ext cx="855766" cy="225480"/>
-          </a:xfrm>
-          <a:prstGeom prst="can">
-            <a:avLst>
-              <a:gd name="adj" fmla="val 50000"/>
-            </a:avLst>
-          </a:prstGeom>
-          <a:ln>
-            <a:solidFill>
-              <a:srgbClr val="5B9BD5"/>
-            </a:solidFill>
-          </a:ln>
-        </p:spPr>
-        <p:style>
-          <a:lnRef idx="2">
-            <a:schemeClr val="accent1">
-              <a:shade val="50000"/>
-            </a:schemeClr>
-          </a:lnRef>
-          <a:fillRef idx="1">
-            <a:schemeClr val="accent1"/>
-          </a:fillRef>
-          <a:effectRef idx="0">
-            <a:schemeClr val="accent1"/>
-          </a:effectRef>
-          <a:fontRef idx="minor">
-            <a:schemeClr val="lt1"/>
-          </a:fontRef>
-        </p:style>
-        <p:txBody>
-          <a:bodyPr rtlCol="0" anchor="ctr"/>
-          <a:lstStyle/>
-          <a:p>
-            <a:pPr algn="ctr"/>
-            <a:endParaRPr kumimoji="1" lang="ja-JP" altLang="en-US"/>
-          </a:p>
-        </p:txBody>
-      </p:sp>
-      <p:grpSp>
-        <p:nvGrpSpPr>
           <p:cNvPr id="16" name="グループ化 15">
             <a:extLst>
               <a:ext uri="{FF2B5EF4-FFF2-40B4-BE49-F238E27FC236}">
@@ -14147,7 +12283,7 @@
         </p:nvGrpSpPr>
         <p:grpSpPr>
           <a:xfrm>
-            <a:off x="6826426" y="2501132"/>
+            <a:off x="331962" y="-652833"/>
             <a:ext cx="4122657" cy="4122657"/>
             <a:chOff x="171006" y="3230832"/>
             <a:chExt cx="4122657" cy="4122657"/>
@@ -14168,13 +12304,13 @@
             <p:nvPr/>
           </p:nvPicPr>
           <p:blipFill>
-            <a:blip r:embed="rId5">
+            <a:blip r:embed="rId2">
               <a:extLst>
                 <a:ext uri="{28A0092B-C50C-407E-A947-70E740481C1C}">
                   <a14:useLocalDpi xmlns:a14="http://schemas.microsoft.com/office/drawing/2010/main" val="0"/>
                 </a:ext>
                 <a:ext uri="{96DAC541-7B7A-43D3-8B79-37D633B846F1}">
-                  <asvg:svgBlip xmlns:asvg="http://schemas.microsoft.com/office/drawing/2016/SVG/main" r:embed="rId6"/>
+                  <asvg:svgBlip xmlns:asvg="http://schemas.microsoft.com/office/drawing/2016/SVG/main" r:embed="rId3"/>
                 </a:ext>
                 <a:ext uri="{837473B0-CC2E-450A-ABE3-18F120FF3D39}">
                   <a1611:picAttrSrcUrl xmlns:a1611="http://schemas.microsoft.com/office/drawing/2016/11/main" r:id="rId4"/>
@@ -14500,14 +12636,2556 @@
             <a:lstStyle/>
             <a:p>
               <a:r>
-                <a:rPr lang="ja-JP" altLang="en-US" sz="1100" b="1" dirty="0"/>
+                <a:rPr lang="ja-JP" altLang="en-US" sz="1100" b="1" dirty="0">
+                  <a:solidFill>
+                    <a:srgbClr val="FF0000"/>
+                  </a:solidFill>
+                </a:rPr>
                 <a:t>リモート</a:t>
+              </a:r>
+              <a:endParaRPr kumimoji="1" lang="en-US" altLang="ja-JP" sz="1100" b="1" dirty="0">
+                <a:solidFill>
+                  <a:srgbClr val="FF0000"/>
+                </a:solidFill>
+              </a:endParaRPr>
+            </a:p>
+            <a:p>
+              <a:r>
+                <a:rPr kumimoji="1" lang="ja-JP" altLang="en-US" sz="1100" b="1" dirty="0">
+                  <a:solidFill>
+                    <a:srgbClr val="FF0000"/>
+                  </a:solidFill>
+                </a:rPr>
+                <a:t>リポジトリ</a:t>
+              </a:r>
+            </a:p>
+          </p:txBody>
+        </p:sp>
+        <p:sp>
+          <p:nvSpPr>
+            <p:cNvPr id="20" name="円柱 19">
+              <a:extLst>
+                <a:ext uri="{FF2B5EF4-FFF2-40B4-BE49-F238E27FC236}">
+                  <a16:creationId xmlns:a16="http://schemas.microsoft.com/office/drawing/2014/main" id="{A8D3C31D-1A2F-4BFB-AE01-30500F920E52}"/>
+                </a:ext>
+              </a:extLst>
+            </p:cNvPr>
+            <p:cNvSpPr/>
+            <p:nvPr/>
+          </p:nvSpPr>
+          <p:spPr>
+            <a:xfrm>
+              <a:off x="2669690" y="5302127"/>
+              <a:ext cx="767422" cy="618916"/>
+            </a:xfrm>
+            <a:prstGeom prst="can">
+              <a:avLst>
+                <a:gd name="adj" fmla="val 22181"/>
+              </a:avLst>
+            </a:prstGeom>
+            <a:ln>
+              <a:solidFill>
+                <a:srgbClr val="5B9BD5"/>
+              </a:solidFill>
+            </a:ln>
+          </p:spPr>
+          <p:style>
+            <a:lnRef idx="2">
+              <a:schemeClr val="accent1"/>
+            </a:lnRef>
+            <a:fillRef idx="1">
+              <a:schemeClr val="lt1"/>
+            </a:fillRef>
+            <a:effectRef idx="0">
+              <a:schemeClr val="accent1"/>
+            </a:effectRef>
+            <a:fontRef idx="minor">
+              <a:schemeClr val="dk1"/>
+            </a:fontRef>
+          </p:style>
+          <p:txBody>
+            <a:bodyPr rtlCol="0" anchor="ctr"/>
+            <a:lstStyle/>
+            <a:p>
+              <a:pPr algn="ctr"/>
+              <a:r>
+                <a:rPr kumimoji="1" lang="en-US" altLang="ja-JP" sz="3200" dirty="0">
+                  <a:latin typeface="ＭＳ Ｐ明朝" panose="02020600040205080304" pitchFamily="18" charset="-128"/>
+                  <a:ea typeface="ＭＳ Ｐ明朝" panose="02020600040205080304" pitchFamily="18" charset="-128"/>
+                </a:rPr>
+                <a:t>.git</a:t>
+              </a:r>
+              <a:endParaRPr kumimoji="1" lang="ja-JP" altLang="en-US" sz="1200" dirty="0">
+                <a:latin typeface="ＭＳ Ｐ明朝" panose="02020600040205080304" pitchFamily="18" charset="-128"/>
+                <a:ea typeface="ＭＳ Ｐ明朝" panose="02020600040205080304" pitchFamily="18" charset="-128"/>
+              </a:endParaRPr>
+            </a:p>
+          </p:txBody>
+        </p:sp>
+      </p:grpSp>
+      <p:sp>
+        <p:nvSpPr>
+          <p:cNvPr id="11" name="正方形/長方形 10">
+            <a:extLst>
+              <a:ext uri="{FF2B5EF4-FFF2-40B4-BE49-F238E27FC236}">
+                <a16:creationId xmlns:a16="http://schemas.microsoft.com/office/drawing/2014/main" id="{BFE21084-6132-D121-9B87-6A01BDCB5DC1}"/>
+              </a:ext>
+            </a:extLst>
+          </p:cNvPr>
+          <p:cNvSpPr/>
+          <p:nvPr/>
+        </p:nvSpPr>
+        <p:spPr>
+          <a:xfrm>
+            <a:off x="1420291" y="3129595"/>
+            <a:ext cx="8824852" cy="584775"/>
+          </a:xfrm>
+          <a:prstGeom prst="rect">
+            <a:avLst/>
+          </a:prstGeom>
+          <a:noFill/>
+        </p:spPr>
+        <p:txBody>
+          <a:bodyPr wrap="none" lIns="91440" tIns="45720" rIns="91440" bIns="45720">
+            <a:spAutoFit/>
+          </a:bodyPr>
+          <a:lstStyle/>
+          <a:p>
+            <a:pPr algn="ctr"/>
+            <a:r>
+              <a:rPr lang="en-US" altLang="ja-JP" sz="3200" dirty="0">
+                <a:solidFill>
+                  <a:prstClr val="black"/>
+                </a:solidFill>
+                <a:latin typeface="Lucida Console" panose="020B0609040504020204" pitchFamily="49" charset="0"/>
+              </a:rPr>
+              <a:t>https://github.com/syalpon/GITS.git</a:t>
+            </a:r>
+            <a:endParaRPr lang="ja-JP" altLang="en-US" sz="3200" b="0" cap="none" spc="0" dirty="0">
+              <a:ln w="0"/>
+              <a:solidFill>
+                <a:schemeClr val="tx1"/>
+              </a:solidFill>
+              <a:effectLst>
+                <a:outerShdw blurRad="38100" dist="19050" dir="2700000" algn="tl" rotWithShape="0">
+                  <a:schemeClr val="dk1">
+                    <a:alpha val="40000"/>
+                  </a:schemeClr>
+                </a:outerShdw>
+              </a:effectLst>
+            </a:endParaRPr>
+          </a:p>
+        </p:txBody>
+      </p:sp>
+      <p:sp>
+        <p:nvSpPr>
+          <p:cNvPr id="42" name="思考の吹き出し: 雲形 41">
+            <a:extLst>
+              <a:ext uri="{FF2B5EF4-FFF2-40B4-BE49-F238E27FC236}">
+                <a16:creationId xmlns:a16="http://schemas.microsoft.com/office/drawing/2014/main" id="{E6C0AF0A-604B-7B2F-D875-E086F4293E9A}"/>
+              </a:ext>
+            </a:extLst>
+          </p:cNvPr>
+          <p:cNvSpPr/>
+          <p:nvPr/>
+        </p:nvSpPr>
+        <p:spPr>
+          <a:xfrm>
+            <a:off x="4557216" y="225625"/>
+            <a:ext cx="7302821" cy="2496129"/>
+          </a:xfrm>
+          <a:prstGeom prst="cloudCallout">
+            <a:avLst>
+              <a:gd name="adj1" fmla="val -51882"/>
+              <a:gd name="adj2" fmla="val 29167"/>
+            </a:avLst>
+          </a:prstGeom>
+        </p:spPr>
+        <p:style>
+          <a:lnRef idx="2">
+            <a:schemeClr val="accent1"/>
+          </a:lnRef>
+          <a:fillRef idx="1">
+            <a:schemeClr val="lt1"/>
+          </a:fillRef>
+          <a:effectRef idx="0">
+            <a:schemeClr val="accent1"/>
+          </a:effectRef>
+          <a:fontRef idx="minor">
+            <a:schemeClr val="dk1"/>
+          </a:fontRef>
+        </p:style>
+        <p:txBody>
+          <a:bodyPr rtlCol="0" anchor="ctr"/>
+          <a:lstStyle/>
+          <a:p>
+            <a:pPr algn="ctr"/>
+            <a:r>
+              <a:rPr lang="en-US" altLang="ja-JP" sz="1600" dirty="0">
+                <a:solidFill>
+                  <a:schemeClr val="tx1"/>
+                </a:solidFill>
+              </a:rPr>
+              <a:t>URL</a:t>
+            </a:r>
+            <a:r>
+              <a:rPr lang="ja-JP" altLang="en-US" sz="1600" dirty="0">
+                <a:solidFill>
+                  <a:schemeClr val="tx1"/>
+                </a:solidFill>
+              </a:rPr>
+              <a:t>は長くて</a:t>
+            </a:r>
+            <a:r>
+              <a:rPr lang="en-US" altLang="ja-JP" sz="1600" dirty="0">
+                <a:solidFill>
+                  <a:schemeClr val="tx1"/>
+                </a:solidFill>
+              </a:rPr>
+              <a:t>push/fetch</a:t>
+            </a:r>
+            <a:r>
+              <a:rPr lang="ja-JP" altLang="en-US" sz="1600" dirty="0">
+                <a:solidFill>
+                  <a:schemeClr val="tx1"/>
+                </a:solidFill>
+              </a:rPr>
+              <a:t>する度に指定するとなるとめんどくさい。</a:t>
+            </a:r>
+            <a:endParaRPr lang="en-US" altLang="ja-JP" sz="1600" dirty="0">
+              <a:solidFill>
+                <a:schemeClr val="tx1"/>
+              </a:solidFill>
+            </a:endParaRPr>
+          </a:p>
+          <a:p>
+            <a:pPr algn="ctr"/>
+            <a:r>
+              <a:rPr lang="ja-JP" altLang="en-US" sz="1600" dirty="0">
+                <a:solidFill>
+                  <a:schemeClr val="tx1"/>
+                </a:solidFill>
+              </a:rPr>
+              <a:t>そこで、リモートリポジトリの</a:t>
+            </a:r>
+            <a:r>
+              <a:rPr lang="en-US" altLang="ja-JP" sz="1600" dirty="0">
+                <a:solidFill>
+                  <a:schemeClr val="tx1"/>
+                </a:solidFill>
+              </a:rPr>
+              <a:t>URL</a:t>
+            </a:r>
+            <a:r>
+              <a:rPr lang="ja-JP" altLang="en-US" sz="1600" dirty="0">
+                <a:solidFill>
+                  <a:schemeClr val="tx1"/>
+                </a:solidFill>
+              </a:rPr>
+              <a:t>には</a:t>
+            </a:r>
+            <a:endParaRPr lang="en-US" altLang="ja-JP" sz="1600" dirty="0">
+              <a:solidFill>
+                <a:schemeClr val="tx1"/>
+              </a:solidFill>
+            </a:endParaRPr>
+          </a:p>
+          <a:p>
+            <a:pPr algn="ctr"/>
+            <a:r>
+              <a:rPr lang="ja-JP" altLang="en-US" sz="1600" dirty="0">
+                <a:solidFill>
+                  <a:schemeClr val="tx1"/>
+                </a:solidFill>
+              </a:rPr>
+              <a:t>ショートネームを付ける。</a:t>
+            </a:r>
+            <a:endParaRPr lang="en-US" altLang="ja-JP" sz="1600" dirty="0">
+              <a:solidFill>
+                <a:schemeClr val="tx1"/>
+              </a:solidFill>
+            </a:endParaRPr>
+          </a:p>
+          <a:p>
+            <a:pPr algn="ctr"/>
+            <a:r>
+              <a:rPr lang="ja-JP" altLang="en-US" sz="1600" dirty="0">
+                <a:solidFill>
+                  <a:schemeClr val="tx1"/>
+                </a:solidFill>
+              </a:rPr>
+              <a:t>このときデフォルトは「</a:t>
+            </a:r>
+            <a:r>
+              <a:rPr lang="en-US" altLang="ja-JP" sz="1600" dirty="0">
+                <a:solidFill>
+                  <a:schemeClr val="tx1"/>
+                </a:solidFill>
+              </a:rPr>
+              <a:t>origin</a:t>
+            </a:r>
+            <a:r>
+              <a:rPr lang="ja-JP" altLang="en-US" sz="1600" dirty="0">
+                <a:solidFill>
+                  <a:schemeClr val="tx1"/>
+                </a:solidFill>
+              </a:rPr>
+              <a:t>」となる</a:t>
+            </a:r>
+            <a:endParaRPr lang="en-US" altLang="ja-JP" dirty="0">
+              <a:solidFill>
+                <a:schemeClr val="tx1"/>
+              </a:solidFill>
+            </a:endParaRPr>
+          </a:p>
+        </p:txBody>
+      </p:sp>
+      <p:sp>
+        <p:nvSpPr>
+          <p:cNvPr id="43" name="正方形/長方形 42">
+            <a:extLst>
+              <a:ext uri="{FF2B5EF4-FFF2-40B4-BE49-F238E27FC236}">
+                <a16:creationId xmlns:a16="http://schemas.microsoft.com/office/drawing/2014/main" id="{6A7312D4-2013-069A-84DC-9C8770C0802F}"/>
+              </a:ext>
+            </a:extLst>
+          </p:cNvPr>
+          <p:cNvSpPr/>
+          <p:nvPr/>
+        </p:nvSpPr>
+        <p:spPr>
+          <a:xfrm>
+            <a:off x="5158303" y="5194837"/>
+            <a:ext cx="1665842" cy="584775"/>
+          </a:xfrm>
+          <a:prstGeom prst="rect">
+            <a:avLst/>
+          </a:prstGeom>
+          <a:noFill/>
+        </p:spPr>
+        <p:txBody>
+          <a:bodyPr wrap="none" lIns="91440" tIns="45720" rIns="91440" bIns="45720">
+            <a:spAutoFit/>
+          </a:bodyPr>
+          <a:lstStyle/>
+          <a:p>
+            <a:pPr algn="ctr"/>
+            <a:r>
+              <a:rPr lang="en-US" altLang="ja-JP" sz="3200" dirty="0">
+                <a:solidFill>
+                  <a:prstClr val="black"/>
+                </a:solidFill>
+                <a:latin typeface="Lucida Console" panose="020B0609040504020204" pitchFamily="49" charset="0"/>
+              </a:rPr>
+              <a:t>origin</a:t>
+            </a:r>
+            <a:endParaRPr lang="ja-JP" altLang="en-US" sz="3200" b="0" cap="none" spc="0" dirty="0">
+              <a:ln w="0"/>
+              <a:solidFill>
+                <a:schemeClr val="tx1"/>
+              </a:solidFill>
+              <a:effectLst>
+                <a:outerShdw blurRad="38100" dist="19050" dir="2700000" algn="tl" rotWithShape="0">
+                  <a:schemeClr val="dk1">
+                    <a:alpha val="40000"/>
+                  </a:schemeClr>
+                </a:outerShdw>
+              </a:effectLst>
+            </a:endParaRPr>
+          </a:p>
+        </p:txBody>
+      </p:sp>
+      <p:sp>
+        <p:nvSpPr>
+          <p:cNvPr id="13" name="矢印: 上下 12">
+            <a:extLst>
+              <a:ext uri="{FF2B5EF4-FFF2-40B4-BE49-F238E27FC236}">
+                <a16:creationId xmlns:a16="http://schemas.microsoft.com/office/drawing/2014/main" id="{ABFE4F33-826C-0D9E-4CC1-7821FEC93D15}"/>
+              </a:ext>
+            </a:extLst>
+          </p:cNvPr>
+          <p:cNvSpPr/>
+          <p:nvPr/>
+        </p:nvSpPr>
+        <p:spPr>
+          <a:xfrm>
+            <a:off x="5689646" y="3878341"/>
+            <a:ext cx="603156" cy="1152525"/>
+          </a:xfrm>
+          <a:prstGeom prst="upDownArrow">
+            <a:avLst/>
+          </a:prstGeom>
+          <a:solidFill>
+            <a:srgbClr val="002060"/>
+          </a:solidFill>
+        </p:spPr>
+        <p:style>
+          <a:lnRef idx="2">
+            <a:schemeClr val="accent6">
+              <a:shade val="50000"/>
+            </a:schemeClr>
+          </a:lnRef>
+          <a:fillRef idx="1">
+            <a:schemeClr val="accent6"/>
+          </a:fillRef>
+          <a:effectRef idx="0">
+            <a:schemeClr val="accent6"/>
+          </a:effectRef>
+          <a:fontRef idx="minor">
+            <a:schemeClr val="lt1"/>
+          </a:fontRef>
+        </p:style>
+        <p:txBody>
+          <a:bodyPr rtlCol="0" anchor="ctr"/>
+          <a:lstStyle/>
+          <a:p>
+            <a:pPr algn="ctr"/>
+            <a:endParaRPr kumimoji="1" lang="ja-JP" altLang="en-US"/>
+          </a:p>
+        </p:txBody>
+      </p:sp>
+    </p:spTree>
+    <p:extLst>
+      <p:ext uri="{BB962C8B-B14F-4D97-AF65-F5344CB8AC3E}">
+        <p14:creationId xmlns:p14="http://schemas.microsoft.com/office/powerpoint/2010/main" val="497359218"/>
+      </p:ext>
+    </p:extLst>
+  </p:cSld>
+  <p:clrMapOvr>
+    <a:masterClrMapping/>
+  </p:clrMapOvr>
+</p:sld>
+</file>
+
+<file path=ppt/slides/slide19.xml><?xml version="1.0" encoding="utf-8"?>
+<p:sld xmlns:a="http://schemas.openxmlformats.org/drawingml/2006/main" xmlns:r="http://schemas.openxmlformats.org/officeDocument/2006/relationships" xmlns:p="http://schemas.openxmlformats.org/presentationml/2006/main">
+  <p:cSld>
+    <p:spTree>
+      <p:nvGrpSpPr>
+        <p:cNvPr id="1" name=""/>
+        <p:cNvGrpSpPr/>
+        <p:nvPr/>
+      </p:nvGrpSpPr>
+      <p:grpSpPr>
+        <a:xfrm>
+          <a:off x="0" y="0"/>
+          <a:ext cx="0" cy="0"/>
+          <a:chOff x="0" y="0"/>
+          <a:chExt cx="0" cy="0"/>
+        </a:xfrm>
+      </p:grpSpPr>
+      <p:grpSp>
+        <p:nvGrpSpPr>
+          <p:cNvPr id="52" name="グループ化 51">
+            <a:extLst>
+              <a:ext uri="{FF2B5EF4-FFF2-40B4-BE49-F238E27FC236}">
+                <a16:creationId xmlns:a16="http://schemas.microsoft.com/office/drawing/2014/main" id="{E9CB36BD-ABB5-A256-82C2-94E04EE57AF3}"/>
+              </a:ext>
+            </a:extLst>
+          </p:cNvPr>
+          <p:cNvGrpSpPr/>
+          <p:nvPr/>
+        </p:nvGrpSpPr>
+        <p:grpSpPr>
+          <a:xfrm>
+            <a:off x="2049061" y="2452978"/>
+            <a:ext cx="9218513" cy="4122657"/>
+            <a:chOff x="-4200950" y="3240798"/>
+            <a:chExt cx="9218513" cy="4122657"/>
+          </a:xfrm>
+        </p:grpSpPr>
+        <p:pic>
+          <p:nvPicPr>
+            <p:cNvPr id="53" name="グラフィックス 52">
+              <a:extLst>
+                <a:ext uri="{FF2B5EF4-FFF2-40B4-BE49-F238E27FC236}">
+                  <a16:creationId xmlns:a16="http://schemas.microsoft.com/office/drawing/2014/main" id="{37799445-ECAE-0AF3-6670-EF155E324E59}"/>
+                </a:ext>
+              </a:extLst>
+            </p:cNvPr>
+            <p:cNvPicPr>
+              <a:picLocks noChangeAspect="1"/>
+            </p:cNvPicPr>
+            <p:nvPr/>
+          </p:nvPicPr>
+          <p:blipFill>
+            <a:blip r:embed="rId2">
+              <a:extLst>
+                <a:ext uri="{28A0092B-C50C-407E-A947-70E740481C1C}">
+                  <a14:useLocalDpi xmlns:a14="http://schemas.microsoft.com/office/drawing/2010/main" val="0"/>
+                </a:ext>
+                <a:ext uri="{96DAC541-7B7A-43D3-8B79-37D633B846F1}">
+                  <asvg:svgBlip xmlns:asvg="http://schemas.microsoft.com/office/drawing/2016/SVG/main" r:embed="rId3"/>
+                </a:ext>
+                <a:ext uri="{837473B0-CC2E-450A-ABE3-18F120FF3D39}">
+                  <a1611:picAttrSrcUrl xmlns:a1611="http://schemas.microsoft.com/office/drawing/2016/11/main" r:id="rId4"/>
+                </a:ext>
+              </a:extLst>
+            </a:blip>
+            <a:stretch>
+              <a:fillRect/>
+            </a:stretch>
+          </p:blipFill>
+          <p:spPr>
+            <a:xfrm>
+              <a:off x="894906" y="3240798"/>
+              <a:ext cx="4122657" cy="4122657"/>
+            </a:xfrm>
+            <a:prstGeom prst="rect">
+              <a:avLst/>
+            </a:prstGeom>
+          </p:spPr>
+        </p:pic>
+        <p:sp>
+          <p:nvSpPr>
+            <p:cNvPr id="54" name="テキスト ボックス 53">
+              <a:extLst>
+                <a:ext uri="{FF2B5EF4-FFF2-40B4-BE49-F238E27FC236}">
+                  <a16:creationId xmlns:a16="http://schemas.microsoft.com/office/drawing/2014/main" id="{B8F1861B-A5B0-FFCE-838A-BC928C42AE05}"/>
+                </a:ext>
+              </a:extLst>
+            </p:cNvPr>
+            <p:cNvSpPr txBox="1"/>
+            <p:nvPr/>
+          </p:nvSpPr>
+          <p:spPr>
+            <a:xfrm>
+              <a:off x="1438611" y="4119256"/>
+              <a:ext cx="1356711" cy="430887"/>
+            </a:xfrm>
+            <a:prstGeom prst="rect">
+              <a:avLst/>
+            </a:prstGeom>
+            <a:noFill/>
+          </p:spPr>
+          <p:txBody>
+            <a:bodyPr wrap="square" rtlCol="0">
+              <a:spAutoFit/>
+            </a:bodyPr>
+            <a:lstStyle/>
+            <a:p>
+              <a:r>
+                <a:rPr lang="ja-JP" altLang="en-US" sz="1100" b="1" dirty="0">
+                  <a:solidFill>
+                    <a:schemeClr val="bg1"/>
+                  </a:solidFill>
+                </a:rPr>
+                <a:t>リモート</a:t>
+              </a:r>
+              <a:endParaRPr kumimoji="1" lang="en-US" altLang="ja-JP" sz="1100" b="1" dirty="0">
+                <a:solidFill>
+                  <a:schemeClr val="bg1"/>
+                </a:solidFill>
+              </a:endParaRPr>
+            </a:p>
+            <a:p>
+              <a:r>
+                <a:rPr kumimoji="1" lang="ja-JP" altLang="en-US" sz="1100" b="1" dirty="0">
+                  <a:solidFill>
+                    <a:schemeClr val="bg1"/>
+                  </a:solidFill>
+                </a:rPr>
+                <a:t>リポジトリ</a:t>
+              </a:r>
+            </a:p>
+          </p:txBody>
+        </p:sp>
+        <p:sp>
+          <p:nvSpPr>
+            <p:cNvPr id="55" name="円柱 54">
+              <a:extLst>
+                <a:ext uri="{FF2B5EF4-FFF2-40B4-BE49-F238E27FC236}">
+                  <a16:creationId xmlns:a16="http://schemas.microsoft.com/office/drawing/2014/main" id="{AA78EE84-0005-8A18-C870-FE74213AF0AD}"/>
+                </a:ext>
+              </a:extLst>
+            </p:cNvPr>
+            <p:cNvSpPr/>
+            <p:nvPr/>
+          </p:nvSpPr>
+          <p:spPr>
+            <a:xfrm>
+              <a:off x="2640026" y="5265322"/>
+              <a:ext cx="855766" cy="677037"/>
+            </a:xfrm>
+            <a:prstGeom prst="can">
+              <a:avLst>
+                <a:gd name="adj" fmla="val 22181"/>
+              </a:avLst>
+            </a:prstGeom>
+            <a:ln>
+              <a:solidFill>
+                <a:srgbClr val="5B9BD5"/>
+              </a:solidFill>
+            </a:ln>
+          </p:spPr>
+          <p:style>
+            <a:lnRef idx="2">
+              <a:schemeClr val="accent1"/>
+            </a:lnRef>
+            <a:fillRef idx="1">
+              <a:schemeClr val="lt1"/>
+            </a:fillRef>
+            <a:effectRef idx="0">
+              <a:schemeClr val="accent1"/>
+            </a:effectRef>
+            <a:fontRef idx="minor">
+              <a:schemeClr val="dk1"/>
+            </a:fontRef>
+          </p:style>
+          <p:txBody>
+            <a:bodyPr rtlCol="0" anchor="ctr"/>
+            <a:lstStyle/>
+            <a:p>
+              <a:pPr algn="ctr"/>
+              <a:r>
+                <a:rPr kumimoji="1" lang="en-US" altLang="ja-JP" sz="3200" dirty="0">
+                  <a:latin typeface="ＭＳ Ｐ明朝" panose="02020600040205080304" pitchFamily="18" charset="-128"/>
+                  <a:ea typeface="ＭＳ Ｐ明朝" panose="02020600040205080304" pitchFamily="18" charset="-128"/>
+                </a:rPr>
+                <a:t>.git</a:t>
+              </a:r>
+              <a:endParaRPr kumimoji="1" lang="ja-JP" altLang="en-US" sz="1200" dirty="0">
+                <a:latin typeface="ＭＳ Ｐ明朝" panose="02020600040205080304" pitchFamily="18" charset="-128"/>
+                <a:ea typeface="ＭＳ Ｐ明朝" panose="02020600040205080304" pitchFamily="18" charset="-128"/>
+              </a:endParaRPr>
+            </a:p>
+          </p:txBody>
+        </p:sp>
+        <p:sp>
+          <p:nvSpPr>
+            <p:cNvPr id="56" name="円柱 55">
+              <a:extLst>
+                <a:ext uri="{FF2B5EF4-FFF2-40B4-BE49-F238E27FC236}">
+                  <a16:creationId xmlns:a16="http://schemas.microsoft.com/office/drawing/2014/main" id="{9324ECBE-DD4C-E027-8709-44B90AB2851B}"/>
+                </a:ext>
+              </a:extLst>
+            </p:cNvPr>
+            <p:cNvSpPr/>
+            <p:nvPr/>
+          </p:nvSpPr>
+          <p:spPr>
+            <a:xfrm>
+              <a:off x="-4200950" y="5188842"/>
+              <a:ext cx="767422" cy="225480"/>
+            </a:xfrm>
+            <a:prstGeom prst="can">
+              <a:avLst>
+                <a:gd name="adj" fmla="val 50000"/>
+              </a:avLst>
+            </a:prstGeom>
+            <a:ln>
+              <a:solidFill>
+                <a:srgbClr val="5B9BD5"/>
+              </a:solidFill>
+            </a:ln>
+          </p:spPr>
+          <p:style>
+            <a:lnRef idx="1">
+              <a:schemeClr val="accent6"/>
+            </a:lnRef>
+            <a:fillRef idx="2">
+              <a:schemeClr val="accent6"/>
+            </a:fillRef>
+            <a:effectRef idx="1">
+              <a:schemeClr val="accent6"/>
+            </a:effectRef>
+            <a:fontRef idx="minor">
+              <a:schemeClr val="dk1"/>
+            </a:fontRef>
+          </p:style>
+          <p:txBody>
+            <a:bodyPr rtlCol="0" anchor="ctr"/>
+            <a:lstStyle/>
+            <a:p>
+              <a:pPr algn="ctr"/>
+              <a:endParaRPr kumimoji="1" lang="ja-JP" altLang="en-US"/>
+            </a:p>
+          </p:txBody>
+        </p:sp>
+        <p:sp>
+          <p:nvSpPr>
+            <p:cNvPr id="57" name="円柱 56">
+              <a:extLst>
+                <a:ext uri="{FF2B5EF4-FFF2-40B4-BE49-F238E27FC236}">
+                  <a16:creationId xmlns:a16="http://schemas.microsoft.com/office/drawing/2014/main" id="{B440E63C-42D0-D2B6-AD55-48E515FA03A4}"/>
+                </a:ext>
+              </a:extLst>
+            </p:cNvPr>
+            <p:cNvSpPr/>
+            <p:nvPr/>
+          </p:nvSpPr>
+          <p:spPr>
+            <a:xfrm>
+              <a:off x="-4200950" y="5039842"/>
+              <a:ext cx="767422" cy="225480"/>
+            </a:xfrm>
+            <a:prstGeom prst="can">
+              <a:avLst>
+                <a:gd name="adj" fmla="val 50000"/>
+              </a:avLst>
+            </a:prstGeom>
+            <a:ln>
+              <a:solidFill>
+                <a:srgbClr val="5B9BD5"/>
+              </a:solidFill>
+            </a:ln>
+          </p:spPr>
+          <p:style>
+            <a:lnRef idx="2">
+              <a:schemeClr val="accent2">
+                <a:shade val="50000"/>
+              </a:schemeClr>
+            </a:lnRef>
+            <a:fillRef idx="1">
+              <a:schemeClr val="accent2"/>
+            </a:fillRef>
+            <a:effectRef idx="0">
+              <a:schemeClr val="accent2"/>
+            </a:effectRef>
+            <a:fontRef idx="minor">
+              <a:schemeClr val="lt1"/>
+            </a:fontRef>
+          </p:style>
+          <p:txBody>
+            <a:bodyPr rtlCol="0" anchor="ctr"/>
+            <a:lstStyle/>
+            <a:p>
+              <a:pPr algn="ctr"/>
+              <a:endParaRPr kumimoji="1" lang="ja-JP" altLang="en-US"/>
+            </a:p>
+          </p:txBody>
+        </p:sp>
+        <p:sp>
+          <p:nvSpPr>
+            <p:cNvPr id="58" name="円柱 57">
+              <a:extLst>
+                <a:ext uri="{FF2B5EF4-FFF2-40B4-BE49-F238E27FC236}">
+                  <a16:creationId xmlns:a16="http://schemas.microsoft.com/office/drawing/2014/main" id="{96BA9BCF-81C5-DC0F-9A26-61936560D6DD}"/>
+                </a:ext>
+              </a:extLst>
+            </p:cNvPr>
+            <p:cNvSpPr/>
+            <p:nvPr/>
+          </p:nvSpPr>
+          <p:spPr>
+            <a:xfrm>
+              <a:off x="-4200950" y="4889753"/>
+              <a:ext cx="767422" cy="225480"/>
+            </a:xfrm>
+            <a:prstGeom prst="can">
+              <a:avLst>
+                <a:gd name="adj" fmla="val 50000"/>
+              </a:avLst>
+            </a:prstGeom>
+            <a:ln>
+              <a:solidFill>
+                <a:srgbClr val="5B9BD5"/>
+              </a:solidFill>
+            </a:ln>
+          </p:spPr>
+          <p:style>
+            <a:lnRef idx="2">
+              <a:schemeClr val="accent1">
+                <a:shade val="50000"/>
+              </a:schemeClr>
+            </a:lnRef>
+            <a:fillRef idx="1">
+              <a:schemeClr val="accent1"/>
+            </a:fillRef>
+            <a:effectRef idx="0">
+              <a:schemeClr val="accent1"/>
+            </a:effectRef>
+            <a:fontRef idx="minor">
+              <a:schemeClr val="lt1"/>
+            </a:fontRef>
+          </p:style>
+          <p:txBody>
+            <a:bodyPr rtlCol="0" anchor="ctr"/>
+            <a:lstStyle/>
+            <a:p>
+              <a:pPr algn="ctr"/>
+              <a:endParaRPr kumimoji="1" lang="ja-JP" altLang="en-US"/>
+            </a:p>
+          </p:txBody>
+        </p:sp>
+      </p:grpSp>
+      <p:sp>
+        <p:nvSpPr>
+          <p:cNvPr id="64" name="正方形/長方形 63">
+            <a:extLst>
+              <a:ext uri="{FF2B5EF4-FFF2-40B4-BE49-F238E27FC236}">
+                <a16:creationId xmlns:a16="http://schemas.microsoft.com/office/drawing/2014/main" id="{B70A7853-8325-4E7F-9AE0-F7F998BB56B9}"/>
+              </a:ext>
+            </a:extLst>
+          </p:cNvPr>
+          <p:cNvSpPr/>
+          <p:nvPr/>
+        </p:nvSpPr>
+        <p:spPr>
+          <a:xfrm>
+            <a:off x="572586" y="452430"/>
+            <a:ext cx="9882834" cy="2000548"/>
+          </a:xfrm>
+          <a:prstGeom prst="rect">
+            <a:avLst/>
+          </a:prstGeom>
+          <a:noFill/>
+        </p:spPr>
+        <p:txBody>
+          <a:bodyPr wrap="none" lIns="91440" tIns="45720" rIns="91440" bIns="45720">
+            <a:spAutoFit/>
+          </a:bodyPr>
+          <a:lstStyle/>
+          <a:p>
+            <a:r>
+              <a:rPr lang="ja-JP" altLang="en-US" sz="4000" b="0" cap="none" spc="0" dirty="0">
+                <a:ln w="0"/>
+                <a:solidFill>
+                  <a:schemeClr val="tx1"/>
+                </a:solidFill>
+                <a:effectLst>
+                  <a:outerShdw blurRad="38100" dist="19050" dir="2700000" algn="tl" rotWithShape="0">
+                    <a:schemeClr val="dk1">
+                      <a:alpha val="40000"/>
+                    </a:schemeClr>
+                  </a:outerShdw>
+                </a:effectLst>
+              </a:rPr>
+              <a:t>リモートリポジトリに</a:t>
+            </a:r>
+            <a:endParaRPr lang="en-US" altLang="ja-JP" sz="4000" b="0" cap="none" spc="0" dirty="0">
+              <a:ln w="0"/>
+              <a:solidFill>
+                <a:schemeClr val="tx1"/>
+              </a:solidFill>
+              <a:effectLst>
+                <a:outerShdw blurRad="38100" dist="19050" dir="2700000" algn="tl" rotWithShape="0">
+                  <a:schemeClr val="dk1">
+                    <a:alpha val="40000"/>
+                  </a:schemeClr>
+                </a:outerShdw>
+              </a:effectLst>
+            </a:endParaRPr>
+          </a:p>
+          <a:p>
+            <a:r>
+              <a:rPr lang="ja-JP" altLang="en-US" sz="4000" b="0" cap="none" spc="0" dirty="0">
+                <a:ln w="0"/>
+                <a:solidFill>
+                  <a:schemeClr val="tx1"/>
+                </a:solidFill>
+                <a:effectLst>
+                  <a:outerShdw blurRad="38100" dist="19050" dir="2700000" algn="tl" rotWithShape="0">
+                    <a:schemeClr val="dk1">
+                      <a:alpha val="40000"/>
+                    </a:schemeClr>
+                  </a:outerShdw>
+                </a:effectLst>
+              </a:rPr>
+              <a:t>ローカルリポジトリの内容を</a:t>
+            </a:r>
+            <a:endParaRPr lang="en-US" altLang="ja-JP" sz="4000" b="0" cap="none" spc="0" dirty="0">
+              <a:ln w="0"/>
+              <a:solidFill>
+                <a:schemeClr val="tx1"/>
+              </a:solidFill>
+              <a:effectLst>
+                <a:outerShdw blurRad="38100" dist="19050" dir="2700000" algn="tl" rotWithShape="0">
+                  <a:schemeClr val="dk1">
+                    <a:alpha val="40000"/>
+                  </a:schemeClr>
+                </a:outerShdw>
+              </a:effectLst>
+            </a:endParaRPr>
+          </a:p>
+          <a:p>
+            <a:r>
+              <a:rPr lang="ja-JP" altLang="en-US" sz="4000" b="0" cap="none" spc="0" dirty="0">
+                <a:ln w="0"/>
+                <a:solidFill>
+                  <a:schemeClr val="tx1"/>
+                </a:solidFill>
+                <a:effectLst>
+                  <a:outerShdw blurRad="38100" dist="19050" dir="2700000" algn="tl" rotWithShape="0">
+                    <a:schemeClr val="dk1">
+                      <a:alpha val="40000"/>
+                    </a:schemeClr>
+                  </a:outerShdw>
+                </a:effectLst>
+              </a:rPr>
+              <a:t>反映させることを</a:t>
+            </a:r>
+            <a:r>
+              <a:rPr lang="ja-JP" altLang="en-US" sz="4400" b="1" cap="none" spc="0" dirty="0">
+                <a:ln w="0"/>
+                <a:solidFill>
+                  <a:srgbClr val="FF0000"/>
+                </a:solidFill>
+                <a:effectLst>
+                  <a:outerShdw blurRad="38100" dist="19050" dir="2700000" algn="tl" rotWithShape="0">
+                    <a:schemeClr val="dk1">
+                      <a:alpha val="40000"/>
+                    </a:schemeClr>
+                  </a:outerShdw>
+                </a:effectLst>
+              </a:rPr>
+              <a:t>プッシュ</a:t>
+            </a:r>
+            <a:r>
+              <a:rPr lang="en-US" altLang="ja-JP" sz="4400" b="1" cap="none" spc="0" dirty="0">
+                <a:ln w="0"/>
+                <a:solidFill>
+                  <a:srgbClr val="FF0000"/>
+                </a:solidFill>
+                <a:effectLst>
+                  <a:outerShdw blurRad="38100" dist="19050" dir="2700000" algn="tl" rotWithShape="0">
+                    <a:schemeClr val="dk1">
+                      <a:alpha val="40000"/>
+                    </a:schemeClr>
+                  </a:outerShdw>
+                </a:effectLst>
+              </a:rPr>
+              <a:t>(push)</a:t>
+            </a:r>
+            <a:r>
+              <a:rPr lang="ja-JP" altLang="en-US" sz="4000" b="0" cap="none" spc="0" dirty="0">
+                <a:ln w="0"/>
+                <a:solidFill>
+                  <a:schemeClr val="tx1"/>
+                </a:solidFill>
+                <a:effectLst>
+                  <a:outerShdw blurRad="38100" dist="19050" dir="2700000" algn="tl" rotWithShape="0">
+                    <a:schemeClr val="dk1">
+                      <a:alpha val="40000"/>
+                    </a:schemeClr>
+                  </a:outerShdw>
+                </a:effectLst>
+              </a:rPr>
+              <a:t>という</a:t>
+            </a:r>
+            <a:endParaRPr lang="en-US" altLang="ja-JP" sz="4000" b="0" cap="none" spc="0" dirty="0">
+              <a:ln w="0"/>
+              <a:solidFill>
+                <a:schemeClr val="tx1"/>
+              </a:solidFill>
+              <a:effectLst>
+                <a:outerShdw blurRad="38100" dist="19050" dir="2700000" algn="tl" rotWithShape="0">
+                  <a:schemeClr val="dk1">
+                    <a:alpha val="40000"/>
+                  </a:schemeClr>
+                </a:outerShdw>
+              </a:effectLst>
+            </a:endParaRPr>
+          </a:p>
+        </p:txBody>
+      </p:sp>
+      <p:grpSp>
+        <p:nvGrpSpPr>
+          <p:cNvPr id="45" name="グループ化 44">
+            <a:extLst>
+              <a:ext uri="{FF2B5EF4-FFF2-40B4-BE49-F238E27FC236}">
+                <a16:creationId xmlns:a16="http://schemas.microsoft.com/office/drawing/2014/main" id="{EC36CE2D-7A2F-BD31-AC5C-6F7237FC943E}"/>
+              </a:ext>
+            </a:extLst>
+          </p:cNvPr>
+          <p:cNvGrpSpPr/>
+          <p:nvPr/>
+        </p:nvGrpSpPr>
+        <p:grpSpPr>
+          <a:xfrm>
+            <a:off x="313679" y="2511098"/>
+            <a:ext cx="4010657" cy="4122657"/>
+            <a:chOff x="313679" y="2511098"/>
+            <a:chExt cx="4010657" cy="4122657"/>
+          </a:xfrm>
+        </p:grpSpPr>
+        <p:pic>
+          <p:nvPicPr>
+            <p:cNvPr id="46" name="グラフィックス 45">
+              <a:extLst>
+                <a:ext uri="{FF2B5EF4-FFF2-40B4-BE49-F238E27FC236}">
+                  <a16:creationId xmlns:a16="http://schemas.microsoft.com/office/drawing/2014/main" id="{6FD7D9DC-59D1-F436-D666-211DD34D9ED9}"/>
+                </a:ext>
+              </a:extLst>
+            </p:cNvPr>
+            <p:cNvPicPr>
+              <a:picLocks noChangeAspect="1"/>
+            </p:cNvPicPr>
+            <p:nvPr/>
+          </p:nvPicPr>
+          <p:blipFill>
+            <a:blip r:embed="rId5">
+              <a:extLst>
+                <a:ext uri="{28A0092B-C50C-407E-A947-70E740481C1C}">
+                  <a14:useLocalDpi xmlns:a14="http://schemas.microsoft.com/office/drawing/2010/main" val="0"/>
+                </a:ext>
+                <a:ext uri="{96DAC541-7B7A-43D3-8B79-37D633B846F1}">
+                  <asvg:svgBlip xmlns:asvg="http://schemas.microsoft.com/office/drawing/2016/SVG/main" r:embed="rId6"/>
+                </a:ext>
+                <a:ext uri="{837473B0-CC2E-450A-ABE3-18F120FF3D39}">
+                  <a1611:picAttrSrcUrl xmlns:a1611="http://schemas.microsoft.com/office/drawing/2016/11/main" r:id="rId4"/>
+                </a:ext>
+              </a:extLst>
+            </a:blip>
+            <a:stretch>
+              <a:fillRect/>
+            </a:stretch>
+          </p:blipFill>
+          <p:spPr>
+            <a:xfrm>
+              <a:off x="313679" y="2511098"/>
+              <a:ext cx="4010657" cy="4122657"/>
+            </a:xfrm>
+            <a:prstGeom prst="rect">
+              <a:avLst/>
+            </a:prstGeom>
+          </p:spPr>
+        </p:pic>
+        <p:sp>
+          <p:nvSpPr>
+            <p:cNvPr id="47" name="テキスト ボックス 46">
+              <a:extLst>
+                <a:ext uri="{FF2B5EF4-FFF2-40B4-BE49-F238E27FC236}">
+                  <a16:creationId xmlns:a16="http://schemas.microsoft.com/office/drawing/2014/main" id="{A5E29019-FBE6-FEFA-1600-69A4C7B49898}"/>
+                </a:ext>
+              </a:extLst>
+            </p:cNvPr>
+            <p:cNvSpPr txBox="1"/>
+            <p:nvPr/>
+          </p:nvSpPr>
+          <p:spPr>
+            <a:xfrm>
+              <a:off x="853851" y="3422781"/>
+              <a:ext cx="1512892" cy="430887"/>
+            </a:xfrm>
+            <a:prstGeom prst="rect">
+              <a:avLst/>
+            </a:prstGeom>
+            <a:noFill/>
+          </p:spPr>
+          <p:txBody>
+            <a:bodyPr wrap="square" rtlCol="0">
+              <a:spAutoFit/>
+            </a:bodyPr>
+            <a:lstStyle/>
+            <a:p>
+              <a:r>
+                <a:rPr kumimoji="1" lang="ja-JP" altLang="en-US" sz="1100" b="1" dirty="0"/>
+                <a:t>ローカル</a:t>
               </a:r>
               <a:endParaRPr kumimoji="1" lang="en-US" altLang="ja-JP" sz="1100" b="1" dirty="0"/>
             </a:p>
             <a:p>
               <a:r>
                 <a:rPr kumimoji="1" lang="ja-JP" altLang="en-US" sz="1100" b="1" dirty="0"/>
+                <a:t>リポジトリ</a:t>
+              </a:r>
+            </a:p>
+          </p:txBody>
+        </p:sp>
+        <p:sp>
+          <p:nvSpPr>
+            <p:cNvPr id="48" name="円柱 47">
+              <a:extLst>
+                <a:ext uri="{FF2B5EF4-FFF2-40B4-BE49-F238E27FC236}">
+                  <a16:creationId xmlns:a16="http://schemas.microsoft.com/office/drawing/2014/main" id="{0F8E1D44-8ACE-36E5-84D9-2911667DE79E}"/>
+                </a:ext>
+              </a:extLst>
+            </p:cNvPr>
+            <p:cNvSpPr/>
+            <p:nvPr/>
+          </p:nvSpPr>
+          <p:spPr>
+            <a:xfrm>
+              <a:off x="1988532" y="4572428"/>
+              <a:ext cx="855766" cy="618916"/>
+            </a:xfrm>
+            <a:prstGeom prst="can">
+              <a:avLst>
+                <a:gd name="adj" fmla="val 22181"/>
+              </a:avLst>
+            </a:prstGeom>
+            <a:ln>
+              <a:solidFill>
+                <a:srgbClr val="5B9BD5"/>
+              </a:solidFill>
+            </a:ln>
+          </p:spPr>
+          <p:style>
+            <a:lnRef idx="2">
+              <a:schemeClr val="accent1"/>
+            </a:lnRef>
+            <a:fillRef idx="1">
+              <a:schemeClr val="lt1"/>
+            </a:fillRef>
+            <a:effectRef idx="0">
+              <a:schemeClr val="accent1"/>
+            </a:effectRef>
+            <a:fontRef idx="minor">
+              <a:schemeClr val="dk1"/>
+            </a:fontRef>
+          </p:style>
+          <p:txBody>
+            <a:bodyPr rtlCol="0" anchor="ctr"/>
+            <a:lstStyle/>
+            <a:p>
+              <a:pPr algn="ctr"/>
+              <a:r>
+                <a:rPr kumimoji="1" lang="en-US" altLang="ja-JP" sz="3200" dirty="0">
+                  <a:latin typeface="ＭＳ Ｐ明朝" panose="02020600040205080304" pitchFamily="18" charset="-128"/>
+                  <a:ea typeface="ＭＳ Ｐ明朝" panose="02020600040205080304" pitchFamily="18" charset="-128"/>
+                </a:rPr>
+                <a:t>.git</a:t>
+              </a:r>
+              <a:endParaRPr kumimoji="1" lang="ja-JP" altLang="en-US" sz="1200" dirty="0">
+                <a:latin typeface="ＭＳ Ｐ明朝" panose="02020600040205080304" pitchFamily="18" charset="-128"/>
+                <a:ea typeface="ＭＳ Ｐ明朝" panose="02020600040205080304" pitchFamily="18" charset="-128"/>
+              </a:endParaRPr>
+            </a:p>
+          </p:txBody>
+        </p:sp>
+      </p:grpSp>
+      <p:sp>
+        <p:nvSpPr>
+          <p:cNvPr id="49" name="円柱 48">
+            <a:extLst>
+              <a:ext uri="{FF2B5EF4-FFF2-40B4-BE49-F238E27FC236}">
+                <a16:creationId xmlns:a16="http://schemas.microsoft.com/office/drawing/2014/main" id="{1BA0BB2A-156E-EA00-7876-AD4217B7F271}"/>
+              </a:ext>
+            </a:extLst>
+          </p:cNvPr>
+          <p:cNvSpPr/>
+          <p:nvPr/>
+        </p:nvSpPr>
+        <p:spPr>
+          <a:xfrm>
+            <a:off x="8890037" y="4334081"/>
+            <a:ext cx="855766" cy="225480"/>
+          </a:xfrm>
+          <a:prstGeom prst="can">
+            <a:avLst>
+              <a:gd name="adj" fmla="val 50000"/>
+            </a:avLst>
+          </a:prstGeom>
+          <a:ln>
+            <a:solidFill>
+              <a:srgbClr val="5B9BD5"/>
+            </a:solidFill>
+          </a:ln>
+        </p:spPr>
+        <p:style>
+          <a:lnRef idx="1">
+            <a:schemeClr val="accent6"/>
+          </a:lnRef>
+          <a:fillRef idx="2">
+            <a:schemeClr val="accent6"/>
+          </a:fillRef>
+          <a:effectRef idx="1">
+            <a:schemeClr val="accent6"/>
+          </a:effectRef>
+          <a:fontRef idx="minor">
+            <a:schemeClr val="dk1"/>
+          </a:fontRef>
+        </p:style>
+        <p:txBody>
+          <a:bodyPr rtlCol="0" anchor="ctr"/>
+          <a:lstStyle/>
+          <a:p>
+            <a:pPr algn="ctr"/>
+            <a:endParaRPr kumimoji="1" lang="ja-JP" altLang="en-US"/>
+          </a:p>
+        </p:txBody>
+      </p:sp>
+      <p:sp>
+        <p:nvSpPr>
+          <p:cNvPr id="50" name="円柱 49">
+            <a:extLst>
+              <a:ext uri="{FF2B5EF4-FFF2-40B4-BE49-F238E27FC236}">
+                <a16:creationId xmlns:a16="http://schemas.microsoft.com/office/drawing/2014/main" id="{DE9A8E99-F6E3-28A2-A271-C3543FDF019F}"/>
+              </a:ext>
+            </a:extLst>
+          </p:cNvPr>
+          <p:cNvSpPr/>
+          <p:nvPr/>
+        </p:nvSpPr>
+        <p:spPr>
+          <a:xfrm>
+            <a:off x="8890037" y="4185081"/>
+            <a:ext cx="855766" cy="225480"/>
+          </a:xfrm>
+          <a:prstGeom prst="can">
+            <a:avLst>
+              <a:gd name="adj" fmla="val 50000"/>
+            </a:avLst>
+          </a:prstGeom>
+          <a:ln>
+            <a:solidFill>
+              <a:srgbClr val="5B9BD5"/>
+            </a:solidFill>
+          </a:ln>
+        </p:spPr>
+        <p:style>
+          <a:lnRef idx="2">
+            <a:schemeClr val="accent2">
+              <a:shade val="50000"/>
+            </a:schemeClr>
+          </a:lnRef>
+          <a:fillRef idx="1">
+            <a:schemeClr val="accent2"/>
+          </a:fillRef>
+          <a:effectRef idx="0">
+            <a:schemeClr val="accent2"/>
+          </a:effectRef>
+          <a:fontRef idx="minor">
+            <a:schemeClr val="lt1"/>
+          </a:fontRef>
+        </p:style>
+        <p:txBody>
+          <a:bodyPr rtlCol="0" anchor="ctr"/>
+          <a:lstStyle/>
+          <a:p>
+            <a:pPr algn="ctr"/>
+            <a:endParaRPr kumimoji="1" lang="ja-JP" altLang="en-US"/>
+          </a:p>
+        </p:txBody>
+      </p:sp>
+      <p:sp>
+        <p:nvSpPr>
+          <p:cNvPr id="51" name="円柱 50">
+            <a:extLst>
+              <a:ext uri="{FF2B5EF4-FFF2-40B4-BE49-F238E27FC236}">
+                <a16:creationId xmlns:a16="http://schemas.microsoft.com/office/drawing/2014/main" id="{6C2D9C92-D47C-79F9-995B-E0D35D776BBA}"/>
+              </a:ext>
+            </a:extLst>
+          </p:cNvPr>
+          <p:cNvSpPr/>
+          <p:nvPr/>
+        </p:nvSpPr>
+        <p:spPr>
+          <a:xfrm>
+            <a:off x="8890037" y="4034992"/>
+            <a:ext cx="855766" cy="225480"/>
+          </a:xfrm>
+          <a:prstGeom prst="can">
+            <a:avLst>
+              <a:gd name="adj" fmla="val 50000"/>
+            </a:avLst>
+          </a:prstGeom>
+          <a:ln>
+            <a:solidFill>
+              <a:srgbClr val="5B9BD5"/>
+            </a:solidFill>
+          </a:ln>
+        </p:spPr>
+        <p:style>
+          <a:lnRef idx="2">
+            <a:schemeClr val="accent1">
+              <a:shade val="50000"/>
+            </a:schemeClr>
+          </a:lnRef>
+          <a:fillRef idx="1">
+            <a:schemeClr val="accent1"/>
+          </a:fillRef>
+          <a:effectRef idx="0">
+            <a:schemeClr val="accent1"/>
+          </a:effectRef>
+          <a:fontRef idx="minor">
+            <a:schemeClr val="lt1"/>
+          </a:fontRef>
+        </p:style>
+        <p:txBody>
+          <a:bodyPr rtlCol="0" anchor="ctr"/>
+          <a:lstStyle/>
+          <a:p>
+            <a:pPr algn="ctr"/>
+            <a:endParaRPr kumimoji="1" lang="ja-JP" altLang="en-US"/>
+          </a:p>
+        </p:txBody>
+      </p:sp>
+      <p:sp>
+        <p:nvSpPr>
+          <p:cNvPr id="59" name="矢印: 右 58">
+            <a:extLst>
+              <a:ext uri="{FF2B5EF4-FFF2-40B4-BE49-F238E27FC236}">
+                <a16:creationId xmlns:a16="http://schemas.microsoft.com/office/drawing/2014/main" id="{69354ED0-ABBD-1C76-9420-BD3ECFAB0119}"/>
+              </a:ext>
+            </a:extLst>
+          </p:cNvPr>
+          <p:cNvSpPr/>
+          <p:nvPr/>
+        </p:nvSpPr>
+        <p:spPr>
+          <a:xfrm>
+            <a:off x="5036127" y="4459202"/>
+            <a:ext cx="1396998" cy="480927"/>
+          </a:xfrm>
+          <a:prstGeom prst="rightArrow">
+            <a:avLst/>
+          </a:prstGeom>
+        </p:spPr>
+        <p:style>
+          <a:lnRef idx="2">
+            <a:schemeClr val="accent1">
+              <a:shade val="50000"/>
+            </a:schemeClr>
+          </a:lnRef>
+          <a:fillRef idx="1">
+            <a:schemeClr val="accent1"/>
+          </a:fillRef>
+          <a:effectRef idx="0">
+            <a:schemeClr val="accent1"/>
+          </a:effectRef>
+          <a:fontRef idx="minor">
+            <a:schemeClr val="lt1"/>
+          </a:fontRef>
+        </p:style>
+        <p:txBody>
+          <a:bodyPr rtlCol="0" anchor="ctr"/>
+          <a:lstStyle/>
+          <a:p>
+            <a:pPr algn="ctr"/>
+            <a:endParaRPr kumimoji="1" lang="ja-JP" altLang="en-US" dirty="0"/>
+          </a:p>
+        </p:txBody>
+      </p:sp>
+      <p:sp>
+        <p:nvSpPr>
+          <p:cNvPr id="60" name="正方形/長方形 59">
+            <a:extLst>
+              <a:ext uri="{FF2B5EF4-FFF2-40B4-BE49-F238E27FC236}">
+                <a16:creationId xmlns:a16="http://schemas.microsoft.com/office/drawing/2014/main" id="{62C83A5F-609F-0290-C5E5-B68D0440ECB7}"/>
+              </a:ext>
+            </a:extLst>
+          </p:cNvPr>
+          <p:cNvSpPr/>
+          <p:nvPr/>
+        </p:nvSpPr>
+        <p:spPr>
+          <a:xfrm>
+            <a:off x="4764399" y="3657274"/>
+            <a:ext cx="1834156" cy="923330"/>
+          </a:xfrm>
+          <a:prstGeom prst="rect">
+            <a:avLst/>
+          </a:prstGeom>
+          <a:noFill/>
+        </p:spPr>
+        <p:txBody>
+          <a:bodyPr wrap="none" lIns="91440" tIns="45720" rIns="91440" bIns="45720">
+            <a:spAutoFit/>
+          </a:bodyPr>
+          <a:lstStyle/>
+          <a:p>
+            <a:pPr algn="ctr"/>
+            <a:r>
+              <a:rPr lang="en-US" altLang="ja-JP" sz="5400" b="1" dirty="0">
+                <a:ln w="0"/>
+                <a:solidFill>
+                  <a:srgbClr val="FF0000"/>
+                </a:solidFill>
+                <a:effectLst>
+                  <a:outerShdw blurRad="38100" dist="19050" dir="2700000" algn="tl" rotWithShape="0">
+                    <a:schemeClr val="dk1">
+                      <a:alpha val="40000"/>
+                    </a:schemeClr>
+                  </a:outerShdw>
+                </a:effectLst>
+              </a:rPr>
+              <a:t>push</a:t>
+            </a:r>
+          </a:p>
+        </p:txBody>
+      </p:sp>
+      <p:sp>
+        <p:nvSpPr>
+          <p:cNvPr id="61" name="円柱 60">
+            <a:extLst>
+              <a:ext uri="{FF2B5EF4-FFF2-40B4-BE49-F238E27FC236}">
+                <a16:creationId xmlns:a16="http://schemas.microsoft.com/office/drawing/2014/main" id="{36632EAA-BEAD-0CA0-6F24-930812C4FB12}"/>
+              </a:ext>
+            </a:extLst>
+          </p:cNvPr>
+          <p:cNvSpPr/>
+          <p:nvPr/>
+        </p:nvSpPr>
+        <p:spPr>
+          <a:xfrm>
+            <a:off x="1988532" y="4440843"/>
+            <a:ext cx="855766" cy="225480"/>
+          </a:xfrm>
+          <a:prstGeom prst="can">
+            <a:avLst>
+              <a:gd name="adj" fmla="val 50000"/>
+            </a:avLst>
+          </a:prstGeom>
+          <a:ln>
+            <a:solidFill>
+              <a:srgbClr val="5B9BD5"/>
+            </a:solidFill>
+          </a:ln>
+        </p:spPr>
+        <p:style>
+          <a:lnRef idx="1">
+            <a:schemeClr val="accent6"/>
+          </a:lnRef>
+          <a:fillRef idx="2">
+            <a:schemeClr val="accent6"/>
+          </a:fillRef>
+          <a:effectRef idx="1">
+            <a:schemeClr val="accent6"/>
+          </a:effectRef>
+          <a:fontRef idx="minor">
+            <a:schemeClr val="dk1"/>
+          </a:fontRef>
+        </p:style>
+        <p:txBody>
+          <a:bodyPr rtlCol="0" anchor="ctr"/>
+          <a:lstStyle/>
+          <a:p>
+            <a:pPr algn="ctr"/>
+            <a:endParaRPr kumimoji="1" lang="ja-JP" altLang="en-US"/>
+          </a:p>
+        </p:txBody>
+      </p:sp>
+      <p:sp>
+        <p:nvSpPr>
+          <p:cNvPr id="62" name="円柱 61">
+            <a:extLst>
+              <a:ext uri="{FF2B5EF4-FFF2-40B4-BE49-F238E27FC236}">
+                <a16:creationId xmlns:a16="http://schemas.microsoft.com/office/drawing/2014/main" id="{9B642A10-2607-BA59-C5AA-65BDA9EF8569}"/>
+              </a:ext>
+            </a:extLst>
+          </p:cNvPr>
+          <p:cNvSpPr/>
+          <p:nvPr/>
+        </p:nvSpPr>
+        <p:spPr>
+          <a:xfrm>
+            <a:off x="1988532" y="4291843"/>
+            <a:ext cx="855766" cy="225480"/>
+          </a:xfrm>
+          <a:prstGeom prst="can">
+            <a:avLst>
+              <a:gd name="adj" fmla="val 50000"/>
+            </a:avLst>
+          </a:prstGeom>
+          <a:ln>
+            <a:solidFill>
+              <a:srgbClr val="5B9BD5"/>
+            </a:solidFill>
+          </a:ln>
+        </p:spPr>
+        <p:style>
+          <a:lnRef idx="2">
+            <a:schemeClr val="accent2">
+              <a:shade val="50000"/>
+            </a:schemeClr>
+          </a:lnRef>
+          <a:fillRef idx="1">
+            <a:schemeClr val="accent2"/>
+          </a:fillRef>
+          <a:effectRef idx="0">
+            <a:schemeClr val="accent2"/>
+          </a:effectRef>
+          <a:fontRef idx="minor">
+            <a:schemeClr val="lt1"/>
+          </a:fontRef>
+        </p:style>
+        <p:txBody>
+          <a:bodyPr rtlCol="0" anchor="ctr"/>
+          <a:lstStyle/>
+          <a:p>
+            <a:pPr algn="ctr"/>
+            <a:endParaRPr kumimoji="1" lang="ja-JP" altLang="en-US"/>
+          </a:p>
+        </p:txBody>
+      </p:sp>
+      <p:sp>
+        <p:nvSpPr>
+          <p:cNvPr id="63" name="円柱 62">
+            <a:extLst>
+              <a:ext uri="{FF2B5EF4-FFF2-40B4-BE49-F238E27FC236}">
+                <a16:creationId xmlns:a16="http://schemas.microsoft.com/office/drawing/2014/main" id="{4E7A24AA-7D21-54E4-A32E-531B67B71F95}"/>
+              </a:ext>
+            </a:extLst>
+          </p:cNvPr>
+          <p:cNvSpPr/>
+          <p:nvPr/>
+        </p:nvSpPr>
+        <p:spPr>
+          <a:xfrm>
+            <a:off x="1988532" y="4141754"/>
+            <a:ext cx="855766" cy="225480"/>
+          </a:xfrm>
+          <a:prstGeom prst="can">
+            <a:avLst>
+              <a:gd name="adj" fmla="val 50000"/>
+            </a:avLst>
+          </a:prstGeom>
+          <a:ln>
+            <a:solidFill>
+              <a:srgbClr val="5B9BD5"/>
+            </a:solidFill>
+          </a:ln>
+        </p:spPr>
+        <p:style>
+          <a:lnRef idx="2">
+            <a:schemeClr val="accent1">
+              <a:shade val="50000"/>
+            </a:schemeClr>
+          </a:lnRef>
+          <a:fillRef idx="1">
+            <a:schemeClr val="accent1"/>
+          </a:fillRef>
+          <a:effectRef idx="0">
+            <a:schemeClr val="accent1"/>
+          </a:effectRef>
+          <a:fontRef idx="minor">
+            <a:schemeClr val="lt1"/>
+          </a:fontRef>
+        </p:style>
+        <p:txBody>
+          <a:bodyPr rtlCol="0" anchor="ctr"/>
+          <a:lstStyle/>
+          <a:p>
+            <a:pPr algn="ctr"/>
+            <a:endParaRPr kumimoji="1" lang="ja-JP" altLang="en-US"/>
+          </a:p>
+        </p:txBody>
+      </p:sp>
+    </p:spTree>
+    <p:extLst>
+      <p:ext uri="{BB962C8B-B14F-4D97-AF65-F5344CB8AC3E}">
+        <p14:creationId xmlns:p14="http://schemas.microsoft.com/office/powerpoint/2010/main" val="523145554"/>
+      </p:ext>
+    </p:extLst>
+  </p:cSld>
+  <p:clrMapOvr>
+    <a:masterClrMapping/>
+  </p:clrMapOvr>
+  <p:timing>
+    <p:tnLst>
+      <p:par>
+        <p:cTn id="1" dur="indefinite" restart="never" nodeType="tmRoot">
+          <p:childTnLst>
+            <p:seq concurrent="1" nextAc="seek">
+              <p:cTn id="2" dur="indefinite" nodeType="mainSeq">
+                <p:childTnLst>
+                  <p:par>
+                    <p:cTn id="3" fill="hold">
+                      <p:stCondLst>
+                        <p:cond delay="indefinite"/>
+                      </p:stCondLst>
+                      <p:childTnLst>
+                        <p:par>
+                          <p:cTn id="4" fill="hold">
+                            <p:stCondLst>
+                              <p:cond delay="0"/>
+                            </p:stCondLst>
+                            <p:childTnLst>
+                              <p:par>
+                                <p:cTn id="5" presetID="10" presetClass="entr" presetSubtype="0" fill="hold" grpId="0" nodeType="clickEffect">
+                                  <p:stCondLst>
+                                    <p:cond delay="0"/>
+                                  </p:stCondLst>
+                                  <p:childTnLst>
+                                    <p:set>
+                                      <p:cBhvr>
+                                        <p:cTn id="6" dur="1" fill="hold">
+                                          <p:stCondLst>
+                                            <p:cond delay="0"/>
+                                          </p:stCondLst>
+                                        </p:cTn>
+                                        <p:tgtEl>
+                                          <p:spTgt spid="51"/>
+                                        </p:tgtEl>
+                                        <p:attrNameLst>
+                                          <p:attrName>style.visibility</p:attrName>
+                                        </p:attrNameLst>
+                                      </p:cBhvr>
+                                      <p:to>
+                                        <p:strVal val="visible"/>
+                                      </p:to>
+                                    </p:set>
+                                    <p:animEffect transition="in" filter="fade">
+                                      <p:cBhvr>
+                                        <p:cTn id="7" dur="500"/>
+                                        <p:tgtEl>
+                                          <p:spTgt spid="51"/>
+                                        </p:tgtEl>
+                                      </p:cBhvr>
+                                    </p:animEffect>
+                                  </p:childTnLst>
+                                </p:cTn>
+                              </p:par>
+                              <p:par>
+                                <p:cTn id="8" presetID="10" presetClass="entr" presetSubtype="0" fill="hold" grpId="0" nodeType="withEffect">
+                                  <p:stCondLst>
+                                    <p:cond delay="0"/>
+                                  </p:stCondLst>
+                                  <p:childTnLst>
+                                    <p:set>
+                                      <p:cBhvr>
+                                        <p:cTn id="9" dur="1" fill="hold">
+                                          <p:stCondLst>
+                                            <p:cond delay="0"/>
+                                          </p:stCondLst>
+                                        </p:cTn>
+                                        <p:tgtEl>
+                                          <p:spTgt spid="50"/>
+                                        </p:tgtEl>
+                                        <p:attrNameLst>
+                                          <p:attrName>style.visibility</p:attrName>
+                                        </p:attrNameLst>
+                                      </p:cBhvr>
+                                      <p:to>
+                                        <p:strVal val="visible"/>
+                                      </p:to>
+                                    </p:set>
+                                    <p:animEffect transition="in" filter="fade">
+                                      <p:cBhvr>
+                                        <p:cTn id="10" dur="500"/>
+                                        <p:tgtEl>
+                                          <p:spTgt spid="50"/>
+                                        </p:tgtEl>
+                                      </p:cBhvr>
+                                    </p:animEffect>
+                                  </p:childTnLst>
+                                </p:cTn>
+                              </p:par>
+                              <p:par>
+                                <p:cTn id="11" presetID="10" presetClass="entr" presetSubtype="0" fill="hold" grpId="0" nodeType="withEffect">
+                                  <p:stCondLst>
+                                    <p:cond delay="0"/>
+                                  </p:stCondLst>
+                                  <p:childTnLst>
+                                    <p:set>
+                                      <p:cBhvr>
+                                        <p:cTn id="12" dur="1" fill="hold">
+                                          <p:stCondLst>
+                                            <p:cond delay="0"/>
+                                          </p:stCondLst>
+                                        </p:cTn>
+                                        <p:tgtEl>
+                                          <p:spTgt spid="49"/>
+                                        </p:tgtEl>
+                                        <p:attrNameLst>
+                                          <p:attrName>style.visibility</p:attrName>
+                                        </p:attrNameLst>
+                                      </p:cBhvr>
+                                      <p:to>
+                                        <p:strVal val="visible"/>
+                                      </p:to>
+                                    </p:set>
+                                    <p:animEffect transition="in" filter="fade">
+                                      <p:cBhvr>
+                                        <p:cTn id="13" dur="500"/>
+                                        <p:tgtEl>
+                                          <p:spTgt spid="49"/>
+                                        </p:tgtEl>
+                                      </p:cBhvr>
+                                    </p:animEffect>
+                                  </p:childTnLst>
+                                </p:cTn>
+                              </p:par>
+                            </p:childTnLst>
+                          </p:cTn>
+                        </p:par>
+                      </p:childTnLst>
+                    </p:cTn>
+                  </p:par>
+                </p:childTnLst>
+              </p:cTn>
+              <p:prevCondLst>
+                <p:cond evt="onPrev" delay="0">
+                  <p:tgtEl>
+                    <p:sldTgt/>
+                  </p:tgtEl>
+                </p:cond>
+              </p:prevCondLst>
+              <p:nextCondLst>
+                <p:cond evt="onNext" delay="0">
+                  <p:tgtEl>
+                    <p:sldTgt/>
+                  </p:tgtEl>
+                </p:cond>
+              </p:nextCondLst>
+            </p:seq>
+          </p:childTnLst>
+        </p:cTn>
+      </p:par>
+    </p:tnLst>
+    <p:bldLst>
+      <p:bldP spid="49" grpId="0" animBg="1"/>
+      <p:bldP spid="50" grpId="0" animBg="1"/>
+      <p:bldP spid="51" grpId="0" animBg="1"/>
+    </p:bldLst>
+  </p:timing>
+</p:sld>
+</file>
+
+<file path=ppt/slides/slide2.xml><?xml version="1.0" encoding="utf-8"?>
+<p:sld xmlns:a="http://schemas.openxmlformats.org/drawingml/2006/main" xmlns:r="http://schemas.openxmlformats.org/officeDocument/2006/relationships" xmlns:p="http://schemas.openxmlformats.org/presentationml/2006/main">
+  <p:cSld>
+    <p:spTree>
+      <p:nvGrpSpPr>
+        <p:cNvPr id="1" name=""/>
+        <p:cNvGrpSpPr/>
+        <p:nvPr/>
+      </p:nvGrpSpPr>
+      <p:grpSpPr>
+        <a:xfrm>
+          <a:off x="0" y="0"/>
+          <a:ext cx="0" cy="0"/>
+          <a:chOff x="0" y="0"/>
+          <a:chExt cx="0" cy="0"/>
+        </a:xfrm>
+      </p:grpSpPr>
+      <p:sp>
+        <p:nvSpPr>
+          <p:cNvPr id="2" name="タイトル 1">
+            <a:extLst>
+              <a:ext uri="{FF2B5EF4-FFF2-40B4-BE49-F238E27FC236}">
+                <a16:creationId xmlns:a16="http://schemas.microsoft.com/office/drawing/2014/main" id="{CAEE8ACE-9429-4287-BD97-21D83511B467}"/>
+              </a:ext>
+            </a:extLst>
+          </p:cNvPr>
+          <p:cNvSpPr>
+            <a:spLocks noGrp="1"/>
+          </p:cNvSpPr>
+          <p:nvPr>
+            <p:ph type="ctrTitle"/>
+          </p:nvPr>
+        </p:nvSpPr>
+        <p:spPr>
+          <a:xfrm>
+            <a:off x="529701" y="360123"/>
+            <a:ext cx="1876147" cy="998161"/>
+          </a:xfrm>
+        </p:spPr>
+        <p:txBody>
+          <a:bodyPr/>
+          <a:lstStyle/>
+          <a:p>
+            <a:r>
+              <a:rPr kumimoji="1" lang="ja-JP" altLang="en-US" b="1" dirty="0"/>
+              <a:t>目次</a:t>
+            </a:r>
+          </a:p>
+        </p:txBody>
+      </p:sp>
+      <p:sp>
+        <p:nvSpPr>
+          <p:cNvPr id="3" name="タイトル 1">
+            <a:extLst>
+              <a:ext uri="{FF2B5EF4-FFF2-40B4-BE49-F238E27FC236}">
+                <a16:creationId xmlns:a16="http://schemas.microsoft.com/office/drawing/2014/main" id="{FF633CD8-3612-4D90-91A8-F87361D36C87}"/>
+              </a:ext>
+            </a:extLst>
+          </p:cNvPr>
+          <p:cNvSpPr txBox="1">
+            <a:spLocks/>
+          </p:cNvSpPr>
+          <p:nvPr/>
+        </p:nvSpPr>
+        <p:spPr>
+          <a:xfrm>
+            <a:off x="840419" y="1789428"/>
+            <a:ext cx="9687881" cy="1140203"/>
+          </a:xfrm>
+          <a:prstGeom prst="rect">
+            <a:avLst/>
+          </a:prstGeom>
+        </p:spPr>
+        <p:txBody>
+          <a:bodyPr vert="horz" lIns="91440" tIns="45720" rIns="91440" bIns="45720" rtlCol="0" anchor="b">
+            <a:normAutofit/>
+          </a:bodyPr>
+          <a:lstStyle>
+            <a:lvl1pPr algn="ctr" defTabSz="914400" rtl="0" eaLnBrk="1" latinLnBrk="0" hangingPunct="1">
+              <a:lnSpc>
+                <a:spcPct val="90000"/>
+              </a:lnSpc>
+              <a:spcBef>
+                <a:spcPct val="0"/>
+              </a:spcBef>
+              <a:buNone/>
+              <a:defRPr kumimoji="1" sz="6000" kern="1200">
+                <a:solidFill>
+                  <a:schemeClr val="tx1"/>
+                </a:solidFill>
+                <a:latin typeface="+mj-lt"/>
+                <a:ea typeface="+mj-ea"/>
+                <a:cs typeface="+mj-cs"/>
+              </a:defRPr>
+            </a:lvl1pPr>
+          </a:lstStyle>
+          <a:p>
+            <a:r>
+              <a:rPr lang="ja-JP" altLang="en-US" dirty="0"/>
+              <a:t>・</a:t>
+            </a:r>
+            <a:r>
+              <a:rPr lang="en-US" altLang="ja-JP" dirty="0"/>
+              <a:t>Git</a:t>
+            </a:r>
+            <a:r>
+              <a:rPr lang="ja-JP" altLang="en-US" dirty="0"/>
+              <a:t>の概要と基本操作</a:t>
+            </a:r>
+            <a:r>
+              <a:rPr lang="en-US" altLang="ja-JP" dirty="0"/>
+              <a:t>1,2,3</a:t>
+            </a:r>
+          </a:p>
+        </p:txBody>
+      </p:sp>
+      <p:sp>
+        <p:nvSpPr>
+          <p:cNvPr id="4" name="タイトル 1">
+            <a:extLst>
+              <a:ext uri="{FF2B5EF4-FFF2-40B4-BE49-F238E27FC236}">
+                <a16:creationId xmlns:a16="http://schemas.microsoft.com/office/drawing/2014/main" id="{597F529B-FA97-4ACA-83C5-0032B3175EAA}"/>
+              </a:ext>
+            </a:extLst>
+          </p:cNvPr>
+          <p:cNvSpPr txBox="1">
+            <a:spLocks/>
+          </p:cNvSpPr>
+          <p:nvPr/>
+        </p:nvSpPr>
+        <p:spPr>
+          <a:xfrm>
+            <a:off x="840419" y="3360775"/>
+            <a:ext cx="4077810" cy="1140203"/>
+          </a:xfrm>
+          <a:prstGeom prst="rect">
+            <a:avLst/>
+          </a:prstGeom>
+        </p:spPr>
+        <p:txBody>
+          <a:bodyPr vert="horz" lIns="91440" tIns="45720" rIns="91440" bIns="45720" rtlCol="0" anchor="b">
+            <a:normAutofit/>
+          </a:bodyPr>
+          <a:lstStyle>
+            <a:lvl1pPr algn="ctr" defTabSz="914400" rtl="0" eaLnBrk="1" latinLnBrk="0" hangingPunct="1">
+              <a:lnSpc>
+                <a:spcPct val="90000"/>
+              </a:lnSpc>
+              <a:spcBef>
+                <a:spcPct val="0"/>
+              </a:spcBef>
+              <a:buNone/>
+              <a:defRPr kumimoji="1" sz="6000" kern="1200">
+                <a:solidFill>
+                  <a:schemeClr val="tx1"/>
+                </a:solidFill>
+                <a:latin typeface="+mj-lt"/>
+                <a:ea typeface="+mj-ea"/>
+                <a:cs typeface="+mj-cs"/>
+              </a:defRPr>
+            </a:lvl1pPr>
+          </a:lstStyle>
+          <a:p>
+            <a:r>
+              <a:rPr lang="ja-JP" altLang="en-US" dirty="0"/>
+              <a:t>・ブランチ</a:t>
+            </a:r>
+          </a:p>
+        </p:txBody>
+      </p:sp>
+      <p:sp>
+        <p:nvSpPr>
+          <p:cNvPr id="5" name="タイトル 1">
+            <a:extLst>
+              <a:ext uri="{FF2B5EF4-FFF2-40B4-BE49-F238E27FC236}">
+                <a16:creationId xmlns:a16="http://schemas.microsoft.com/office/drawing/2014/main" id="{72E39F60-9970-460B-BA2C-E521F5D15069}"/>
+              </a:ext>
+            </a:extLst>
+          </p:cNvPr>
+          <p:cNvSpPr txBox="1">
+            <a:spLocks/>
+          </p:cNvSpPr>
+          <p:nvPr/>
+        </p:nvSpPr>
+        <p:spPr>
+          <a:xfrm>
+            <a:off x="281126" y="4932122"/>
+            <a:ext cx="4077810" cy="1140203"/>
+          </a:xfrm>
+          <a:prstGeom prst="rect">
+            <a:avLst/>
+          </a:prstGeom>
+        </p:spPr>
+        <p:txBody>
+          <a:bodyPr vert="horz" lIns="91440" tIns="45720" rIns="91440" bIns="45720" rtlCol="0" anchor="b">
+            <a:normAutofit/>
+          </a:bodyPr>
+          <a:lstStyle>
+            <a:lvl1pPr algn="ctr" defTabSz="914400" rtl="0" eaLnBrk="1" latinLnBrk="0" hangingPunct="1">
+              <a:lnSpc>
+                <a:spcPct val="90000"/>
+              </a:lnSpc>
+              <a:spcBef>
+                <a:spcPct val="0"/>
+              </a:spcBef>
+              <a:buNone/>
+              <a:defRPr kumimoji="1" sz="6000" kern="1200">
+                <a:solidFill>
+                  <a:schemeClr val="tx1"/>
+                </a:solidFill>
+                <a:latin typeface="+mj-lt"/>
+                <a:ea typeface="+mj-ea"/>
+                <a:cs typeface="+mj-cs"/>
+              </a:defRPr>
+            </a:lvl1pPr>
+          </a:lstStyle>
+          <a:p>
+            <a:r>
+              <a:rPr lang="ja-JP" altLang="en-US" dirty="0"/>
+              <a:t>・</a:t>
+            </a:r>
+            <a:r>
+              <a:rPr lang="en-US" altLang="ja-JP" dirty="0" err="1"/>
+              <a:t>github</a:t>
+            </a:r>
+            <a:endParaRPr lang="ja-JP" altLang="en-US" dirty="0"/>
+          </a:p>
+        </p:txBody>
+      </p:sp>
+    </p:spTree>
+    <p:extLst>
+      <p:ext uri="{BB962C8B-B14F-4D97-AF65-F5344CB8AC3E}">
+        <p14:creationId xmlns:p14="http://schemas.microsoft.com/office/powerpoint/2010/main" val="1466437024"/>
+      </p:ext>
+    </p:extLst>
+  </p:cSld>
+  <p:clrMapOvr>
+    <a:masterClrMapping/>
+  </p:clrMapOvr>
+</p:sld>
+</file>
+
+<file path=ppt/slides/slide20.xml><?xml version="1.0" encoding="utf-8"?>
+<p:sld xmlns:a="http://schemas.openxmlformats.org/drawingml/2006/main" xmlns:r="http://schemas.openxmlformats.org/officeDocument/2006/relationships" xmlns:p="http://schemas.openxmlformats.org/presentationml/2006/main">
+  <p:cSld>
+    <p:spTree>
+      <p:nvGrpSpPr>
+        <p:cNvPr id="1" name=""/>
+        <p:cNvGrpSpPr/>
+        <p:nvPr/>
+      </p:nvGrpSpPr>
+      <p:grpSpPr>
+        <a:xfrm>
+          <a:off x="0" y="0"/>
+          <a:ext cx="0" cy="0"/>
+          <a:chOff x="0" y="0"/>
+          <a:chExt cx="0" cy="0"/>
+        </a:xfrm>
+      </p:grpSpPr>
+      <p:sp>
+        <p:nvSpPr>
+          <p:cNvPr id="30" name="正方形/長方形 29">
+            <a:extLst>
+              <a:ext uri="{FF2B5EF4-FFF2-40B4-BE49-F238E27FC236}">
+                <a16:creationId xmlns:a16="http://schemas.microsoft.com/office/drawing/2014/main" id="{5C56FF78-F8EA-48CA-8DC5-2EE079F64A45}"/>
+              </a:ext>
+            </a:extLst>
+          </p:cNvPr>
+          <p:cNvSpPr/>
+          <p:nvPr/>
+        </p:nvSpPr>
+        <p:spPr>
+          <a:xfrm>
+            <a:off x="572586" y="452430"/>
+            <a:ext cx="9954969" cy="2000548"/>
+          </a:xfrm>
+          <a:prstGeom prst="rect">
+            <a:avLst/>
+          </a:prstGeom>
+          <a:noFill/>
+        </p:spPr>
+        <p:txBody>
+          <a:bodyPr wrap="none" lIns="91440" tIns="45720" rIns="91440" bIns="45720">
+            <a:spAutoFit/>
+          </a:bodyPr>
+          <a:lstStyle/>
+          <a:p>
+            <a:r>
+              <a:rPr lang="ja-JP" altLang="en-US" sz="4000" b="0" cap="none" spc="0" dirty="0">
+                <a:ln w="0"/>
+                <a:solidFill>
+                  <a:schemeClr val="tx1"/>
+                </a:solidFill>
+                <a:effectLst>
+                  <a:outerShdw blurRad="38100" dist="19050" dir="2700000" algn="tl" rotWithShape="0">
+                    <a:schemeClr val="dk1">
+                      <a:alpha val="40000"/>
+                    </a:schemeClr>
+                  </a:outerShdw>
+                </a:effectLst>
+              </a:rPr>
+              <a:t>ローカルリポジトリに</a:t>
+            </a:r>
+            <a:endParaRPr lang="en-US" altLang="ja-JP" sz="4000" b="0" cap="none" spc="0" dirty="0">
+              <a:ln w="0"/>
+              <a:solidFill>
+                <a:schemeClr val="tx1"/>
+              </a:solidFill>
+              <a:effectLst>
+                <a:outerShdw blurRad="38100" dist="19050" dir="2700000" algn="tl" rotWithShape="0">
+                  <a:schemeClr val="dk1">
+                    <a:alpha val="40000"/>
+                  </a:schemeClr>
+                </a:outerShdw>
+              </a:effectLst>
+            </a:endParaRPr>
+          </a:p>
+          <a:p>
+            <a:r>
+              <a:rPr lang="ja-JP" altLang="en-US" sz="4000" b="0" cap="none" spc="0" dirty="0">
+                <a:ln w="0"/>
+                <a:solidFill>
+                  <a:schemeClr val="tx1"/>
+                </a:solidFill>
+                <a:effectLst>
+                  <a:outerShdw blurRad="38100" dist="19050" dir="2700000" algn="tl" rotWithShape="0">
+                    <a:schemeClr val="dk1">
+                      <a:alpha val="40000"/>
+                    </a:schemeClr>
+                  </a:outerShdw>
+                </a:effectLst>
+              </a:rPr>
+              <a:t>リモートリポジトリの内容を</a:t>
+            </a:r>
+            <a:endParaRPr lang="en-US" altLang="ja-JP" sz="4000" b="0" cap="none" spc="0" dirty="0">
+              <a:ln w="0"/>
+              <a:solidFill>
+                <a:schemeClr val="tx1"/>
+              </a:solidFill>
+              <a:effectLst>
+                <a:outerShdw blurRad="38100" dist="19050" dir="2700000" algn="tl" rotWithShape="0">
+                  <a:schemeClr val="dk1">
+                    <a:alpha val="40000"/>
+                  </a:schemeClr>
+                </a:outerShdw>
+              </a:effectLst>
+            </a:endParaRPr>
+          </a:p>
+          <a:p>
+            <a:r>
+              <a:rPr lang="ja-JP" altLang="en-US" sz="4000" b="0" cap="none" spc="0" dirty="0">
+                <a:ln w="0"/>
+                <a:solidFill>
+                  <a:schemeClr val="tx1"/>
+                </a:solidFill>
+                <a:effectLst>
+                  <a:outerShdw blurRad="38100" dist="19050" dir="2700000" algn="tl" rotWithShape="0">
+                    <a:schemeClr val="dk1">
+                      <a:alpha val="40000"/>
+                    </a:schemeClr>
+                  </a:outerShdw>
+                </a:effectLst>
+              </a:rPr>
+              <a:t>反映させることを</a:t>
+            </a:r>
+            <a:r>
+              <a:rPr lang="ja-JP" altLang="en-US" sz="4400" b="1" cap="none" spc="0" dirty="0">
+                <a:ln w="0"/>
+                <a:solidFill>
+                  <a:srgbClr val="FF0000"/>
+                </a:solidFill>
+                <a:effectLst>
+                  <a:outerShdw blurRad="38100" dist="19050" dir="2700000" algn="tl" rotWithShape="0">
+                    <a:schemeClr val="dk1">
+                      <a:alpha val="40000"/>
+                    </a:schemeClr>
+                  </a:outerShdw>
+                </a:effectLst>
+              </a:rPr>
+              <a:t>フェッチ</a:t>
+            </a:r>
+            <a:r>
+              <a:rPr lang="en-US" altLang="ja-JP" sz="4400" b="1" cap="none" spc="0" dirty="0">
+                <a:ln w="0"/>
+                <a:solidFill>
+                  <a:srgbClr val="FF0000"/>
+                </a:solidFill>
+                <a:effectLst>
+                  <a:outerShdw blurRad="38100" dist="19050" dir="2700000" algn="tl" rotWithShape="0">
+                    <a:schemeClr val="dk1">
+                      <a:alpha val="40000"/>
+                    </a:schemeClr>
+                  </a:outerShdw>
+                </a:effectLst>
+              </a:rPr>
+              <a:t>(fetch)</a:t>
+            </a:r>
+            <a:r>
+              <a:rPr lang="ja-JP" altLang="en-US" sz="4000" b="0" cap="none" spc="0" dirty="0">
+                <a:ln w="0"/>
+                <a:solidFill>
+                  <a:schemeClr val="tx1"/>
+                </a:solidFill>
+                <a:effectLst>
+                  <a:outerShdw blurRad="38100" dist="19050" dir="2700000" algn="tl" rotWithShape="0">
+                    <a:schemeClr val="dk1">
+                      <a:alpha val="40000"/>
+                    </a:schemeClr>
+                  </a:outerShdw>
+                </a:effectLst>
+              </a:rPr>
+              <a:t>という</a:t>
+            </a:r>
+            <a:endParaRPr lang="en-US" altLang="ja-JP" sz="4000" b="0" cap="none" spc="0" dirty="0">
+              <a:ln w="0"/>
+              <a:solidFill>
+                <a:schemeClr val="tx1"/>
+              </a:solidFill>
+              <a:effectLst>
+                <a:outerShdw blurRad="38100" dist="19050" dir="2700000" algn="tl" rotWithShape="0">
+                  <a:schemeClr val="dk1">
+                    <a:alpha val="40000"/>
+                  </a:schemeClr>
+                </a:outerShdw>
+              </a:effectLst>
+            </a:endParaRPr>
+          </a:p>
+        </p:txBody>
+      </p:sp>
+      <p:grpSp>
+        <p:nvGrpSpPr>
+          <p:cNvPr id="3" name="グループ化 2">
+            <a:extLst>
+              <a:ext uri="{FF2B5EF4-FFF2-40B4-BE49-F238E27FC236}">
+                <a16:creationId xmlns:a16="http://schemas.microsoft.com/office/drawing/2014/main" id="{D364705F-44E7-429D-AF95-08B3A4666B15}"/>
+              </a:ext>
+            </a:extLst>
+          </p:cNvPr>
+          <p:cNvGrpSpPr/>
+          <p:nvPr/>
+        </p:nvGrpSpPr>
+        <p:grpSpPr>
+          <a:xfrm>
+            <a:off x="313679" y="2511098"/>
+            <a:ext cx="4010657" cy="4122657"/>
+            <a:chOff x="313679" y="2511098"/>
+            <a:chExt cx="4010657" cy="4122657"/>
+          </a:xfrm>
+        </p:grpSpPr>
+        <p:pic>
+          <p:nvPicPr>
+            <p:cNvPr id="2" name="グラフィックス 1">
+              <a:extLst>
+                <a:ext uri="{FF2B5EF4-FFF2-40B4-BE49-F238E27FC236}">
+                  <a16:creationId xmlns:a16="http://schemas.microsoft.com/office/drawing/2014/main" id="{28417F10-6623-4ED2-92DD-14B00FEA6168}"/>
+                </a:ext>
+              </a:extLst>
+            </p:cNvPr>
+            <p:cNvPicPr>
+              <a:picLocks noChangeAspect="1"/>
+            </p:cNvPicPr>
+            <p:nvPr/>
+          </p:nvPicPr>
+          <p:blipFill>
+            <a:blip r:embed="rId2">
+              <a:extLst>
+                <a:ext uri="{28A0092B-C50C-407E-A947-70E740481C1C}">
+                  <a14:useLocalDpi xmlns:a14="http://schemas.microsoft.com/office/drawing/2010/main" val="0"/>
+                </a:ext>
+                <a:ext uri="{96DAC541-7B7A-43D3-8B79-37D633B846F1}">
+                  <asvg:svgBlip xmlns:asvg="http://schemas.microsoft.com/office/drawing/2016/SVG/main" r:embed="rId3"/>
+                </a:ext>
+                <a:ext uri="{837473B0-CC2E-450A-ABE3-18F120FF3D39}">
+                  <a1611:picAttrSrcUrl xmlns:a1611="http://schemas.microsoft.com/office/drawing/2016/11/main" r:id="rId4"/>
+                </a:ext>
+              </a:extLst>
+            </a:blip>
+            <a:stretch>
+              <a:fillRect/>
+            </a:stretch>
+          </p:blipFill>
+          <p:spPr>
+            <a:xfrm>
+              <a:off x="313679" y="2511098"/>
+              <a:ext cx="4010657" cy="4122657"/>
+            </a:xfrm>
+            <a:prstGeom prst="rect">
+              <a:avLst/>
+            </a:prstGeom>
+          </p:spPr>
+        </p:pic>
+        <p:sp>
+          <p:nvSpPr>
+            <p:cNvPr id="9" name="テキスト ボックス 8">
+              <a:extLst>
+                <a:ext uri="{FF2B5EF4-FFF2-40B4-BE49-F238E27FC236}">
+                  <a16:creationId xmlns:a16="http://schemas.microsoft.com/office/drawing/2014/main" id="{1E282268-35BB-462D-8E43-AAD7BD6E33AB}"/>
+                </a:ext>
+              </a:extLst>
+            </p:cNvPr>
+            <p:cNvSpPr txBox="1"/>
+            <p:nvPr/>
+          </p:nvSpPr>
+          <p:spPr>
+            <a:xfrm>
+              <a:off x="853851" y="3422781"/>
+              <a:ext cx="1512892" cy="430887"/>
+            </a:xfrm>
+            <a:prstGeom prst="rect">
+              <a:avLst/>
+            </a:prstGeom>
+            <a:noFill/>
+          </p:spPr>
+          <p:txBody>
+            <a:bodyPr wrap="square" rtlCol="0">
+              <a:spAutoFit/>
+            </a:bodyPr>
+            <a:lstStyle/>
+            <a:p>
+              <a:r>
+                <a:rPr kumimoji="1" lang="ja-JP" altLang="en-US" sz="1100" b="1" dirty="0"/>
+                <a:t>ローカル</a:t>
+              </a:r>
+              <a:endParaRPr kumimoji="1" lang="en-US" altLang="ja-JP" sz="1100" b="1" dirty="0"/>
+            </a:p>
+            <a:p>
+              <a:r>
+                <a:rPr kumimoji="1" lang="ja-JP" altLang="en-US" sz="1100" b="1" dirty="0"/>
+                <a:t>リポジトリ</a:t>
+              </a:r>
+            </a:p>
+          </p:txBody>
+        </p:sp>
+        <p:sp>
+          <p:nvSpPr>
+            <p:cNvPr id="10" name="円柱 9">
+              <a:extLst>
+                <a:ext uri="{FF2B5EF4-FFF2-40B4-BE49-F238E27FC236}">
+                  <a16:creationId xmlns:a16="http://schemas.microsoft.com/office/drawing/2014/main" id="{430FD5DB-3CE9-49F5-883B-85232C26B5BE}"/>
+                </a:ext>
+              </a:extLst>
+            </p:cNvPr>
+            <p:cNvSpPr/>
+            <p:nvPr/>
+          </p:nvSpPr>
+          <p:spPr>
+            <a:xfrm>
+              <a:off x="1988532" y="4572428"/>
+              <a:ext cx="855766" cy="618916"/>
+            </a:xfrm>
+            <a:prstGeom prst="can">
+              <a:avLst>
+                <a:gd name="adj" fmla="val 22181"/>
+              </a:avLst>
+            </a:prstGeom>
+            <a:ln>
+              <a:solidFill>
+                <a:srgbClr val="5B9BD5"/>
+              </a:solidFill>
+            </a:ln>
+          </p:spPr>
+          <p:style>
+            <a:lnRef idx="2">
+              <a:schemeClr val="accent1"/>
+            </a:lnRef>
+            <a:fillRef idx="1">
+              <a:schemeClr val="lt1"/>
+            </a:fillRef>
+            <a:effectRef idx="0">
+              <a:schemeClr val="accent1"/>
+            </a:effectRef>
+            <a:fontRef idx="minor">
+              <a:schemeClr val="dk1"/>
+            </a:fontRef>
+          </p:style>
+          <p:txBody>
+            <a:bodyPr rtlCol="0" anchor="ctr"/>
+            <a:lstStyle/>
+            <a:p>
+              <a:pPr algn="ctr"/>
+              <a:r>
+                <a:rPr kumimoji="1" lang="en-US" altLang="ja-JP" sz="3200" dirty="0">
+                  <a:latin typeface="ＭＳ Ｐ明朝" panose="02020600040205080304" pitchFamily="18" charset="-128"/>
+                  <a:ea typeface="ＭＳ Ｐ明朝" panose="02020600040205080304" pitchFamily="18" charset="-128"/>
+                </a:rPr>
+                <a:t>.git</a:t>
+              </a:r>
+              <a:endParaRPr kumimoji="1" lang="ja-JP" altLang="en-US" sz="1200" dirty="0">
+                <a:latin typeface="ＭＳ Ｐ明朝" panose="02020600040205080304" pitchFamily="18" charset="-128"/>
+                <a:ea typeface="ＭＳ Ｐ明朝" panose="02020600040205080304" pitchFamily="18" charset="-128"/>
+              </a:endParaRPr>
+            </a:p>
+          </p:txBody>
+        </p:sp>
+      </p:grpSp>
+      <p:sp>
+        <p:nvSpPr>
+          <p:cNvPr id="11" name="円柱 10">
+            <a:extLst>
+              <a:ext uri="{FF2B5EF4-FFF2-40B4-BE49-F238E27FC236}">
+                <a16:creationId xmlns:a16="http://schemas.microsoft.com/office/drawing/2014/main" id="{4CA409A4-C08A-4133-A52E-DAA96DEDD7C8}"/>
+              </a:ext>
+            </a:extLst>
+          </p:cNvPr>
+          <p:cNvSpPr/>
+          <p:nvPr/>
+        </p:nvSpPr>
+        <p:spPr>
+          <a:xfrm>
+            <a:off x="1988532" y="4440843"/>
+            <a:ext cx="855766" cy="225480"/>
+          </a:xfrm>
+          <a:prstGeom prst="can">
+            <a:avLst>
+              <a:gd name="adj" fmla="val 50000"/>
+            </a:avLst>
+          </a:prstGeom>
+          <a:ln>
+            <a:solidFill>
+              <a:srgbClr val="5B9BD5"/>
+            </a:solidFill>
+          </a:ln>
+        </p:spPr>
+        <p:style>
+          <a:lnRef idx="1">
+            <a:schemeClr val="accent6"/>
+          </a:lnRef>
+          <a:fillRef idx="2">
+            <a:schemeClr val="accent6"/>
+          </a:fillRef>
+          <a:effectRef idx="1">
+            <a:schemeClr val="accent6"/>
+          </a:effectRef>
+          <a:fontRef idx="minor">
+            <a:schemeClr val="dk1"/>
+          </a:fontRef>
+        </p:style>
+        <p:txBody>
+          <a:bodyPr rtlCol="0" anchor="ctr"/>
+          <a:lstStyle/>
+          <a:p>
+            <a:pPr algn="ctr"/>
+            <a:endParaRPr kumimoji="1" lang="ja-JP" altLang="en-US"/>
+          </a:p>
+        </p:txBody>
+      </p:sp>
+      <p:sp>
+        <p:nvSpPr>
+          <p:cNvPr id="13" name="円柱 12">
+            <a:extLst>
+              <a:ext uri="{FF2B5EF4-FFF2-40B4-BE49-F238E27FC236}">
+                <a16:creationId xmlns:a16="http://schemas.microsoft.com/office/drawing/2014/main" id="{B090B72E-8869-419E-BFF8-E7FB0828A60B}"/>
+              </a:ext>
+            </a:extLst>
+          </p:cNvPr>
+          <p:cNvSpPr/>
+          <p:nvPr/>
+        </p:nvSpPr>
+        <p:spPr>
+          <a:xfrm>
+            <a:off x="1988532" y="4291843"/>
+            <a:ext cx="855766" cy="225480"/>
+          </a:xfrm>
+          <a:prstGeom prst="can">
+            <a:avLst>
+              <a:gd name="adj" fmla="val 50000"/>
+            </a:avLst>
+          </a:prstGeom>
+          <a:ln>
+            <a:solidFill>
+              <a:srgbClr val="5B9BD5"/>
+            </a:solidFill>
+          </a:ln>
+        </p:spPr>
+        <p:style>
+          <a:lnRef idx="2">
+            <a:schemeClr val="accent2">
+              <a:shade val="50000"/>
+            </a:schemeClr>
+          </a:lnRef>
+          <a:fillRef idx="1">
+            <a:schemeClr val="accent2"/>
+          </a:fillRef>
+          <a:effectRef idx="0">
+            <a:schemeClr val="accent2"/>
+          </a:effectRef>
+          <a:fontRef idx="minor">
+            <a:schemeClr val="lt1"/>
+          </a:fontRef>
+        </p:style>
+        <p:txBody>
+          <a:bodyPr rtlCol="0" anchor="ctr"/>
+          <a:lstStyle/>
+          <a:p>
+            <a:pPr algn="ctr"/>
+            <a:endParaRPr kumimoji="1" lang="ja-JP" altLang="en-US"/>
+          </a:p>
+        </p:txBody>
+      </p:sp>
+      <p:sp>
+        <p:nvSpPr>
+          <p:cNvPr id="14" name="円柱 13">
+            <a:extLst>
+              <a:ext uri="{FF2B5EF4-FFF2-40B4-BE49-F238E27FC236}">
+                <a16:creationId xmlns:a16="http://schemas.microsoft.com/office/drawing/2014/main" id="{B166ECE9-98BC-459F-A01E-0F5D38C1F997}"/>
+              </a:ext>
+            </a:extLst>
+          </p:cNvPr>
+          <p:cNvSpPr/>
+          <p:nvPr/>
+        </p:nvSpPr>
+        <p:spPr>
+          <a:xfrm>
+            <a:off x="1988532" y="4141754"/>
+            <a:ext cx="855766" cy="225480"/>
+          </a:xfrm>
+          <a:prstGeom prst="can">
+            <a:avLst>
+              <a:gd name="adj" fmla="val 50000"/>
+            </a:avLst>
+          </a:prstGeom>
+          <a:ln>
+            <a:solidFill>
+              <a:srgbClr val="5B9BD5"/>
+            </a:solidFill>
+          </a:ln>
+        </p:spPr>
+        <p:style>
+          <a:lnRef idx="2">
+            <a:schemeClr val="accent1">
+              <a:shade val="50000"/>
+            </a:schemeClr>
+          </a:lnRef>
+          <a:fillRef idx="1">
+            <a:schemeClr val="accent1"/>
+          </a:fillRef>
+          <a:effectRef idx="0">
+            <a:schemeClr val="accent1"/>
+          </a:effectRef>
+          <a:fontRef idx="minor">
+            <a:schemeClr val="lt1"/>
+          </a:fontRef>
+        </p:style>
+        <p:txBody>
+          <a:bodyPr rtlCol="0" anchor="ctr"/>
+          <a:lstStyle/>
+          <a:p>
+            <a:pPr algn="ctr"/>
+            <a:endParaRPr kumimoji="1" lang="ja-JP" altLang="en-US"/>
+          </a:p>
+        </p:txBody>
+      </p:sp>
+      <p:grpSp>
+        <p:nvGrpSpPr>
+          <p:cNvPr id="16" name="グループ化 15">
+            <a:extLst>
+              <a:ext uri="{FF2B5EF4-FFF2-40B4-BE49-F238E27FC236}">
+                <a16:creationId xmlns:a16="http://schemas.microsoft.com/office/drawing/2014/main" id="{3C4825E5-3504-4C2E-A5A6-6236B44CE591}"/>
+              </a:ext>
+            </a:extLst>
+          </p:cNvPr>
+          <p:cNvGrpSpPr/>
+          <p:nvPr/>
+        </p:nvGrpSpPr>
+        <p:grpSpPr>
+          <a:xfrm>
+            <a:off x="7144917" y="2452978"/>
+            <a:ext cx="4122657" cy="4122657"/>
+            <a:chOff x="894906" y="3240798"/>
+            <a:chExt cx="4122657" cy="4122657"/>
+          </a:xfrm>
+        </p:grpSpPr>
+        <p:pic>
+          <p:nvPicPr>
+            <p:cNvPr id="17" name="グラフィックス 16">
+              <a:extLst>
+                <a:ext uri="{FF2B5EF4-FFF2-40B4-BE49-F238E27FC236}">
+                  <a16:creationId xmlns:a16="http://schemas.microsoft.com/office/drawing/2014/main" id="{2D16CBA1-D973-4867-BA2A-E86DBEB428D5}"/>
+                </a:ext>
+              </a:extLst>
+            </p:cNvPr>
+            <p:cNvPicPr>
+              <a:picLocks noChangeAspect="1"/>
+            </p:cNvPicPr>
+            <p:nvPr/>
+          </p:nvPicPr>
+          <p:blipFill>
+            <a:blip r:embed="rId5">
+              <a:extLst>
+                <a:ext uri="{28A0092B-C50C-407E-A947-70E740481C1C}">
+                  <a14:useLocalDpi xmlns:a14="http://schemas.microsoft.com/office/drawing/2010/main" val="0"/>
+                </a:ext>
+                <a:ext uri="{96DAC541-7B7A-43D3-8B79-37D633B846F1}">
+                  <asvg:svgBlip xmlns:asvg="http://schemas.microsoft.com/office/drawing/2016/SVG/main" r:embed="rId6"/>
+                </a:ext>
+                <a:ext uri="{837473B0-CC2E-450A-ABE3-18F120FF3D39}">
+                  <a1611:picAttrSrcUrl xmlns:a1611="http://schemas.microsoft.com/office/drawing/2016/11/main" r:id="rId4"/>
+                </a:ext>
+              </a:extLst>
+            </a:blip>
+            <a:stretch>
+              <a:fillRect/>
+            </a:stretch>
+          </p:blipFill>
+          <p:spPr>
+            <a:xfrm>
+              <a:off x="894906" y="3240798"/>
+              <a:ext cx="4122657" cy="4122657"/>
+            </a:xfrm>
+            <a:prstGeom prst="rect">
+              <a:avLst/>
+            </a:prstGeom>
+          </p:spPr>
+        </p:pic>
+        <p:sp>
+          <p:nvSpPr>
+            <p:cNvPr id="19" name="テキスト ボックス 18">
+              <a:extLst>
+                <a:ext uri="{FF2B5EF4-FFF2-40B4-BE49-F238E27FC236}">
+                  <a16:creationId xmlns:a16="http://schemas.microsoft.com/office/drawing/2014/main" id="{6CAD6529-DD89-4481-A7B0-5807CE4B56C5}"/>
+                </a:ext>
+              </a:extLst>
+            </p:cNvPr>
+            <p:cNvSpPr txBox="1"/>
+            <p:nvPr/>
+          </p:nvSpPr>
+          <p:spPr>
+            <a:xfrm>
+              <a:off x="1438611" y="4119256"/>
+              <a:ext cx="1356711" cy="430887"/>
+            </a:xfrm>
+            <a:prstGeom prst="rect">
+              <a:avLst/>
+            </a:prstGeom>
+            <a:noFill/>
+          </p:spPr>
+          <p:txBody>
+            <a:bodyPr wrap="square" rtlCol="0">
+              <a:spAutoFit/>
+            </a:bodyPr>
+            <a:lstStyle/>
+            <a:p>
+              <a:r>
+                <a:rPr lang="ja-JP" altLang="en-US" sz="1100" b="1" dirty="0">
+                  <a:solidFill>
+                    <a:schemeClr val="bg1"/>
+                  </a:solidFill>
+                </a:rPr>
+                <a:t>リモート</a:t>
+              </a:r>
+              <a:endParaRPr kumimoji="1" lang="en-US" altLang="ja-JP" sz="1100" b="1" dirty="0">
+                <a:solidFill>
+                  <a:schemeClr val="bg1"/>
+                </a:solidFill>
+              </a:endParaRPr>
+            </a:p>
+            <a:p>
+              <a:r>
+                <a:rPr kumimoji="1" lang="ja-JP" altLang="en-US" sz="1100" b="1" dirty="0">
+                  <a:solidFill>
+                    <a:schemeClr val="bg1"/>
+                  </a:solidFill>
+                </a:rPr>
                 <a:t>リポジトリ</a:t>
               </a:r>
             </a:p>
@@ -14746,7 +15424,7 @@
         </p:nvSpPr>
         <p:spPr>
           <a:xfrm flipH="1">
-            <a:off x="4485020" y="4465499"/>
+            <a:off x="4875796" y="4440842"/>
             <a:ext cx="1470417" cy="480927"/>
           </a:xfrm>
           <a:prstGeom prst="rightArrow">
@@ -14792,7 +15470,7 @@
         </p:nvSpPr>
         <p:spPr>
           <a:xfrm>
-            <a:off x="4258576" y="3639131"/>
+            <a:off x="4719514" y="3657274"/>
             <a:ext cx="1923925" cy="923330"/>
           </a:xfrm>
           <a:prstGeom prst="rect">
@@ -14997,249 +15675,7 @@
 </p:sld>
 </file>
 
-<file path=ppt/slides/slide2.xml><?xml version="1.0" encoding="utf-8"?>
-<p:sld xmlns:a="http://schemas.openxmlformats.org/drawingml/2006/main" xmlns:r="http://schemas.openxmlformats.org/officeDocument/2006/relationships" xmlns:p="http://schemas.openxmlformats.org/presentationml/2006/main">
-  <p:cSld>
-    <p:spTree>
-      <p:nvGrpSpPr>
-        <p:cNvPr id="1" name=""/>
-        <p:cNvGrpSpPr/>
-        <p:nvPr/>
-      </p:nvGrpSpPr>
-      <p:grpSpPr>
-        <a:xfrm>
-          <a:off x="0" y="0"/>
-          <a:ext cx="0" cy="0"/>
-          <a:chOff x="0" y="0"/>
-          <a:chExt cx="0" cy="0"/>
-        </a:xfrm>
-      </p:grpSpPr>
-      <p:sp>
-        <p:nvSpPr>
-          <p:cNvPr id="2" name="タイトル 1">
-            <a:extLst>
-              <a:ext uri="{FF2B5EF4-FFF2-40B4-BE49-F238E27FC236}">
-                <a16:creationId xmlns:a16="http://schemas.microsoft.com/office/drawing/2014/main" id="{CAEE8ACE-9429-4287-BD97-21D83511B467}"/>
-              </a:ext>
-            </a:extLst>
-          </p:cNvPr>
-          <p:cNvSpPr>
-            <a:spLocks noGrp="1"/>
-          </p:cNvSpPr>
-          <p:nvPr>
-            <p:ph type="ctrTitle"/>
-          </p:nvPr>
-        </p:nvSpPr>
-        <p:spPr>
-          <a:xfrm>
-            <a:off x="529701" y="360123"/>
-            <a:ext cx="1876147" cy="998161"/>
-          </a:xfrm>
-        </p:spPr>
-        <p:txBody>
-          <a:bodyPr/>
-          <a:lstStyle/>
-          <a:p>
-            <a:r>
-              <a:rPr kumimoji="1" lang="ja-JP" altLang="en-US" b="1" dirty="0"/>
-              <a:t>目次</a:t>
-            </a:r>
-          </a:p>
-        </p:txBody>
-      </p:sp>
-      <p:sp>
-        <p:nvSpPr>
-          <p:cNvPr id="3" name="タイトル 1">
-            <a:extLst>
-              <a:ext uri="{FF2B5EF4-FFF2-40B4-BE49-F238E27FC236}">
-                <a16:creationId xmlns:a16="http://schemas.microsoft.com/office/drawing/2014/main" id="{FF633CD8-3612-4D90-91A8-F87361D36C87}"/>
-              </a:ext>
-            </a:extLst>
-          </p:cNvPr>
-          <p:cNvSpPr txBox="1">
-            <a:spLocks/>
-          </p:cNvSpPr>
-          <p:nvPr/>
-        </p:nvSpPr>
-        <p:spPr>
-          <a:xfrm>
-            <a:off x="840419" y="1789428"/>
-            <a:ext cx="9687881" cy="1140203"/>
-          </a:xfrm>
-          <a:prstGeom prst="rect">
-            <a:avLst/>
-          </a:prstGeom>
-        </p:spPr>
-        <p:txBody>
-          <a:bodyPr vert="horz" lIns="91440" tIns="45720" rIns="91440" bIns="45720" rtlCol="0" anchor="b">
-            <a:normAutofit/>
-          </a:bodyPr>
-          <a:lstStyle>
-            <a:lvl1pPr algn="ctr" defTabSz="914400" rtl="0" eaLnBrk="1" latinLnBrk="0" hangingPunct="1">
-              <a:lnSpc>
-                <a:spcPct val="90000"/>
-              </a:lnSpc>
-              <a:spcBef>
-                <a:spcPct val="0"/>
-              </a:spcBef>
-              <a:buNone/>
-              <a:defRPr kumimoji="1" sz="6000" kern="1200">
-                <a:solidFill>
-                  <a:schemeClr val="tx1"/>
-                </a:solidFill>
-                <a:latin typeface="+mj-lt"/>
-                <a:ea typeface="+mj-ea"/>
-                <a:cs typeface="+mj-cs"/>
-              </a:defRPr>
-            </a:lvl1pPr>
-          </a:lstStyle>
-          <a:p>
-            <a:r>
-              <a:rPr lang="ja-JP" altLang="en-US" dirty="0"/>
-              <a:t>・</a:t>
-            </a:r>
-            <a:r>
-              <a:rPr lang="en-US" altLang="ja-JP" dirty="0"/>
-              <a:t>Git</a:t>
-            </a:r>
-            <a:r>
-              <a:rPr lang="ja-JP" altLang="en-US" dirty="0"/>
-              <a:t>の概要と基本操作</a:t>
-            </a:r>
-            <a:r>
-              <a:rPr lang="en-US" altLang="ja-JP" dirty="0"/>
-              <a:t>1,2,3</a:t>
-            </a:r>
-          </a:p>
-        </p:txBody>
-      </p:sp>
-      <p:sp>
-        <p:nvSpPr>
-          <p:cNvPr id="4" name="タイトル 1">
-            <a:extLst>
-              <a:ext uri="{FF2B5EF4-FFF2-40B4-BE49-F238E27FC236}">
-                <a16:creationId xmlns:a16="http://schemas.microsoft.com/office/drawing/2014/main" id="{597F529B-FA97-4ACA-83C5-0032B3175EAA}"/>
-              </a:ext>
-            </a:extLst>
-          </p:cNvPr>
-          <p:cNvSpPr txBox="1">
-            <a:spLocks/>
-          </p:cNvSpPr>
-          <p:nvPr/>
-        </p:nvSpPr>
-        <p:spPr>
-          <a:xfrm>
-            <a:off x="840419" y="3360775"/>
-            <a:ext cx="4077810" cy="1140203"/>
-          </a:xfrm>
-          <a:prstGeom prst="rect">
-            <a:avLst/>
-          </a:prstGeom>
-        </p:spPr>
-        <p:txBody>
-          <a:bodyPr vert="horz" lIns="91440" tIns="45720" rIns="91440" bIns="45720" rtlCol="0" anchor="b">
-            <a:normAutofit/>
-          </a:bodyPr>
-          <a:lstStyle>
-            <a:lvl1pPr algn="ctr" defTabSz="914400" rtl="0" eaLnBrk="1" latinLnBrk="0" hangingPunct="1">
-              <a:lnSpc>
-                <a:spcPct val="90000"/>
-              </a:lnSpc>
-              <a:spcBef>
-                <a:spcPct val="0"/>
-              </a:spcBef>
-              <a:buNone/>
-              <a:defRPr kumimoji="1" sz="6000" kern="1200">
-                <a:solidFill>
-                  <a:schemeClr val="tx1"/>
-                </a:solidFill>
-                <a:latin typeface="+mj-lt"/>
-                <a:ea typeface="+mj-ea"/>
-                <a:cs typeface="+mj-cs"/>
-              </a:defRPr>
-            </a:lvl1pPr>
-          </a:lstStyle>
-          <a:p>
-            <a:r>
-              <a:rPr lang="ja-JP" altLang="en-US" dirty="0"/>
-              <a:t>・ブランチ</a:t>
-            </a:r>
-          </a:p>
-        </p:txBody>
-      </p:sp>
-      <p:sp>
-        <p:nvSpPr>
-          <p:cNvPr id="5" name="タイトル 1">
-            <a:extLst>
-              <a:ext uri="{FF2B5EF4-FFF2-40B4-BE49-F238E27FC236}">
-                <a16:creationId xmlns:a16="http://schemas.microsoft.com/office/drawing/2014/main" id="{72E39F60-9970-460B-BA2C-E521F5D15069}"/>
-              </a:ext>
-            </a:extLst>
-          </p:cNvPr>
-          <p:cNvSpPr txBox="1">
-            <a:spLocks/>
-          </p:cNvSpPr>
-          <p:nvPr/>
-        </p:nvSpPr>
-        <p:spPr>
-          <a:xfrm>
-            <a:off x="281126" y="4932122"/>
-            <a:ext cx="4077810" cy="1140203"/>
-          </a:xfrm>
-          <a:prstGeom prst="rect">
-            <a:avLst/>
-          </a:prstGeom>
-        </p:spPr>
-        <p:txBody>
-          <a:bodyPr vert="horz" lIns="91440" tIns="45720" rIns="91440" bIns="45720" rtlCol="0" anchor="b">
-            <a:normAutofit/>
-          </a:bodyPr>
-          <a:lstStyle>
-            <a:lvl1pPr algn="ctr" defTabSz="914400" rtl="0" eaLnBrk="1" latinLnBrk="0" hangingPunct="1">
-              <a:lnSpc>
-                <a:spcPct val="90000"/>
-              </a:lnSpc>
-              <a:spcBef>
-                <a:spcPct val="0"/>
-              </a:spcBef>
-              <a:buNone/>
-              <a:defRPr kumimoji="1" sz="6000" kern="1200">
-                <a:solidFill>
-                  <a:schemeClr val="tx1"/>
-                </a:solidFill>
-                <a:latin typeface="+mj-lt"/>
-                <a:ea typeface="+mj-ea"/>
-                <a:cs typeface="+mj-cs"/>
-              </a:defRPr>
-            </a:lvl1pPr>
-          </a:lstStyle>
-          <a:p>
-            <a:r>
-              <a:rPr lang="ja-JP" altLang="en-US" dirty="0"/>
-              <a:t>・</a:t>
-            </a:r>
-            <a:r>
-              <a:rPr lang="en-US" altLang="ja-JP" dirty="0" err="1"/>
-              <a:t>github</a:t>
-            </a:r>
-            <a:endParaRPr lang="ja-JP" altLang="en-US" dirty="0"/>
-          </a:p>
-        </p:txBody>
-      </p:sp>
-    </p:spTree>
-    <p:extLst>
-      <p:ext uri="{BB962C8B-B14F-4D97-AF65-F5344CB8AC3E}">
-        <p14:creationId xmlns:p14="http://schemas.microsoft.com/office/powerpoint/2010/main" val="1466437024"/>
-      </p:ext>
-    </p:extLst>
-  </p:cSld>
-  <p:clrMapOvr>
-    <a:masterClrMapping/>
-  </p:clrMapOvr>
-</p:sld>
-</file>
-
-<file path=ppt/slides/slide20.xml><?xml version="1.0" encoding="utf-8"?>
+<file path=ppt/slides/slide21.xml><?xml version="1.0" encoding="utf-8"?>
 <p:sld xmlns:a="http://schemas.openxmlformats.org/drawingml/2006/main" xmlns:r="http://schemas.openxmlformats.org/officeDocument/2006/relationships" xmlns:p="http://schemas.openxmlformats.org/presentationml/2006/main">
   <p:cSld>
     <p:spTree>
@@ -15285,6 +15721,22 @@
           <a:lstStyle/>
           <a:p>
             <a:r>
+              <a:rPr lang="en-US" altLang="ja-JP" sz="4000" b="0" cap="none" spc="0" dirty="0">
+                <a:ln w="0"/>
+                <a:solidFill>
+                  <a:schemeClr val="tx1"/>
+                </a:solidFill>
+                <a:effectLst>
+                  <a:outerShdw blurRad="38100" dist="19050" dir="2700000" algn="tl" rotWithShape="0">
+                    <a:schemeClr val="dk1">
+                      <a:alpha val="40000"/>
+                    </a:schemeClr>
+                  </a:outerShdw>
+                </a:effectLst>
+              </a:rPr>
+              <a:t>git</a:t>
+            </a:r>
+            <a:r>
               <a:rPr lang="ja-JP" altLang="en-US" sz="4000" b="0" cap="none" spc="0" dirty="0">
                 <a:ln w="0"/>
                 <a:solidFill>
@@ -15298,71 +15750,7 @@
                   </a:outerShdw>
                 </a:effectLst>
               </a:rPr>
-              <a:t>ワーキングスペース</a:t>
-            </a:r>
-            <a:r>
-              <a:rPr lang="en-US" altLang="ja-JP" sz="4000" b="0" cap="none" spc="0" dirty="0">
-                <a:ln w="0"/>
-                <a:solidFill>
-                  <a:schemeClr val="tx1"/>
-                </a:solidFill>
-                <a:effectLst>
-                  <a:outerShdw blurRad="38100" dist="19050" dir="2700000" algn="tl" rotWithShape="0">
-                    <a:schemeClr val="dk1">
-                      <a:alpha val="40000"/>
-                    </a:schemeClr>
-                  </a:outerShdw>
-                </a:effectLst>
-              </a:rPr>
-              <a:t>(</a:t>
-            </a:r>
-            <a:r>
-              <a:rPr lang="ja-JP" altLang="en-US" sz="4000" b="0" cap="none" spc="0" dirty="0">
-                <a:ln w="0"/>
-                <a:solidFill>
-                  <a:schemeClr val="tx1"/>
-                </a:solidFill>
-                <a:effectLst>
-                  <a:outerShdw blurRad="38100" dist="19050" dir="2700000" algn="tl" rotWithShape="0">
-                    <a:schemeClr val="dk1">
-                      <a:alpha val="40000"/>
-                    </a:schemeClr>
-                  </a:outerShdw>
-                </a:effectLst>
-              </a:rPr>
-              <a:t>のデータ</a:t>
-            </a:r>
-            <a:r>
-              <a:rPr lang="en-US" altLang="ja-JP" sz="4000" b="0" cap="none" spc="0" dirty="0">
-                <a:ln w="0"/>
-                <a:solidFill>
-                  <a:schemeClr val="tx1"/>
-                </a:solidFill>
-                <a:effectLst>
-                  <a:outerShdw blurRad="38100" dist="19050" dir="2700000" algn="tl" rotWithShape="0">
-                    <a:schemeClr val="dk1">
-                      <a:alpha val="40000"/>
-                    </a:schemeClr>
-                  </a:outerShdw>
-                </a:effectLst>
-              </a:rPr>
-              <a:t>)</a:t>
-            </a:r>
-            <a:r>
-              <a:rPr lang="ja-JP" altLang="en-US" sz="4000" b="0" cap="none" spc="0" dirty="0">
-                <a:ln w="0"/>
-                <a:solidFill>
-                  <a:schemeClr val="tx1"/>
-                </a:solidFill>
-                <a:effectLst>
-                  <a:outerShdw blurRad="38100" dist="19050" dir="2700000" algn="tl" rotWithShape="0">
-                    <a:schemeClr val="dk1">
-                      <a:alpha val="40000"/>
-                    </a:schemeClr>
-                  </a:outerShdw>
-                </a:effectLst>
-              </a:rPr>
-              <a:t>に</a:t>
+              <a:t>管理内のデータに</a:t>
             </a:r>
             <a:endParaRPr lang="en-US" altLang="ja-JP" sz="4000" b="0" cap="none" spc="0" dirty="0">
               <a:ln w="0"/>
@@ -16296,99 +16684,6 @@
           <a:p>
             <a:pPr algn="ctr"/>
             <a:endParaRPr kumimoji="1" lang="ja-JP" altLang="en-US"/>
-          </a:p>
-        </p:txBody>
-      </p:sp>
-      <p:sp>
-        <p:nvSpPr>
-          <p:cNvPr id="6" name="正方形/長方形 5">
-            <a:extLst>
-              <a:ext uri="{FF2B5EF4-FFF2-40B4-BE49-F238E27FC236}">
-                <a16:creationId xmlns:a16="http://schemas.microsoft.com/office/drawing/2014/main" id="{83E2B6DC-B9B4-4A4B-B72A-C1BCA22EDEAE}"/>
-              </a:ext>
-            </a:extLst>
-          </p:cNvPr>
-          <p:cNvSpPr/>
-          <p:nvPr/>
-        </p:nvSpPr>
-        <p:spPr>
-          <a:xfrm>
-            <a:off x="2543577" y="5532918"/>
-            <a:ext cx="2492990" cy="1200329"/>
-          </a:xfrm>
-          <a:prstGeom prst="rect">
-            <a:avLst/>
-          </a:prstGeom>
-          <a:noFill/>
-        </p:spPr>
-        <p:txBody>
-          <a:bodyPr wrap="none" lIns="91440" tIns="45720" rIns="91440" bIns="45720">
-            <a:spAutoFit/>
-          </a:bodyPr>
-          <a:lstStyle/>
-          <a:p>
-            <a:pPr algn="ctr"/>
-            <a:r>
-              <a:rPr lang="ja-JP" altLang="en-US" sz="3600" dirty="0">
-                <a:ln w="0"/>
-                <a:solidFill>
-                  <a:srgbClr val="7030A0"/>
-                </a:solidFill>
-                <a:effectLst>
-                  <a:outerShdw blurRad="38100" dist="25400" dir="5400000" algn="ctr" rotWithShape="0">
-                    <a:srgbClr val="6E747A">
-                      <a:alpha val="43000"/>
-                    </a:srgbClr>
-                  </a:outerShdw>
-                </a:effectLst>
-              </a:rPr>
-              <a:t>ワーキング</a:t>
-            </a:r>
-            <a:endParaRPr lang="en-US" altLang="ja-JP" sz="3600" dirty="0">
-              <a:ln w="0"/>
-              <a:solidFill>
-                <a:srgbClr val="7030A0"/>
-              </a:solidFill>
-              <a:effectLst>
-                <a:outerShdw blurRad="38100" dist="25400" dir="5400000" algn="ctr" rotWithShape="0">
-                  <a:srgbClr val="6E747A">
-                    <a:alpha val="43000"/>
-                  </a:srgbClr>
-                </a:outerShdw>
-              </a:effectLst>
-            </a:endParaRPr>
-          </a:p>
-          <a:p>
-            <a:pPr algn="ctr"/>
-            <a:r>
-              <a:rPr lang="ja-JP" altLang="en-US" sz="3600" dirty="0">
-                <a:ln w="0"/>
-                <a:solidFill>
-                  <a:srgbClr val="7030A0"/>
-                </a:solidFill>
-                <a:effectLst>
-                  <a:outerShdw blurRad="38100" dist="25400" dir="5400000" algn="ctr" rotWithShape="0">
-                    <a:srgbClr val="6E747A">
-                      <a:alpha val="43000"/>
-                    </a:srgbClr>
-                  </a:outerShdw>
-                </a:effectLst>
-              </a:rPr>
-              <a:t>スペース</a:t>
-            </a:r>
-            <a:endParaRPr lang="ja-JP" altLang="en-US" sz="3600" b="0" cap="none" spc="0" dirty="0">
-              <a:ln w="0"/>
-              <a:solidFill>
-                <a:srgbClr val="7030A0"/>
-              </a:solidFill>
-              <a:effectLst>
-                <a:outerShdw blurRad="38100" dist="25400" dir="5400000" algn="ctr" rotWithShape="0">
-                  <a:srgbClr val="6E747A">
-                    <a:alpha val="43000"/>
-                  </a:srgbClr>
-                </a:outerShdw>
-              </a:effectLst>
-            </a:endParaRPr>
           </a:p>
         </p:txBody>
       </p:sp>
@@ -16563,7 +16858,7 @@
 </p:sld>
 </file>
 
-<file path=ppt/slides/slide21.xml><?xml version="1.0" encoding="utf-8"?>
+<file path=ppt/slides/slide22.xml><?xml version="1.0" encoding="utf-8"?>
 <p:sld xmlns:a="http://schemas.openxmlformats.org/drawingml/2006/main" xmlns:r="http://schemas.openxmlformats.org/officeDocument/2006/relationships" xmlns:p="http://schemas.openxmlformats.org/presentationml/2006/main">
   <p:cSld>
     <p:spTree>
@@ -17813,7 +18108,7 @@
           </p:nvSpPr>
           <p:spPr>
             <a:xfrm>
-              <a:off x="733761" y="4109290"/>
+              <a:off x="732467" y="4139904"/>
               <a:ext cx="1356711" cy="430887"/>
             </a:xfrm>
             <a:prstGeom prst="rect">
@@ -17828,14 +18123,26 @@
             <a:lstStyle/>
             <a:p>
               <a:r>
-                <a:rPr lang="ja-JP" altLang="en-US" sz="1100" b="1" dirty="0"/>
+                <a:rPr lang="ja-JP" altLang="en-US" sz="1100" b="1" dirty="0">
+                  <a:solidFill>
+                    <a:schemeClr val="bg1"/>
+                  </a:solidFill>
+                </a:rPr>
                 <a:t>リモート</a:t>
               </a:r>
-              <a:endParaRPr kumimoji="1" lang="en-US" altLang="ja-JP" sz="1100" b="1" dirty="0"/>
+              <a:endParaRPr kumimoji="1" lang="en-US" altLang="ja-JP" sz="1100" b="1" dirty="0">
+                <a:solidFill>
+                  <a:schemeClr val="bg1"/>
+                </a:solidFill>
+              </a:endParaRPr>
             </a:p>
             <a:p>
               <a:r>
-                <a:rPr kumimoji="1" lang="ja-JP" altLang="en-US" sz="1100" b="1" dirty="0"/>
+                <a:rPr kumimoji="1" lang="ja-JP" altLang="en-US" sz="1100" b="1" dirty="0">
+                  <a:solidFill>
+                    <a:schemeClr val="bg1"/>
+                  </a:solidFill>
+                </a:rPr>
                 <a:t>リポジトリ</a:t>
               </a:r>
             </a:p>
@@ -18202,99 +18509,6 @@
           <a:p>
             <a:pPr algn="ctr"/>
             <a:endParaRPr kumimoji="1" lang="ja-JP" altLang="en-US"/>
-          </a:p>
-        </p:txBody>
-      </p:sp>
-      <p:sp>
-        <p:nvSpPr>
-          <p:cNvPr id="82" name="正方形/長方形 81">
-            <a:extLst>
-              <a:ext uri="{FF2B5EF4-FFF2-40B4-BE49-F238E27FC236}">
-                <a16:creationId xmlns:a16="http://schemas.microsoft.com/office/drawing/2014/main" id="{CBAA69DC-96D0-410A-8949-97CB535A37FE}"/>
-              </a:ext>
-            </a:extLst>
-          </p:cNvPr>
-          <p:cNvSpPr/>
-          <p:nvPr/>
-        </p:nvSpPr>
-        <p:spPr>
-          <a:xfrm>
-            <a:off x="1019191" y="5774301"/>
-            <a:ext cx="1723549" cy="830997"/>
-          </a:xfrm>
-          <a:prstGeom prst="rect">
-            <a:avLst/>
-          </a:prstGeom>
-          <a:noFill/>
-        </p:spPr>
-        <p:txBody>
-          <a:bodyPr wrap="none" lIns="91440" tIns="45720" rIns="91440" bIns="45720">
-            <a:spAutoFit/>
-          </a:bodyPr>
-          <a:lstStyle/>
-          <a:p>
-            <a:pPr algn="ctr"/>
-            <a:r>
-              <a:rPr lang="ja-JP" altLang="en-US" sz="2400" dirty="0">
-                <a:ln w="0"/>
-                <a:solidFill>
-                  <a:srgbClr val="7030A0"/>
-                </a:solidFill>
-                <a:effectLst>
-                  <a:outerShdw blurRad="38100" dist="25400" dir="5400000" algn="ctr" rotWithShape="0">
-                    <a:srgbClr val="6E747A">
-                      <a:alpha val="43000"/>
-                    </a:srgbClr>
-                  </a:outerShdw>
-                </a:effectLst>
-              </a:rPr>
-              <a:t>ワーキング</a:t>
-            </a:r>
-            <a:endParaRPr lang="en-US" altLang="ja-JP" sz="2400" dirty="0">
-              <a:ln w="0"/>
-              <a:solidFill>
-                <a:srgbClr val="7030A0"/>
-              </a:solidFill>
-              <a:effectLst>
-                <a:outerShdw blurRad="38100" dist="25400" dir="5400000" algn="ctr" rotWithShape="0">
-                  <a:srgbClr val="6E747A">
-                    <a:alpha val="43000"/>
-                  </a:srgbClr>
-                </a:outerShdw>
-              </a:effectLst>
-            </a:endParaRPr>
-          </a:p>
-          <a:p>
-            <a:pPr algn="ctr"/>
-            <a:r>
-              <a:rPr lang="ja-JP" altLang="en-US" sz="2400" dirty="0">
-                <a:ln w="0"/>
-                <a:solidFill>
-                  <a:srgbClr val="7030A0"/>
-                </a:solidFill>
-                <a:effectLst>
-                  <a:outerShdw blurRad="38100" dist="25400" dir="5400000" algn="ctr" rotWithShape="0">
-                    <a:srgbClr val="6E747A">
-                      <a:alpha val="43000"/>
-                    </a:srgbClr>
-                  </a:outerShdw>
-                </a:effectLst>
-              </a:rPr>
-              <a:t>スペース</a:t>
-            </a:r>
-            <a:endParaRPr lang="ja-JP" altLang="en-US" sz="2400" b="0" cap="none" spc="0" dirty="0">
-              <a:ln w="0"/>
-              <a:solidFill>
-                <a:srgbClr val="7030A0"/>
-              </a:solidFill>
-              <a:effectLst>
-                <a:outerShdw blurRad="38100" dist="25400" dir="5400000" algn="ctr" rotWithShape="0">
-                  <a:srgbClr val="6E747A">
-                    <a:alpha val="43000"/>
-                  </a:srgbClr>
-                </a:outerShdw>
-              </a:effectLst>
-            </a:endParaRPr>
           </a:p>
         </p:txBody>
       </p:sp>
@@ -18675,7 +18889,7 @@
 </p:sld>
 </file>
 
-<file path=ppt/slides/slide22.xml><?xml version="1.0" encoding="utf-8"?>
+<file path=ppt/slides/slide23.xml><?xml version="1.0" encoding="utf-8"?>
 <p:sld xmlns:a="http://schemas.openxmlformats.org/drawingml/2006/main" xmlns:r="http://schemas.openxmlformats.org/officeDocument/2006/relationships" xmlns:p="http://schemas.openxmlformats.org/presentationml/2006/main">
   <p:cSld>
     <p:spTree>
@@ -19064,7 +19278,7 @@
 </p:sld>
 </file>
 
-<file path=ppt/slides/slide23.xml><?xml version="1.0" encoding="utf-8"?>
+<file path=ppt/slides/slide24.xml><?xml version="1.0" encoding="utf-8"?>
 <p:sld xmlns:a="http://schemas.openxmlformats.org/drawingml/2006/main" xmlns:r="http://schemas.openxmlformats.org/officeDocument/2006/relationships" xmlns:p="http://schemas.openxmlformats.org/presentationml/2006/main">
   <p:cSld>
     <p:spTree>
@@ -19481,7 +19695,7 @@
 </p:sld>
 </file>
 
-<file path=ppt/slides/slide24.xml><?xml version="1.0" encoding="utf-8"?>
+<file path=ppt/slides/slide25.xml><?xml version="1.0" encoding="utf-8"?>
 <p:sld xmlns:a="http://schemas.openxmlformats.org/drawingml/2006/main" xmlns:r="http://schemas.openxmlformats.org/officeDocument/2006/relationships" xmlns:p="http://schemas.openxmlformats.org/presentationml/2006/main">
   <p:cSld>
     <p:spTree>
@@ -19572,8 +19786,1337 @@
 </p:sld>
 </file>
 
-<file path=ppt/slides/slide25.xml><?xml version="1.0" encoding="utf-8"?>
+<file path=ppt/slides/slide26.xml><?xml version="1.0" encoding="utf-8"?>
 <p:sld xmlns:a="http://schemas.openxmlformats.org/drawingml/2006/main" xmlns:r="http://schemas.openxmlformats.org/officeDocument/2006/relationships" xmlns:p="http://schemas.openxmlformats.org/presentationml/2006/main">
+  <p:cSld>
+    <p:spTree>
+      <p:nvGrpSpPr>
+        <p:cNvPr id="1" name=""/>
+        <p:cNvGrpSpPr/>
+        <p:nvPr/>
+      </p:nvGrpSpPr>
+      <p:grpSpPr>
+        <a:xfrm>
+          <a:off x="0" y="0"/>
+          <a:ext cx="0" cy="0"/>
+          <a:chOff x="0" y="0"/>
+          <a:chExt cx="0" cy="0"/>
+        </a:xfrm>
+      </p:grpSpPr>
+      <p:sp>
+        <p:nvSpPr>
+          <p:cNvPr id="3" name="正方形/長方形 2">
+            <a:extLst>
+              <a:ext uri="{FF2B5EF4-FFF2-40B4-BE49-F238E27FC236}">
+                <a16:creationId xmlns:a16="http://schemas.microsoft.com/office/drawing/2014/main" id="{2D570D14-F704-793B-B035-C1346C555F48}"/>
+              </a:ext>
+            </a:extLst>
+          </p:cNvPr>
+          <p:cNvSpPr/>
+          <p:nvPr/>
+        </p:nvSpPr>
+        <p:spPr>
+          <a:xfrm>
+            <a:off x="480094" y="501541"/>
+            <a:ext cx="9829935" cy="769441"/>
+          </a:xfrm>
+          <a:prstGeom prst="rect">
+            <a:avLst/>
+          </a:prstGeom>
+          <a:noFill/>
+        </p:spPr>
+        <p:txBody>
+          <a:bodyPr wrap="none" lIns="91440" tIns="45720" rIns="91440" bIns="45720">
+            <a:spAutoFit/>
+          </a:bodyPr>
+          <a:lstStyle/>
+          <a:p>
+            <a:r>
+              <a:rPr lang="ja-JP" altLang="en-US" sz="4400" cap="none" spc="0" dirty="0">
+                <a:ln w="0"/>
+                <a:solidFill>
+                  <a:schemeClr val="tx1"/>
+                </a:solidFill>
+                <a:effectLst>
+                  <a:outerShdw blurRad="38100" dist="19050" dir="2700000" algn="tl" rotWithShape="0">
+                    <a:schemeClr val="dk1">
+                      <a:alpha val="40000"/>
+                    </a:schemeClr>
+                  </a:outerShdw>
+                </a:effectLst>
+              </a:rPr>
+              <a:t>リモートリポジトリの</a:t>
+            </a:r>
+            <a:r>
+              <a:rPr lang="en-US" altLang="ja-JP" sz="4400" cap="none" spc="0" dirty="0">
+                <a:ln w="0"/>
+                <a:solidFill>
+                  <a:schemeClr val="tx1"/>
+                </a:solidFill>
+                <a:effectLst>
+                  <a:outerShdw blurRad="38100" dist="19050" dir="2700000" algn="tl" rotWithShape="0">
+                    <a:schemeClr val="dk1">
+                      <a:alpha val="40000"/>
+                    </a:schemeClr>
+                  </a:outerShdw>
+                </a:effectLst>
+              </a:rPr>
+              <a:t>URL</a:t>
+            </a:r>
+            <a:r>
+              <a:rPr lang="ja-JP" altLang="en-US" sz="4400" cap="none" spc="0" dirty="0">
+                <a:ln w="0"/>
+                <a:solidFill>
+                  <a:schemeClr val="tx1"/>
+                </a:solidFill>
+                <a:effectLst>
+                  <a:outerShdw blurRad="38100" dist="19050" dir="2700000" algn="tl" rotWithShape="0">
+                    <a:schemeClr val="dk1">
+                      <a:alpha val="40000"/>
+                    </a:schemeClr>
+                  </a:outerShdw>
+                </a:effectLst>
+              </a:rPr>
+              <a:t>を確認</a:t>
+            </a:r>
+            <a:r>
+              <a:rPr lang="ja-JP" altLang="en-US" sz="4400" dirty="0">
+                <a:ln w="0"/>
+                <a:effectLst>
+                  <a:outerShdw blurRad="38100" dist="19050" dir="2700000" algn="tl" rotWithShape="0">
+                    <a:schemeClr val="dk1">
+                      <a:alpha val="40000"/>
+                    </a:schemeClr>
+                  </a:outerShdw>
+                </a:effectLst>
+              </a:rPr>
+              <a:t>する</a:t>
+            </a:r>
+            <a:endParaRPr lang="ja-JP" altLang="en-US" sz="4400" cap="none" spc="0" dirty="0">
+              <a:ln w="0"/>
+              <a:solidFill>
+                <a:schemeClr val="tx1"/>
+              </a:solidFill>
+              <a:effectLst>
+                <a:outerShdw blurRad="38100" dist="19050" dir="2700000" algn="tl" rotWithShape="0">
+                  <a:schemeClr val="dk1">
+                    <a:alpha val="40000"/>
+                  </a:schemeClr>
+                </a:outerShdw>
+              </a:effectLst>
+            </a:endParaRPr>
+          </a:p>
+        </p:txBody>
+      </p:sp>
+      <p:sp>
+        <p:nvSpPr>
+          <p:cNvPr id="5" name="正方形/長方形 4">
+            <a:extLst>
+              <a:ext uri="{FF2B5EF4-FFF2-40B4-BE49-F238E27FC236}">
+                <a16:creationId xmlns:a16="http://schemas.microsoft.com/office/drawing/2014/main" id="{256877E6-07BC-1B8E-6371-2DCF709C3C96}"/>
+              </a:ext>
+            </a:extLst>
+          </p:cNvPr>
+          <p:cNvSpPr/>
+          <p:nvPr/>
+        </p:nvSpPr>
+        <p:spPr>
+          <a:xfrm>
+            <a:off x="480094" y="2411303"/>
+            <a:ext cx="9829935" cy="769441"/>
+          </a:xfrm>
+          <a:prstGeom prst="rect">
+            <a:avLst/>
+          </a:prstGeom>
+          <a:noFill/>
+        </p:spPr>
+        <p:txBody>
+          <a:bodyPr wrap="none" lIns="91440" tIns="45720" rIns="91440" bIns="45720">
+            <a:spAutoFit/>
+          </a:bodyPr>
+          <a:lstStyle/>
+          <a:p>
+            <a:r>
+              <a:rPr lang="ja-JP" altLang="en-US" sz="4400" cap="none" spc="0" dirty="0">
+                <a:ln w="0"/>
+                <a:solidFill>
+                  <a:schemeClr val="tx1"/>
+                </a:solidFill>
+                <a:effectLst>
+                  <a:outerShdw blurRad="38100" dist="19050" dir="2700000" algn="tl" rotWithShape="0">
+                    <a:schemeClr val="dk1">
+                      <a:alpha val="40000"/>
+                    </a:schemeClr>
+                  </a:outerShdw>
+                </a:effectLst>
+              </a:rPr>
+              <a:t>リモートリポジトリの</a:t>
+            </a:r>
+            <a:r>
+              <a:rPr lang="en-US" altLang="ja-JP" sz="4400" cap="none" spc="0" dirty="0">
+                <a:ln w="0"/>
+                <a:solidFill>
+                  <a:schemeClr val="tx1"/>
+                </a:solidFill>
+                <a:effectLst>
+                  <a:outerShdw blurRad="38100" dist="19050" dir="2700000" algn="tl" rotWithShape="0">
+                    <a:schemeClr val="dk1">
+                      <a:alpha val="40000"/>
+                    </a:schemeClr>
+                  </a:outerShdw>
+                </a:effectLst>
+              </a:rPr>
+              <a:t>URL</a:t>
+            </a:r>
+            <a:r>
+              <a:rPr lang="ja-JP" altLang="en-US" sz="4400" cap="none" spc="0" dirty="0">
+                <a:ln w="0"/>
+                <a:solidFill>
+                  <a:schemeClr val="tx1"/>
+                </a:solidFill>
+                <a:effectLst>
+                  <a:outerShdw blurRad="38100" dist="19050" dir="2700000" algn="tl" rotWithShape="0">
+                    <a:schemeClr val="dk1">
+                      <a:alpha val="40000"/>
+                    </a:schemeClr>
+                  </a:outerShdw>
+                </a:effectLst>
+              </a:rPr>
+              <a:t>を登録する</a:t>
+            </a:r>
+          </a:p>
+        </p:txBody>
+      </p:sp>
+      <p:sp>
+        <p:nvSpPr>
+          <p:cNvPr id="6" name="正方形/長方形 5">
+            <a:extLst>
+              <a:ext uri="{FF2B5EF4-FFF2-40B4-BE49-F238E27FC236}">
+                <a16:creationId xmlns:a16="http://schemas.microsoft.com/office/drawing/2014/main" id="{0C721D61-15C3-00A4-47D9-A4BA4AB302B7}"/>
+              </a:ext>
+            </a:extLst>
+          </p:cNvPr>
+          <p:cNvSpPr/>
+          <p:nvPr/>
+        </p:nvSpPr>
+        <p:spPr>
+          <a:xfrm>
+            <a:off x="480094" y="4321065"/>
+            <a:ext cx="9829935" cy="769441"/>
+          </a:xfrm>
+          <a:prstGeom prst="rect">
+            <a:avLst/>
+          </a:prstGeom>
+          <a:noFill/>
+        </p:spPr>
+        <p:txBody>
+          <a:bodyPr wrap="none" lIns="91440" tIns="45720" rIns="91440" bIns="45720">
+            <a:spAutoFit/>
+          </a:bodyPr>
+          <a:lstStyle/>
+          <a:p>
+            <a:r>
+              <a:rPr lang="ja-JP" altLang="en-US" sz="4400" cap="none" spc="0" dirty="0">
+                <a:ln w="0"/>
+                <a:solidFill>
+                  <a:schemeClr val="tx1"/>
+                </a:solidFill>
+                <a:effectLst>
+                  <a:outerShdw blurRad="38100" dist="19050" dir="2700000" algn="tl" rotWithShape="0">
+                    <a:schemeClr val="dk1">
+                      <a:alpha val="40000"/>
+                    </a:schemeClr>
+                  </a:outerShdw>
+                </a:effectLst>
+              </a:rPr>
+              <a:t>リモートリポジトリの</a:t>
+            </a:r>
+            <a:r>
+              <a:rPr lang="en-US" altLang="ja-JP" sz="4400" cap="none" spc="0" dirty="0">
+                <a:ln w="0"/>
+                <a:solidFill>
+                  <a:schemeClr val="tx1"/>
+                </a:solidFill>
+                <a:effectLst>
+                  <a:outerShdw blurRad="38100" dist="19050" dir="2700000" algn="tl" rotWithShape="0">
+                    <a:schemeClr val="dk1">
+                      <a:alpha val="40000"/>
+                    </a:schemeClr>
+                  </a:outerShdw>
+                </a:effectLst>
+              </a:rPr>
+              <a:t>URL</a:t>
+            </a:r>
+            <a:r>
+              <a:rPr lang="ja-JP" altLang="en-US" sz="4400" cap="none" spc="0" dirty="0">
+                <a:ln w="0"/>
+                <a:solidFill>
+                  <a:schemeClr val="tx1"/>
+                </a:solidFill>
+                <a:effectLst>
+                  <a:outerShdw blurRad="38100" dist="19050" dir="2700000" algn="tl" rotWithShape="0">
+                    <a:schemeClr val="dk1">
+                      <a:alpha val="40000"/>
+                    </a:schemeClr>
+                  </a:outerShdw>
+                </a:effectLst>
+              </a:rPr>
+              <a:t>を</a:t>
+            </a:r>
+            <a:r>
+              <a:rPr lang="ja-JP" altLang="en-US" sz="4400" dirty="0">
+                <a:ln w="0"/>
+                <a:effectLst>
+                  <a:outerShdw blurRad="38100" dist="19050" dir="2700000" algn="tl" rotWithShape="0">
+                    <a:schemeClr val="dk1">
+                      <a:alpha val="40000"/>
+                    </a:schemeClr>
+                  </a:outerShdw>
+                </a:effectLst>
+              </a:rPr>
+              <a:t>削除</a:t>
+            </a:r>
+            <a:r>
+              <a:rPr lang="ja-JP" altLang="en-US" sz="4400" cap="none" spc="0" dirty="0">
+                <a:ln w="0"/>
+                <a:solidFill>
+                  <a:schemeClr val="tx1"/>
+                </a:solidFill>
+                <a:effectLst>
+                  <a:outerShdw blurRad="38100" dist="19050" dir="2700000" algn="tl" rotWithShape="0">
+                    <a:schemeClr val="dk1">
+                      <a:alpha val="40000"/>
+                    </a:schemeClr>
+                  </a:outerShdw>
+                </a:effectLst>
+              </a:rPr>
+              <a:t>する</a:t>
+            </a:r>
+          </a:p>
+        </p:txBody>
+      </p:sp>
+      <p:sp>
+        <p:nvSpPr>
+          <p:cNvPr id="7" name="正方形/長方形 6">
+            <a:extLst>
+              <a:ext uri="{FF2B5EF4-FFF2-40B4-BE49-F238E27FC236}">
+                <a16:creationId xmlns:a16="http://schemas.microsoft.com/office/drawing/2014/main" id="{688266EC-4D38-A7EF-8A68-5525B150DD68}"/>
+              </a:ext>
+            </a:extLst>
+          </p:cNvPr>
+          <p:cNvSpPr/>
+          <p:nvPr/>
+        </p:nvSpPr>
+        <p:spPr>
+          <a:xfrm>
+            <a:off x="480094" y="3215592"/>
+            <a:ext cx="9991839" cy="923330"/>
+          </a:xfrm>
+          <a:prstGeom prst="rect">
+            <a:avLst/>
+          </a:prstGeom>
+          <a:noFill/>
+        </p:spPr>
+        <p:txBody>
+          <a:bodyPr wrap="none" lIns="91440" tIns="45720" rIns="91440" bIns="45720">
+            <a:spAutoFit/>
+          </a:bodyPr>
+          <a:lstStyle/>
+          <a:p>
+            <a:pPr algn="ctr"/>
+            <a:r>
+              <a:rPr lang="en-US" altLang="ja-JP" sz="5400" dirty="0">
+                <a:ln w="0"/>
+                <a:solidFill>
+                  <a:schemeClr val="bg1"/>
+                </a:solidFill>
+                <a:effectLst>
+                  <a:outerShdw blurRad="38100" dist="25400" dir="5400000" algn="ctr" rotWithShape="0">
+                    <a:srgbClr val="6E747A">
+                      <a:alpha val="43000"/>
+                    </a:srgbClr>
+                  </a:outerShdw>
+                </a:effectLst>
+                <a:highlight>
+                  <a:srgbClr val="000000"/>
+                </a:highlight>
+              </a:rPr>
+              <a:t>g</a:t>
+            </a:r>
+            <a:r>
+              <a:rPr lang="en-US" altLang="ja-JP" sz="5400" b="0" cap="none" spc="0" dirty="0">
+                <a:ln w="0"/>
+                <a:solidFill>
+                  <a:schemeClr val="bg1"/>
+                </a:solidFill>
+                <a:effectLst>
+                  <a:outerShdw blurRad="38100" dist="25400" dir="5400000" algn="ctr" rotWithShape="0">
+                    <a:srgbClr val="6E747A">
+                      <a:alpha val="43000"/>
+                    </a:srgbClr>
+                  </a:outerShdw>
+                </a:effectLst>
+                <a:highlight>
+                  <a:srgbClr val="000000"/>
+                </a:highlight>
+              </a:rPr>
+              <a:t>it remote add </a:t>
+            </a:r>
+            <a:r>
+              <a:rPr lang="en-US" altLang="ja-JP" sz="3200" b="0" cap="none" spc="0" dirty="0">
+                <a:ln w="0"/>
+                <a:solidFill>
+                  <a:schemeClr val="bg1"/>
+                </a:solidFill>
+                <a:effectLst>
+                  <a:outerShdw blurRad="38100" dist="25400" dir="5400000" algn="ctr" rotWithShape="0">
+                    <a:srgbClr val="6E747A">
+                      <a:alpha val="43000"/>
+                    </a:srgbClr>
+                  </a:outerShdw>
+                </a:effectLst>
+                <a:highlight>
+                  <a:srgbClr val="000000"/>
+                </a:highlight>
+              </a:rPr>
+              <a:t>&lt;</a:t>
+            </a:r>
+            <a:r>
+              <a:rPr lang="ja-JP" altLang="en-US" sz="3200" b="0" cap="none" spc="0" dirty="0">
+                <a:ln w="0"/>
+                <a:solidFill>
+                  <a:schemeClr val="bg1"/>
+                </a:solidFill>
+                <a:effectLst>
+                  <a:outerShdw blurRad="38100" dist="25400" dir="5400000" algn="ctr" rotWithShape="0">
+                    <a:srgbClr val="6E747A">
+                      <a:alpha val="43000"/>
+                    </a:srgbClr>
+                  </a:outerShdw>
+                </a:effectLst>
+                <a:highlight>
+                  <a:srgbClr val="000000"/>
+                </a:highlight>
+              </a:rPr>
+              <a:t>ショートネーム</a:t>
+            </a:r>
+            <a:r>
+              <a:rPr lang="en-US" altLang="ja-JP" sz="3200" b="0" cap="none" spc="0" dirty="0">
+                <a:ln w="0"/>
+                <a:solidFill>
+                  <a:schemeClr val="bg1"/>
+                </a:solidFill>
+                <a:effectLst>
+                  <a:outerShdw blurRad="38100" dist="25400" dir="5400000" algn="ctr" rotWithShape="0">
+                    <a:srgbClr val="6E747A">
+                      <a:alpha val="43000"/>
+                    </a:srgbClr>
+                  </a:outerShdw>
+                </a:effectLst>
+                <a:highlight>
+                  <a:srgbClr val="000000"/>
+                </a:highlight>
+              </a:rPr>
+              <a:t>&gt; </a:t>
+            </a:r>
+            <a:r>
+              <a:rPr lang="en-US" altLang="ja-JP" sz="5400" b="0" cap="none" spc="0" dirty="0">
+                <a:ln w="0"/>
+                <a:solidFill>
+                  <a:schemeClr val="bg1"/>
+                </a:solidFill>
+                <a:effectLst>
+                  <a:outerShdw blurRad="38100" dist="25400" dir="5400000" algn="ctr" rotWithShape="0">
+                    <a:srgbClr val="6E747A">
+                      <a:alpha val="43000"/>
+                    </a:srgbClr>
+                  </a:outerShdw>
+                </a:effectLst>
+                <a:highlight>
+                  <a:srgbClr val="000000"/>
+                </a:highlight>
+              </a:rPr>
+              <a:t>URL</a:t>
+            </a:r>
+            <a:endParaRPr lang="ja-JP" altLang="en-US" sz="5400" b="0" cap="none" spc="0" dirty="0">
+              <a:ln w="0"/>
+              <a:solidFill>
+                <a:schemeClr val="bg1"/>
+              </a:solidFill>
+              <a:effectLst>
+                <a:outerShdw blurRad="38100" dist="25400" dir="5400000" algn="ctr" rotWithShape="0">
+                  <a:srgbClr val="6E747A">
+                    <a:alpha val="43000"/>
+                  </a:srgbClr>
+                </a:outerShdw>
+              </a:effectLst>
+              <a:highlight>
+                <a:srgbClr val="000000"/>
+              </a:highlight>
+            </a:endParaRPr>
+          </a:p>
+        </p:txBody>
+      </p:sp>
+      <p:sp>
+        <p:nvSpPr>
+          <p:cNvPr id="8" name="正方形/長方形 7">
+            <a:extLst>
+              <a:ext uri="{FF2B5EF4-FFF2-40B4-BE49-F238E27FC236}">
+                <a16:creationId xmlns:a16="http://schemas.microsoft.com/office/drawing/2014/main" id="{98D78EDE-849B-57B8-3356-21A7B2C6D564}"/>
+              </a:ext>
+            </a:extLst>
+          </p:cNvPr>
+          <p:cNvSpPr/>
+          <p:nvPr/>
+        </p:nvSpPr>
+        <p:spPr>
+          <a:xfrm>
+            <a:off x="480094" y="1270982"/>
+            <a:ext cx="4275529" cy="923330"/>
+          </a:xfrm>
+          <a:prstGeom prst="rect">
+            <a:avLst/>
+          </a:prstGeom>
+          <a:noFill/>
+        </p:spPr>
+        <p:txBody>
+          <a:bodyPr wrap="none" lIns="91440" tIns="45720" rIns="91440" bIns="45720">
+            <a:spAutoFit/>
+          </a:bodyPr>
+          <a:lstStyle/>
+          <a:p>
+            <a:pPr algn="ctr"/>
+            <a:r>
+              <a:rPr lang="en-US" altLang="ja-JP" sz="5400" dirty="0">
+                <a:ln w="0"/>
+                <a:solidFill>
+                  <a:schemeClr val="bg1"/>
+                </a:solidFill>
+                <a:effectLst>
+                  <a:outerShdw blurRad="38100" dist="25400" dir="5400000" algn="ctr" rotWithShape="0">
+                    <a:srgbClr val="6E747A">
+                      <a:alpha val="43000"/>
+                    </a:srgbClr>
+                  </a:outerShdw>
+                </a:effectLst>
+                <a:highlight>
+                  <a:srgbClr val="000000"/>
+                </a:highlight>
+              </a:rPr>
+              <a:t>g</a:t>
+            </a:r>
+            <a:r>
+              <a:rPr lang="en-US" altLang="ja-JP" sz="5400" b="0" cap="none" spc="0" dirty="0">
+                <a:ln w="0"/>
+                <a:solidFill>
+                  <a:schemeClr val="bg1"/>
+                </a:solidFill>
+                <a:effectLst>
+                  <a:outerShdw blurRad="38100" dist="25400" dir="5400000" algn="ctr" rotWithShape="0">
+                    <a:srgbClr val="6E747A">
+                      <a:alpha val="43000"/>
+                    </a:srgbClr>
+                  </a:outerShdw>
+                </a:effectLst>
+                <a:highlight>
+                  <a:srgbClr val="000000"/>
+                </a:highlight>
+              </a:rPr>
+              <a:t>it remote -v</a:t>
+            </a:r>
+            <a:endParaRPr lang="ja-JP" altLang="en-US" sz="5400" b="0" cap="none" spc="0" dirty="0">
+              <a:ln w="0"/>
+              <a:solidFill>
+                <a:schemeClr val="bg1"/>
+              </a:solidFill>
+              <a:effectLst>
+                <a:outerShdw blurRad="38100" dist="25400" dir="5400000" algn="ctr" rotWithShape="0">
+                  <a:srgbClr val="6E747A">
+                    <a:alpha val="43000"/>
+                  </a:srgbClr>
+                </a:outerShdw>
+              </a:effectLst>
+              <a:highlight>
+                <a:srgbClr val="000000"/>
+              </a:highlight>
+            </a:endParaRPr>
+          </a:p>
+        </p:txBody>
+      </p:sp>
+      <p:sp>
+        <p:nvSpPr>
+          <p:cNvPr id="9" name="正方形/長方形 8">
+            <a:extLst>
+              <a:ext uri="{FF2B5EF4-FFF2-40B4-BE49-F238E27FC236}">
+                <a16:creationId xmlns:a16="http://schemas.microsoft.com/office/drawing/2014/main" id="{3DC2BA02-D89D-51E4-D103-525376E229DE}"/>
+              </a:ext>
+            </a:extLst>
+          </p:cNvPr>
+          <p:cNvSpPr/>
+          <p:nvPr/>
+        </p:nvSpPr>
+        <p:spPr>
+          <a:xfrm>
+            <a:off x="480094" y="5125354"/>
+            <a:ext cx="9842759" cy="923330"/>
+          </a:xfrm>
+          <a:prstGeom prst="rect">
+            <a:avLst/>
+          </a:prstGeom>
+          <a:noFill/>
+        </p:spPr>
+        <p:txBody>
+          <a:bodyPr wrap="none" lIns="91440" tIns="45720" rIns="91440" bIns="45720">
+            <a:spAutoFit/>
+          </a:bodyPr>
+          <a:lstStyle/>
+          <a:p>
+            <a:pPr algn="ctr"/>
+            <a:r>
+              <a:rPr lang="en-US" altLang="ja-JP" sz="5400" dirty="0">
+                <a:ln w="0"/>
+                <a:solidFill>
+                  <a:schemeClr val="bg1"/>
+                </a:solidFill>
+                <a:effectLst>
+                  <a:outerShdw blurRad="38100" dist="25400" dir="5400000" algn="ctr" rotWithShape="0">
+                    <a:srgbClr val="6E747A">
+                      <a:alpha val="43000"/>
+                    </a:srgbClr>
+                  </a:outerShdw>
+                </a:effectLst>
+                <a:highlight>
+                  <a:srgbClr val="000000"/>
+                </a:highlight>
+              </a:rPr>
+              <a:t>g</a:t>
+            </a:r>
+            <a:r>
+              <a:rPr lang="en-US" altLang="ja-JP" sz="5400" b="0" cap="none" spc="0" dirty="0">
+                <a:ln w="0"/>
+                <a:solidFill>
+                  <a:schemeClr val="bg1"/>
+                </a:solidFill>
+                <a:effectLst>
+                  <a:outerShdw blurRad="38100" dist="25400" dir="5400000" algn="ctr" rotWithShape="0">
+                    <a:srgbClr val="6E747A">
+                      <a:alpha val="43000"/>
+                    </a:srgbClr>
+                  </a:outerShdw>
+                </a:effectLst>
+                <a:highlight>
+                  <a:srgbClr val="000000"/>
+                </a:highlight>
+              </a:rPr>
+              <a:t>it remote remove </a:t>
+            </a:r>
+            <a:r>
+              <a:rPr kumimoji="1" lang="en-US" altLang="ja-JP" sz="3200" b="0" i="0" u="none" strike="noStrike" kern="1200" cap="none" spc="0" normalizeH="0" baseline="0" noProof="0" dirty="0">
+                <a:ln w="0"/>
+                <a:solidFill>
+                  <a:prstClr val="white"/>
+                </a:solidFill>
+                <a:effectLst>
+                  <a:outerShdw blurRad="38100" dist="25400" dir="5400000" algn="ctr" rotWithShape="0">
+                    <a:srgbClr val="6E747A">
+                      <a:alpha val="43000"/>
+                    </a:srgbClr>
+                  </a:outerShdw>
+                </a:effectLst>
+                <a:highlight>
+                  <a:srgbClr val="000000"/>
+                </a:highlight>
+                <a:uLnTx/>
+                <a:uFillTx/>
+                <a:latin typeface="游ゴシック" panose="020F0502020204030204"/>
+                <a:ea typeface="游ゴシック" panose="020B0400000000000000" pitchFamily="50" charset="-128"/>
+                <a:cs typeface="+mn-cs"/>
+              </a:rPr>
+              <a:t>&lt;</a:t>
+            </a:r>
+            <a:r>
+              <a:rPr kumimoji="1" lang="ja-JP" altLang="en-US" sz="3200" b="0" i="0" u="none" strike="noStrike" kern="1200" cap="none" spc="0" normalizeH="0" baseline="0" noProof="0" dirty="0">
+                <a:ln w="0"/>
+                <a:solidFill>
+                  <a:prstClr val="white"/>
+                </a:solidFill>
+                <a:effectLst>
+                  <a:outerShdw blurRad="38100" dist="25400" dir="5400000" algn="ctr" rotWithShape="0">
+                    <a:srgbClr val="6E747A">
+                      <a:alpha val="43000"/>
+                    </a:srgbClr>
+                  </a:outerShdw>
+                </a:effectLst>
+                <a:highlight>
+                  <a:srgbClr val="000000"/>
+                </a:highlight>
+                <a:uLnTx/>
+                <a:uFillTx/>
+                <a:latin typeface="游ゴシック" panose="020F0502020204030204"/>
+                <a:ea typeface="游ゴシック" panose="020B0400000000000000" pitchFamily="50" charset="-128"/>
+                <a:cs typeface="+mn-cs"/>
+              </a:rPr>
+              <a:t>ショートネーム</a:t>
+            </a:r>
+            <a:r>
+              <a:rPr kumimoji="1" lang="en-US" altLang="ja-JP" sz="3200" b="0" i="0" u="none" strike="noStrike" kern="1200" cap="none" spc="0" normalizeH="0" baseline="0" noProof="0" dirty="0">
+                <a:ln w="0"/>
+                <a:solidFill>
+                  <a:prstClr val="white"/>
+                </a:solidFill>
+                <a:effectLst>
+                  <a:outerShdw blurRad="38100" dist="25400" dir="5400000" algn="ctr" rotWithShape="0">
+                    <a:srgbClr val="6E747A">
+                      <a:alpha val="43000"/>
+                    </a:srgbClr>
+                  </a:outerShdw>
+                </a:effectLst>
+                <a:highlight>
+                  <a:srgbClr val="000000"/>
+                </a:highlight>
+                <a:uLnTx/>
+                <a:uFillTx/>
+                <a:latin typeface="游ゴシック" panose="020F0502020204030204"/>
+                <a:ea typeface="游ゴシック" panose="020B0400000000000000" pitchFamily="50" charset="-128"/>
+                <a:cs typeface="+mn-cs"/>
+              </a:rPr>
+              <a:t>&gt;</a:t>
+            </a:r>
+            <a:r>
+              <a:rPr lang="en-US" altLang="ja-JP" sz="5400" b="0" cap="none" spc="0" dirty="0">
+                <a:ln w="0"/>
+                <a:solidFill>
+                  <a:schemeClr val="bg1"/>
+                </a:solidFill>
+                <a:effectLst>
+                  <a:outerShdw blurRad="38100" dist="25400" dir="5400000" algn="ctr" rotWithShape="0">
+                    <a:srgbClr val="6E747A">
+                      <a:alpha val="43000"/>
+                    </a:srgbClr>
+                  </a:outerShdw>
+                </a:effectLst>
+                <a:highlight>
+                  <a:srgbClr val="000000"/>
+                </a:highlight>
+              </a:rPr>
+              <a:t> </a:t>
+            </a:r>
+            <a:endParaRPr lang="ja-JP" altLang="en-US" sz="5400" b="0" cap="none" spc="0" dirty="0">
+              <a:ln w="0"/>
+              <a:solidFill>
+                <a:schemeClr val="bg1"/>
+              </a:solidFill>
+              <a:effectLst>
+                <a:outerShdw blurRad="38100" dist="25400" dir="5400000" algn="ctr" rotWithShape="0">
+                  <a:srgbClr val="6E747A">
+                    <a:alpha val="43000"/>
+                  </a:srgbClr>
+                </a:outerShdw>
+              </a:effectLst>
+              <a:highlight>
+                <a:srgbClr val="000000"/>
+              </a:highlight>
+            </a:endParaRPr>
+          </a:p>
+        </p:txBody>
+      </p:sp>
+    </p:spTree>
+    <p:extLst>
+      <p:ext uri="{BB962C8B-B14F-4D97-AF65-F5344CB8AC3E}">
+        <p14:creationId xmlns:p14="http://schemas.microsoft.com/office/powerpoint/2010/main" val="2236414510"/>
+      </p:ext>
+    </p:extLst>
+  </p:cSld>
+  <p:clrMapOvr>
+    <a:masterClrMapping/>
+  </p:clrMapOvr>
+</p:sld>
+</file>
+
+<file path=ppt/slides/slide27.xml><?xml version="1.0" encoding="utf-8"?>
+<p:sld xmlns:a="http://schemas.openxmlformats.org/drawingml/2006/main" xmlns:r="http://schemas.openxmlformats.org/officeDocument/2006/relationships" xmlns:p="http://schemas.openxmlformats.org/presentationml/2006/main">
+  <p:cSld>
+    <p:spTree>
+      <p:nvGrpSpPr>
+        <p:cNvPr id="1" name=""/>
+        <p:cNvGrpSpPr/>
+        <p:nvPr/>
+      </p:nvGrpSpPr>
+      <p:grpSpPr>
+        <a:xfrm>
+          <a:off x="0" y="0"/>
+          <a:ext cx="0" cy="0"/>
+          <a:chOff x="0" y="0"/>
+          <a:chExt cx="0" cy="0"/>
+        </a:xfrm>
+      </p:grpSpPr>
+      <p:sp>
+        <p:nvSpPr>
+          <p:cNvPr id="5" name="正方形/長方形 4">
+            <a:extLst>
+              <a:ext uri="{FF2B5EF4-FFF2-40B4-BE49-F238E27FC236}">
+                <a16:creationId xmlns:a16="http://schemas.microsoft.com/office/drawing/2014/main" id="{256877E6-07BC-1B8E-6371-2DCF709C3C96}"/>
+              </a:ext>
+            </a:extLst>
+          </p:cNvPr>
+          <p:cNvSpPr/>
+          <p:nvPr/>
+        </p:nvSpPr>
+        <p:spPr>
+          <a:xfrm>
+            <a:off x="480094" y="424595"/>
+            <a:ext cx="4134465" cy="769441"/>
+          </a:xfrm>
+          <a:prstGeom prst="rect">
+            <a:avLst/>
+          </a:prstGeom>
+          <a:noFill/>
+        </p:spPr>
+        <p:txBody>
+          <a:bodyPr wrap="none" lIns="91440" tIns="45720" rIns="91440" bIns="45720">
+            <a:spAutoFit/>
+          </a:bodyPr>
+          <a:lstStyle/>
+          <a:p>
+            <a:r>
+              <a:rPr lang="ja-JP" altLang="en-US" sz="4400" cap="none" spc="0" dirty="0">
+                <a:ln w="0"/>
+                <a:solidFill>
+                  <a:schemeClr val="tx1"/>
+                </a:solidFill>
+                <a:effectLst>
+                  <a:outerShdw blurRad="38100" dist="19050" dir="2700000" algn="tl" rotWithShape="0">
+                    <a:schemeClr val="dk1">
+                      <a:alpha val="40000"/>
+                    </a:schemeClr>
+                  </a:outerShdw>
+                </a:effectLst>
+              </a:rPr>
+              <a:t>ログを確認する</a:t>
+            </a:r>
+          </a:p>
+        </p:txBody>
+      </p:sp>
+      <p:sp>
+        <p:nvSpPr>
+          <p:cNvPr id="6" name="正方形/長方形 5">
+            <a:extLst>
+              <a:ext uri="{FF2B5EF4-FFF2-40B4-BE49-F238E27FC236}">
+                <a16:creationId xmlns:a16="http://schemas.microsoft.com/office/drawing/2014/main" id="{0C721D61-15C3-00A4-47D9-A4BA4AB302B7}"/>
+              </a:ext>
+            </a:extLst>
+          </p:cNvPr>
+          <p:cNvSpPr/>
+          <p:nvPr/>
+        </p:nvSpPr>
+        <p:spPr>
+          <a:xfrm>
+            <a:off x="394369" y="2869342"/>
+            <a:ext cx="5262979" cy="769441"/>
+          </a:xfrm>
+          <a:prstGeom prst="rect">
+            <a:avLst/>
+          </a:prstGeom>
+          <a:noFill/>
+        </p:spPr>
+        <p:txBody>
+          <a:bodyPr wrap="none" lIns="91440" tIns="45720" rIns="91440" bIns="45720">
+            <a:spAutoFit/>
+          </a:bodyPr>
+          <a:lstStyle/>
+          <a:p>
+            <a:r>
+              <a:rPr lang="ja-JP" altLang="en-US" sz="4400" dirty="0">
+                <a:ln w="0"/>
+                <a:effectLst>
+                  <a:outerShdw blurRad="38100" dist="19050" dir="2700000" algn="tl" rotWithShape="0">
+                    <a:schemeClr val="dk1">
+                      <a:alpha val="40000"/>
+                    </a:schemeClr>
+                  </a:outerShdw>
+                </a:effectLst>
+              </a:rPr>
+              <a:t>管理状況を確認する</a:t>
+            </a:r>
+            <a:endParaRPr lang="ja-JP" altLang="en-US" sz="4400" b="0" cap="none" spc="0" dirty="0">
+              <a:ln w="0"/>
+              <a:solidFill>
+                <a:schemeClr val="tx1"/>
+              </a:solidFill>
+              <a:effectLst>
+                <a:outerShdw blurRad="38100" dist="19050" dir="2700000" algn="tl" rotWithShape="0">
+                  <a:schemeClr val="dk1">
+                    <a:alpha val="40000"/>
+                  </a:schemeClr>
+                </a:outerShdw>
+              </a:effectLst>
+            </a:endParaRPr>
+          </a:p>
+        </p:txBody>
+      </p:sp>
+      <p:sp>
+        <p:nvSpPr>
+          <p:cNvPr id="7" name="正方形/長方形 6">
+            <a:extLst>
+              <a:ext uri="{FF2B5EF4-FFF2-40B4-BE49-F238E27FC236}">
+                <a16:creationId xmlns:a16="http://schemas.microsoft.com/office/drawing/2014/main" id="{688266EC-4D38-A7EF-8A68-5525B150DD68}"/>
+              </a:ext>
+            </a:extLst>
+          </p:cNvPr>
+          <p:cNvSpPr/>
+          <p:nvPr/>
+        </p:nvSpPr>
+        <p:spPr>
+          <a:xfrm>
+            <a:off x="480094" y="1228884"/>
+            <a:ext cx="2332691" cy="923330"/>
+          </a:xfrm>
+          <a:prstGeom prst="rect">
+            <a:avLst/>
+          </a:prstGeom>
+          <a:noFill/>
+        </p:spPr>
+        <p:txBody>
+          <a:bodyPr wrap="none" lIns="91440" tIns="45720" rIns="91440" bIns="45720">
+            <a:spAutoFit/>
+          </a:bodyPr>
+          <a:lstStyle/>
+          <a:p>
+            <a:pPr algn="ctr"/>
+            <a:r>
+              <a:rPr lang="en-US" altLang="ja-JP" sz="5400" dirty="0">
+                <a:ln w="0"/>
+                <a:solidFill>
+                  <a:schemeClr val="bg1"/>
+                </a:solidFill>
+                <a:effectLst>
+                  <a:outerShdw blurRad="38100" dist="25400" dir="5400000" algn="ctr" rotWithShape="0">
+                    <a:srgbClr val="6E747A">
+                      <a:alpha val="43000"/>
+                    </a:srgbClr>
+                  </a:outerShdw>
+                </a:effectLst>
+                <a:highlight>
+                  <a:srgbClr val="000000"/>
+                </a:highlight>
+              </a:rPr>
+              <a:t>git log </a:t>
+            </a:r>
+            <a:endParaRPr lang="ja-JP" altLang="en-US" sz="5400" b="0" cap="none" spc="0" dirty="0">
+              <a:ln w="0"/>
+              <a:solidFill>
+                <a:schemeClr val="bg1"/>
+              </a:solidFill>
+              <a:effectLst>
+                <a:outerShdw blurRad="38100" dist="25400" dir="5400000" algn="ctr" rotWithShape="0">
+                  <a:srgbClr val="6E747A">
+                    <a:alpha val="43000"/>
+                  </a:srgbClr>
+                </a:outerShdw>
+              </a:effectLst>
+              <a:highlight>
+                <a:srgbClr val="000000"/>
+              </a:highlight>
+            </a:endParaRPr>
+          </a:p>
+        </p:txBody>
+      </p:sp>
+      <p:sp>
+        <p:nvSpPr>
+          <p:cNvPr id="9" name="正方形/長方形 8">
+            <a:extLst>
+              <a:ext uri="{FF2B5EF4-FFF2-40B4-BE49-F238E27FC236}">
+                <a16:creationId xmlns:a16="http://schemas.microsoft.com/office/drawing/2014/main" id="{3DC2BA02-D89D-51E4-D103-525376E229DE}"/>
+              </a:ext>
+            </a:extLst>
+          </p:cNvPr>
+          <p:cNvSpPr/>
+          <p:nvPr/>
+        </p:nvSpPr>
+        <p:spPr>
+          <a:xfrm>
+            <a:off x="480094" y="3725179"/>
+            <a:ext cx="3167855" cy="923330"/>
+          </a:xfrm>
+          <a:prstGeom prst="rect">
+            <a:avLst/>
+          </a:prstGeom>
+          <a:noFill/>
+        </p:spPr>
+        <p:txBody>
+          <a:bodyPr wrap="none" lIns="91440" tIns="45720" rIns="91440" bIns="45720">
+            <a:spAutoFit/>
+          </a:bodyPr>
+          <a:lstStyle/>
+          <a:p>
+            <a:pPr algn="ctr"/>
+            <a:r>
+              <a:rPr lang="en-US" altLang="ja-JP" sz="5400" dirty="0">
+                <a:ln w="0"/>
+                <a:solidFill>
+                  <a:schemeClr val="bg1"/>
+                </a:solidFill>
+                <a:effectLst>
+                  <a:outerShdw blurRad="38100" dist="25400" dir="5400000" algn="ctr" rotWithShape="0">
+                    <a:srgbClr val="6E747A">
+                      <a:alpha val="43000"/>
+                    </a:srgbClr>
+                  </a:outerShdw>
+                </a:effectLst>
+                <a:highlight>
+                  <a:srgbClr val="000000"/>
+                </a:highlight>
+              </a:rPr>
+              <a:t>g</a:t>
+            </a:r>
+            <a:r>
+              <a:rPr lang="en-US" altLang="ja-JP" sz="5400" b="0" cap="none" spc="0" dirty="0">
+                <a:ln w="0"/>
+                <a:solidFill>
+                  <a:schemeClr val="bg1"/>
+                </a:solidFill>
+                <a:effectLst>
+                  <a:outerShdw blurRad="38100" dist="25400" dir="5400000" algn="ctr" rotWithShape="0">
+                    <a:srgbClr val="6E747A">
+                      <a:alpha val="43000"/>
+                    </a:srgbClr>
+                  </a:outerShdw>
+                </a:effectLst>
+                <a:highlight>
+                  <a:srgbClr val="000000"/>
+                </a:highlight>
+              </a:rPr>
+              <a:t>it status</a:t>
+            </a:r>
+            <a:endParaRPr lang="ja-JP" altLang="en-US" sz="5400" b="0" cap="none" spc="0" dirty="0">
+              <a:ln w="0"/>
+              <a:solidFill>
+                <a:schemeClr val="bg1"/>
+              </a:solidFill>
+              <a:effectLst>
+                <a:outerShdw blurRad="38100" dist="25400" dir="5400000" algn="ctr" rotWithShape="0">
+                  <a:srgbClr val="6E747A">
+                    <a:alpha val="43000"/>
+                  </a:srgbClr>
+                </a:outerShdw>
+              </a:effectLst>
+              <a:highlight>
+                <a:srgbClr val="000000"/>
+              </a:highlight>
+            </a:endParaRPr>
+          </a:p>
+        </p:txBody>
+      </p:sp>
+      <p:sp>
+        <p:nvSpPr>
+          <p:cNvPr id="2" name="正方形/長方形 1">
+            <a:extLst>
+              <a:ext uri="{FF2B5EF4-FFF2-40B4-BE49-F238E27FC236}">
+                <a16:creationId xmlns:a16="http://schemas.microsoft.com/office/drawing/2014/main" id="{472BD049-1992-81F2-33C9-4E1DB9B8AADF}"/>
+              </a:ext>
+            </a:extLst>
+          </p:cNvPr>
+          <p:cNvSpPr/>
+          <p:nvPr/>
+        </p:nvSpPr>
+        <p:spPr>
+          <a:xfrm>
+            <a:off x="3647949" y="1280431"/>
+            <a:ext cx="6210353" cy="461665"/>
+          </a:xfrm>
+          <a:prstGeom prst="rect">
+            <a:avLst/>
+          </a:prstGeom>
+          <a:noFill/>
+        </p:spPr>
+        <p:txBody>
+          <a:bodyPr wrap="none" lIns="91440" tIns="45720" rIns="91440" bIns="45720">
+            <a:spAutoFit/>
+          </a:bodyPr>
+          <a:lstStyle/>
+          <a:p>
+            <a:pPr algn="ctr"/>
+            <a:r>
+              <a:rPr lang="en-US" altLang="ja-JP" sz="2400" b="0" cap="none" spc="0" dirty="0">
+                <a:ln w="0"/>
+                <a:solidFill>
+                  <a:schemeClr val="tx1"/>
+                </a:solidFill>
+                <a:effectLst>
+                  <a:outerShdw blurRad="38100" dist="19050" dir="2700000" algn="tl" rotWithShape="0">
+                    <a:schemeClr val="dk1">
+                      <a:alpha val="40000"/>
+                    </a:schemeClr>
+                  </a:outerShdw>
+                </a:effectLst>
+              </a:rPr>
+              <a:t>…</a:t>
+            </a:r>
+            <a:r>
+              <a:rPr lang="ja-JP" altLang="en-US" sz="2400" b="0" cap="none" spc="0" dirty="0">
+                <a:ln w="0"/>
+                <a:solidFill>
+                  <a:schemeClr val="tx1"/>
+                </a:solidFill>
+                <a:effectLst>
+                  <a:outerShdw blurRad="38100" dist="19050" dir="2700000" algn="tl" rotWithShape="0">
+                    <a:schemeClr val="dk1">
+                      <a:alpha val="40000"/>
+                    </a:schemeClr>
+                  </a:outerShdw>
+                </a:effectLst>
+              </a:rPr>
+              <a:t>ログが長すぎる場合は</a:t>
+            </a:r>
+            <a:r>
+              <a:rPr lang="en-US" altLang="ja-JP" sz="2400" dirty="0">
+                <a:ln w="0"/>
+                <a:effectLst>
+                  <a:outerShdw blurRad="38100" dist="19050" dir="2700000" algn="tl" rotWithShape="0">
+                    <a:schemeClr val="dk1">
+                      <a:alpha val="40000"/>
+                    </a:schemeClr>
+                  </a:outerShdw>
+                </a:effectLst>
+              </a:rPr>
+              <a:t>q</a:t>
+            </a:r>
+            <a:r>
+              <a:rPr lang="ja-JP" altLang="en-US" sz="2400" dirty="0">
+                <a:ln w="0"/>
+                <a:effectLst>
+                  <a:outerShdw blurRad="38100" dist="19050" dir="2700000" algn="tl" rotWithShape="0">
+                    <a:schemeClr val="dk1">
+                      <a:alpha val="40000"/>
+                    </a:schemeClr>
+                  </a:outerShdw>
+                </a:effectLst>
+              </a:rPr>
+              <a:t>でログ閲覧を終了</a:t>
+            </a:r>
+            <a:endParaRPr lang="ja-JP" altLang="en-US" sz="2400" b="0" cap="none" spc="0" dirty="0">
+              <a:ln w="0"/>
+              <a:solidFill>
+                <a:schemeClr val="tx1"/>
+              </a:solidFill>
+              <a:effectLst>
+                <a:outerShdw blurRad="38100" dist="19050" dir="2700000" algn="tl" rotWithShape="0">
+                  <a:schemeClr val="dk1">
+                    <a:alpha val="40000"/>
+                  </a:schemeClr>
+                </a:outerShdw>
+              </a:effectLst>
+            </a:endParaRPr>
+          </a:p>
+        </p:txBody>
+      </p:sp>
+      <p:sp>
+        <p:nvSpPr>
+          <p:cNvPr id="10" name="正方形/長方形 9">
+            <a:extLst>
+              <a:ext uri="{FF2B5EF4-FFF2-40B4-BE49-F238E27FC236}">
+                <a16:creationId xmlns:a16="http://schemas.microsoft.com/office/drawing/2014/main" id="{FCE35499-580A-1313-69CD-45F2884C83F2}"/>
+              </a:ext>
+            </a:extLst>
+          </p:cNvPr>
+          <p:cNvSpPr/>
+          <p:nvPr/>
+        </p:nvSpPr>
+        <p:spPr>
+          <a:xfrm>
+            <a:off x="4114943" y="3817512"/>
+            <a:ext cx="6647975" cy="830997"/>
+          </a:xfrm>
+          <a:prstGeom prst="rect">
+            <a:avLst/>
+          </a:prstGeom>
+          <a:noFill/>
+        </p:spPr>
+        <p:txBody>
+          <a:bodyPr wrap="none" lIns="91440" tIns="45720" rIns="91440" bIns="45720">
+            <a:spAutoFit/>
+          </a:bodyPr>
+          <a:lstStyle/>
+          <a:p>
+            <a:pPr algn="ctr"/>
+            <a:r>
+              <a:rPr lang="en-US" altLang="ja-JP" sz="2400" b="0" cap="none" spc="0" dirty="0">
+                <a:ln w="0"/>
+                <a:solidFill>
+                  <a:schemeClr val="tx1"/>
+                </a:solidFill>
+                <a:effectLst>
+                  <a:outerShdw blurRad="38100" dist="19050" dir="2700000" algn="tl" rotWithShape="0">
+                    <a:schemeClr val="dk1">
+                      <a:alpha val="40000"/>
+                    </a:schemeClr>
+                  </a:outerShdw>
+                </a:effectLst>
+              </a:rPr>
+              <a:t>…</a:t>
+            </a:r>
+            <a:r>
+              <a:rPr lang="ja-JP" altLang="en-US" sz="2400" b="0" cap="none" spc="0" dirty="0">
+                <a:ln w="0"/>
+                <a:solidFill>
+                  <a:schemeClr val="tx1"/>
+                </a:solidFill>
+                <a:effectLst>
+                  <a:outerShdw blurRad="38100" dist="19050" dir="2700000" algn="tl" rotWithShape="0">
+                    <a:schemeClr val="dk1">
+                      <a:alpha val="40000"/>
+                    </a:schemeClr>
+                  </a:outerShdw>
+                </a:effectLst>
+              </a:rPr>
+              <a:t>赤色は管理外、緑色は管理対象のファイル</a:t>
+            </a:r>
+            <a:endParaRPr lang="en-US" altLang="ja-JP" sz="2400" b="0" cap="none" spc="0" dirty="0">
+              <a:ln w="0"/>
+              <a:solidFill>
+                <a:schemeClr val="tx1"/>
+              </a:solidFill>
+              <a:effectLst>
+                <a:outerShdw blurRad="38100" dist="19050" dir="2700000" algn="tl" rotWithShape="0">
+                  <a:schemeClr val="dk1">
+                    <a:alpha val="40000"/>
+                  </a:schemeClr>
+                </a:outerShdw>
+              </a:effectLst>
+            </a:endParaRPr>
+          </a:p>
+          <a:p>
+            <a:pPr algn="ctr"/>
+            <a:r>
+              <a:rPr lang="ja-JP" altLang="en-US" sz="2400" b="0" cap="none" spc="0" dirty="0">
+                <a:ln w="0"/>
+                <a:solidFill>
+                  <a:schemeClr val="tx1"/>
+                </a:solidFill>
+                <a:effectLst>
+                  <a:outerShdw blurRad="38100" dist="19050" dir="2700000" algn="tl" rotWithShape="0">
+                    <a:schemeClr val="dk1">
+                      <a:alpha val="40000"/>
+                    </a:schemeClr>
+                  </a:outerShdw>
+                </a:effectLst>
+              </a:rPr>
+              <a:t>変更が加わったものも赤色として出力される。</a:t>
+            </a:r>
+          </a:p>
+        </p:txBody>
+      </p:sp>
+      <p:sp>
+        <p:nvSpPr>
+          <p:cNvPr id="11" name="正方形/長方形 10">
+            <a:extLst>
+              <a:ext uri="{FF2B5EF4-FFF2-40B4-BE49-F238E27FC236}">
+                <a16:creationId xmlns:a16="http://schemas.microsoft.com/office/drawing/2014/main" id="{8175195C-77C6-11F8-A1B1-0E73A834BFE7}"/>
+              </a:ext>
+            </a:extLst>
+          </p:cNvPr>
+          <p:cNvSpPr/>
+          <p:nvPr/>
+        </p:nvSpPr>
+        <p:spPr>
+          <a:xfrm>
+            <a:off x="3647949" y="1669878"/>
+            <a:ext cx="5674951" cy="461665"/>
+          </a:xfrm>
+          <a:prstGeom prst="rect">
+            <a:avLst/>
+          </a:prstGeom>
+          <a:noFill/>
+        </p:spPr>
+        <p:txBody>
+          <a:bodyPr wrap="none" lIns="91440" tIns="45720" rIns="91440" bIns="45720">
+            <a:spAutoFit/>
+          </a:bodyPr>
+          <a:lstStyle/>
+          <a:p>
+            <a:pPr algn="ctr"/>
+            <a:r>
+              <a:rPr lang="en-US" altLang="ja-JP" sz="2400" b="0" cap="none" spc="0" dirty="0">
+                <a:ln w="0"/>
+                <a:solidFill>
+                  <a:schemeClr val="tx1"/>
+                </a:solidFill>
+                <a:effectLst>
+                  <a:outerShdw blurRad="38100" dist="19050" dir="2700000" algn="tl" rotWithShape="0">
+                    <a:schemeClr val="dk1">
+                      <a:alpha val="40000"/>
+                    </a:schemeClr>
+                  </a:outerShdw>
+                </a:effectLst>
+              </a:rPr>
+              <a:t>… -3</a:t>
+            </a:r>
+            <a:r>
+              <a:rPr lang="ja-JP" altLang="en-US" sz="2400" b="0" cap="none" spc="0" dirty="0">
+                <a:ln w="0"/>
+                <a:solidFill>
+                  <a:schemeClr val="tx1"/>
+                </a:solidFill>
+                <a:effectLst>
+                  <a:outerShdw blurRad="38100" dist="19050" dir="2700000" algn="tl" rotWithShape="0">
+                    <a:schemeClr val="dk1">
+                      <a:alpha val="40000"/>
+                    </a:schemeClr>
+                  </a:outerShdw>
+                </a:effectLst>
+              </a:rPr>
+              <a:t>を付けると最新ログの</a:t>
+            </a:r>
+            <a:r>
+              <a:rPr lang="en-US" altLang="ja-JP" sz="2400" b="0" cap="none" spc="0" dirty="0">
+                <a:ln w="0"/>
+                <a:solidFill>
+                  <a:schemeClr val="tx1"/>
+                </a:solidFill>
+                <a:effectLst>
+                  <a:outerShdw blurRad="38100" dist="19050" dir="2700000" algn="tl" rotWithShape="0">
+                    <a:schemeClr val="dk1">
+                      <a:alpha val="40000"/>
+                    </a:schemeClr>
+                  </a:outerShdw>
+                </a:effectLst>
+              </a:rPr>
+              <a:t>3</a:t>
+            </a:r>
+            <a:r>
+              <a:rPr lang="ja-JP" altLang="en-US" sz="2400" b="0" cap="none" spc="0" dirty="0">
+                <a:ln w="0"/>
+                <a:solidFill>
+                  <a:schemeClr val="tx1"/>
+                </a:solidFill>
+                <a:effectLst>
+                  <a:outerShdw blurRad="38100" dist="19050" dir="2700000" algn="tl" rotWithShape="0">
+                    <a:schemeClr val="dk1">
+                      <a:alpha val="40000"/>
+                    </a:schemeClr>
+                  </a:outerShdw>
+                </a:effectLst>
+              </a:rPr>
+              <a:t>つ分を表示</a:t>
+            </a:r>
+          </a:p>
+        </p:txBody>
+      </p:sp>
+    </p:spTree>
+    <p:extLst>
+      <p:ext uri="{BB962C8B-B14F-4D97-AF65-F5344CB8AC3E}">
+        <p14:creationId xmlns:p14="http://schemas.microsoft.com/office/powerpoint/2010/main" val="539344250"/>
+      </p:ext>
+    </p:extLst>
+  </p:cSld>
+  <p:clrMapOvr>
+    <a:masterClrMapping/>
+  </p:clrMapOvr>
+</p:sld>
+</file>
+
+<file path=ppt/slides/slide28.xml><?xml version="1.0" encoding="utf-8"?>
+<p:sld xmlns:a="http://schemas.openxmlformats.org/drawingml/2006/main" xmlns:r="http://schemas.openxmlformats.org/officeDocument/2006/relationships" xmlns:p="http://schemas.openxmlformats.org/presentationml/2006/main" show="0">
   <p:cSld>
     <p:spTree>
       <p:nvGrpSpPr>
@@ -20758,7 +22301,7 @@
 </p:sld>
 </file>
 
-<file path=ppt/slides/slide26.xml><?xml version="1.0" encoding="utf-8"?>
+<file path=ppt/slides/slide29.xml><?xml version="1.0" encoding="utf-8"?>
 <p:sld xmlns:a="http://schemas.openxmlformats.org/drawingml/2006/main" xmlns:r="http://schemas.openxmlformats.org/officeDocument/2006/relationships" xmlns:p="http://schemas.openxmlformats.org/presentationml/2006/main" show="0">
   <p:cSld>
     <p:spTree>
@@ -22983,7 +24526,94 @@
 </p:sld>
 </file>
 
-<file path=ppt/slides/slide27.xml><?xml version="1.0" encoding="utf-8"?>
+<file path=ppt/slides/slide3.xml><?xml version="1.0" encoding="utf-8"?>
+<p:sld xmlns:a="http://schemas.openxmlformats.org/drawingml/2006/main" xmlns:r="http://schemas.openxmlformats.org/officeDocument/2006/relationships" xmlns:p="http://schemas.openxmlformats.org/presentationml/2006/main">
+  <p:cSld>
+    <p:spTree>
+      <p:nvGrpSpPr>
+        <p:cNvPr id="1" name=""/>
+        <p:cNvGrpSpPr/>
+        <p:nvPr/>
+      </p:nvGrpSpPr>
+      <p:grpSpPr>
+        <a:xfrm>
+          <a:off x="0" y="0"/>
+          <a:ext cx="0" cy="0"/>
+          <a:chOff x="0" y="0"/>
+          <a:chExt cx="0" cy="0"/>
+        </a:xfrm>
+      </p:grpSpPr>
+      <p:sp>
+        <p:nvSpPr>
+          <p:cNvPr id="4" name="タイトル 1">
+            <a:extLst>
+              <a:ext uri="{FF2B5EF4-FFF2-40B4-BE49-F238E27FC236}">
+                <a16:creationId xmlns:a16="http://schemas.microsoft.com/office/drawing/2014/main" id="{84EA8041-9DDB-4AE6-A270-8F2F2180525F}"/>
+              </a:ext>
+            </a:extLst>
+          </p:cNvPr>
+          <p:cNvSpPr txBox="1">
+            <a:spLocks/>
+          </p:cNvSpPr>
+          <p:nvPr/>
+        </p:nvSpPr>
+        <p:spPr>
+          <a:xfrm>
+            <a:off x="1524000" y="2848090"/>
+            <a:ext cx="9144000" cy="580910"/>
+          </a:xfrm>
+          <a:prstGeom prst="rect">
+            <a:avLst/>
+          </a:prstGeom>
+        </p:spPr>
+        <p:txBody>
+          <a:bodyPr/>
+          <a:lstStyle>
+            <a:lvl1pPr algn="l" defTabSz="914400" rtl="0" eaLnBrk="1" latinLnBrk="0" hangingPunct="1">
+              <a:lnSpc>
+                <a:spcPct val="90000"/>
+              </a:lnSpc>
+              <a:spcBef>
+                <a:spcPct val="0"/>
+              </a:spcBef>
+              <a:buNone/>
+              <a:defRPr kumimoji="1" sz="4400" kern="1200">
+                <a:solidFill>
+                  <a:schemeClr val="tx1"/>
+                </a:solidFill>
+                <a:latin typeface="+mj-lt"/>
+                <a:ea typeface="+mj-ea"/>
+                <a:cs typeface="+mj-cs"/>
+              </a:defRPr>
+            </a:lvl1pPr>
+          </a:lstStyle>
+          <a:p>
+            <a:pPr algn="ctr"/>
+            <a:r>
+              <a:rPr lang="en-US" altLang="ja-JP" dirty="0"/>
+              <a:t>Git</a:t>
+            </a:r>
+            <a:r>
+              <a:rPr lang="ja-JP" altLang="en-US" dirty="0"/>
+              <a:t>の概要</a:t>
+            </a:r>
+          </a:p>
+        </p:txBody>
+      </p:sp>
+    </p:spTree>
+    <p:extLst>
+      <p:ext uri="{BB962C8B-B14F-4D97-AF65-F5344CB8AC3E}">
+        <p14:creationId xmlns:p14="http://schemas.microsoft.com/office/powerpoint/2010/main" val="1748947351"/>
+      </p:ext>
+    </p:extLst>
+  </p:cSld>
+  <p:clrMapOvr>
+    <a:masterClrMapping/>
+  </p:clrMapOvr>
+</p:sld>
+</file>
+
+<file path=ppt/slides/slide30.xml><?xml version="1.0" encoding="utf-8"?>
 <p:sld xmlns:a="http://schemas.openxmlformats.org/drawingml/2006/main" xmlns:r="http://schemas.openxmlformats.org/officeDocument/2006/relationships" xmlns:p="http://schemas.openxmlformats.org/presentationml/2006/main">
   <p:cSld>
     <p:spTree>
@@ -23066,7 +24696,7 @@
 </p:sld>
 </file>
 
-<file path=ppt/slides/slide28.xml><?xml version="1.0" encoding="utf-8"?>
+<file path=ppt/slides/slide31.xml><?xml version="1.0" encoding="utf-8"?>
 <p:sld xmlns:a="http://schemas.openxmlformats.org/drawingml/2006/main" xmlns:r="http://schemas.openxmlformats.org/officeDocument/2006/relationships" xmlns:p="http://schemas.openxmlformats.org/presentationml/2006/main">
   <p:cSld>
     <p:spTree>
@@ -24320,7 +25950,7 @@
 </p:sld>
 </file>
 
-<file path=ppt/slides/slide29.xml><?xml version="1.0" encoding="utf-8"?>
+<file path=ppt/slides/slide32.xml><?xml version="1.0" encoding="utf-8"?>
 <p:sld xmlns:a="http://schemas.openxmlformats.org/drawingml/2006/main" xmlns:r="http://schemas.openxmlformats.org/officeDocument/2006/relationships" xmlns:p="http://schemas.openxmlformats.org/presentationml/2006/main">
   <p:cSld>
     <p:spTree>
@@ -26181,94 +27811,7 @@
 </p:sld>
 </file>
 
-<file path=ppt/slides/slide3.xml><?xml version="1.0" encoding="utf-8"?>
-<p:sld xmlns:a="http://schemas.openxmlformats.org/drawingml/2006/main" xmlns:r="http://schemas.openxmlformats.org/officeDocument/2006/relationships" xmlns:p="http://schemas.openxmlformats.org/presentationml/2006/main">
-  <p:cSld>
-    <p:spTree>
-      <p:nvGrpSpPr>
-        <p:cNvPr id="1" name=""/>
-        <p:cNvGrpSpPr/>
-        <p:nvPr/>
-      </p:nvGrpSpPr>
-      <p:grpSpPr>
-        <a:xfrm>
-          <a:off x="0" y="0"/>
-          <a:ext cx="0" cy="0"/>
-          <a:chOff x="0" y="0"/>
-          <a:chExt cx="0" cy="0"/>
-        </a:xfrm>
-      </p:grpSpPr>
-      <p:sp>
-        <p:nvSpPr>
-          <p:cNvPr id="4" name="タイトル 1">
-            <a:extLst>
-              <a:ext uri="{FF2B5EF4-FFF2-40B4-BE49-F238E27FC236}">
-                <a16:creationId xmlns:a16="http://schemas.microsoft.com/office/drawing/2014/main" id="{84EA8041-9DDB-4AE6-A270-8F2F2180525F}"/>
-              </a:ext>
-            </a:extLst>
-          </p:cNvPr>
-          <p:cNvSpPr txBox="1">
-            <a:spLocks/>
-          </p:cNvSpPr>
-          <p:nvPr/>
-        </p:nvSpPr>
-        <p:spPr>
-          <a:xfrm>
-            <a:off x="1524000" y="2848090"/>
-            <a:ext cx="9144000" cy="580910"/>
-          </a:xfrm>
-          <a:prstGeom prst="rect">
-            <a:avLst/>
-          </a:prstGeom>
-        </p:spPr>
-        <p:txBody>
-          <a:bodyPr/>
-          <a:lstStyle>
-            <a:lvl1pPr algn="l" defTabSz="914400" rtl="0" eaLnBrk="1" latinLnBrk="0" hangingPunct="1">
-              <a:lnSpc>
-                <a:spcPct val="90000"/>
-              </a:lnSpc>
-              <a:spcBef>
-                <a:spcPct val="0"/>
-              </a:spcBef>
-              <a:buNone/>
-              <a:defRPr kumimoji="1" sz="4400" kern="1200">
-                <a:solidFill>
-                  <a:schemeClr val="tx1"/>
-                </a:solidFill>
-                <a:latin typeface="+mj-lt"/>
-                <a:ea typeface="+mj-ea"/>
-                <a:cs typeface="+mj-cs"/>
-              </a:defRPr>
-            </a:lvl1pPr>
-          </a:lstStyle>
-          <a:p>
-            <a:pPr algn="ctr"/>
-            <a:r>
-              <a:rPr lang="en-US" altLang="ja-JP" dirty="0"/>
-              <a:t>Git</a:t>
-            </a:r>
-            <a:r>
-              <a:rPr lang="ja-JP" altLang="en-US" dirty="0"/>
-              <a:t>の概要</a:t>
-            </a:r>
-          </a:p>
-        </p:txBody>
-      </p:sp>
-    </p:spTree>
-    <p:extLst>
-      <p:ext uri="{BB962C8B-B14F-4D97-AF65-F5344CB8AC3E}">
-        <p14:creationId xmlns:p14="http://schemas.microsoft.com/office/powerpoint/2010/main" val="1748947351"/>
-      </p:ext>
-    </p:extLst>
-  </p:cSld>
-  <p:clrMapOvr>
-    <a:masterClrMapping/>
-  </p:clrMapOvr>
-</p:sld>
-</file>
-
-<file path=ppt/slides/slide30.xml><?xml version="1.0" encoding="utf-8"?>
+<file path=ppt/slides/slide33.xml><?xml version="1.0" encoding="utf-8"?>
 <p:sld xmlns:a="http://schemas.openxmlformats.org/drawingml/2006/main" xmlns:r="http://schemas.openxmlformats.org/officeDocument/2006/relationships" xmlns:p="http://schemas.openxmlformats.org/presentationml/2006/main">
   <p:cSld>
     <p:spTree>
@@ -26298,7 +27841,7 @@
 </p:sld>
 </file>
 
-<file path=ppt/slides/slide31.xml><?xml version="1.0" encoding="utf-8"?>
+<file path=ppt/slides/slide34.xml><?xml version="1.0" encoding="utf-8"?>
 <p:sld xmlns:a="http://schemas.openxmlformats.org/drawingml/2006/main" xmlns:r="http://schemas.openxmlformats.org/officeDocument/2006/relationships" xmlns:p="http://schemas.openxmlformats.org/presentationml/2006/main">
   <p:cSld>
     <p:spTree>
@@ -26931,13 +28474,13 @@
             <p:nvPr/>
           </p:nvPicPr>
           <p:blipFill>
-            <a:blip r:embed="rId3">
+            <a:blip r:embed="rId6">
               <a:extLst>
                 <a:ext uri="{28A0092B-C50C-407E-A947-70E740481C1C}">
                   <a14:useLocalDpi xmlns:a14="http://schemas.microsoft.com/office/drawing/2010/main" val="0"/>
                 </a:ext>
                 <a:ext uri="{96DAC541-7B7A-43D3-8B79-37D633B846F1}">
-                  <asvg:svgBlip xmlns:asvg="http://schemas.microsoft.com/office/drawing/2016/SVG/main" r:embed="rId4"/>
+                  <asvg:svgBlip xmlns:asvg="http://schemas.microsoft.com/office/drawing/2016/SVG/main" r:embed="rId7"/>
                 </a:ext>
                 <a:ext uri="{837473B0-CC2E-450A-ABE3-18F120FF3D39}">
                   <a1611:picAttrSrcUrl xmlns:a1611="http://schemas.microsoft.com/office/drawing/2016/11/main" r:id="rId5"/>
@@ -27248,8 +28791,8 @@
           </p:nvSpPr>
           <p:spPr>
             <a:xfrm>
-              <a:off x="6654987" y="2422944"/>
-              <a:ext cx="1356711" cy="369332"/>
+              <a:off x="6648032" y="2479780"/>
+              <a:ext cx="1481313" cy="369332"/>
             </a:xfrm>
             <a:prstGeom prst="rect">
               <a:avLst/>
@@ -27615,13 +29158,13 @@
             </p:spPr>
             <p:style>
               <a:lnRef idx="1">
-                <a:schemeClr val="accent3"/>
+                <a:schemeClr val="accent2"/>
               </a:lnRef>
               <a:fillRef idx="2">
-                <a:schemeClr val="accent3"/>
+                <a:schemeClr val="accent2"/>
               </a:fillRef>
               <a:effectRef idx="1">
-                <a:schemeClr val="accent3"/>
+                <a:schemeClr val="accent2"/>
               </a:effectRef>
               <a:fontRef idx="minor">
                 <a:schemeClr val="dk1"/>
@@ -27719,13 +29262,13 @@
             </p:spPr>
             <p:style>
               <a:lnRef idx="1">
-                <a:schemeClr val="accent3"/>
+                <a:schemeClr val="accent5"/>
               </a:lnRef>
               <a:fillRef idx="2">
-                <a:schemeClr val="accent3"/>
+                <a:schemeClr val="accent5"/>
               </a:fillRef>
               <a:effectRef idx="1">
-                <a:schemeClr val="accent3"/>
+                <a:schemeClr val="accent5"/>
               </a:effectRef>
               <a:fontRef idx="minor">
                 <a:schemeClr val="dk1"/>
@@ -31714,9 +33257,15 @@
               <a:gd name="adj" fmla="val 50000"/>
             </a:avLst>
           </a:prstGeom>
+          <a:solidFill>
+            <a:schemeClr val="accent2">
+              <a:lumMod val="40000"/>
+              <a:lumOff val="60000"/>
+            </a:schemeClr>
+          </a:solidFill>
           <a:ln>
             <a:solidFill>
-              <a:srgbClr val="5B9BD5"/>
+              <a:srgbClr val="FF0000"/>
             </a:solidFill>
           </a:ln>
         </p:spPr>
@@ -31823,11 +33372,22 @@
           </a:xfrm>
           <a:prstGeom prst="wedgeRoundRectCallout">
             <a:avLst>
-              <a:gd name="adj1" fmla="val -16599"/>
-              <a:gd name="adj2" fmla="val 125134"/>
+              <a:gd name="adj1" fmla="val -29668"/>
+              <a:gd name="adj2" fmla="val 82902"/>
               <a:gd name="adj3" fmla="val 16667"/>
             </a:avLst>
           </a:prstGeom>
+          <a:solidFill>
+            <a:schemeClr val="accent2">
+              <a:lumMod val="40000"/>
+              <a:lumOff val="60000"/>
+            </a:schemeClr>
+          </a:solidFill>
+          <a:ln>
+            <a:solidFill>
+              <a:srgbClr val="FF0000"/>
+            </a:solidFill>
+          </a:ln>
         </p:spPr>
         <p:style>
           <a:lnRef idx="2">
